--- a/CYBER360-1.5-OO-Principles.pptx
+++ b/CYBER360-1.5-OO-Principles.pptx
@@ -210,6 +210,30 @@
     </pc:docChg>
   </pc:docChgLst>
   <pc:docChgLst>
+    <pc:chgData name="Gibbons, Carl" userId="d2b037bc-8fb4-4222-845c-61440543a456" providerId="ADAL" clId="{ACF90228-EFF2-4732-BE47-2165A82AAC55}"/>
+    <pc:docChg chg="modSld">
+      <pc:chgData name="Gibbons, Carl" userId="d2b037bc-8fb4-4222-845c-61440543a456" providerId="ADAL" clId="{ACF90228-EFF2-4732-BE47-2165A82AAC55}" dt="2024-01-09T21:29:00.955" v="0"/>
+      <pc:docMkLst>
+        <pc:docMk/>
+      </pc:docMkLst>
+      <pc:sldChg chg="modSp mod">
+        <pc:chgData name="Gibbons, Carl" userId="d2b037bc-8fb4-4222-845c-61440543a456" providerId="ADAL" clId="{ACF90228-EFF2-4732-BE47-2165A82AAC55}" dt="2024-01-09T21:29:00.955" v="0"/>
+        <pc:sldMkLst>
+          <pc:docMk/>
+          <pc:sldMk cId="1055206713" sldId="269"/>
+        </pc:sldMkLst>
+        <pc:spChg chg="mod">
+          <ac:chgData name="Gibbons, Carl" userId="d2b037bc-8fb4-4222-845c-61440543a456" providerId="ADAL" clId="{ACF90228-EFF2-4732-BE47-2165A82AAC55}" dt="2024-01-09T21:29:00.955" v="0"/>
+          <ac:spMkLst>
+            <pc:docMk/>
+            <pc:sldMk cId="1055206713" sldId="269"/>
+            <ac:spMk id="4" creationId="{B64A8207-997F-319E-7F6D-676D3ECA779B}"/>
+          </ac:spMkLst>
+        </pc:spChg>
+      </pc:sldChg>
+    </pc:docChg>
+  </pc:docChgLst>
+  <pc:docChgLst>
     <pc:chgData name="Gibbons, Carl" userId="d2b037bc-8fb4-4222-845c-61440543a456" providerId="ADAL" clId="{DD1CE632-2E50-4DF6-A094-0B92632EBA8E}"/>
     <pc:docChg chg="modSld">
       <pc:chgData name="Gibbons, Carl" userId="d2b037bc-8fb4-4222-845c-61440543a456" providerId="ADAL" clId="{DD1CE632-2E50-4DF6-A094-0B92632EBA8E}" dt="2023-12-06T17:42:28.848" v="23" actId="20577"/>
@@ -506,7 +530,7 @@
           <a:p>
             <a:fld id="{0D69348B-4620-44E9-BF3F-EACBA9EEF323}" type="datetimeFigureOut">
               <a:rPr lang="en-US" smtClean="0"/>
-              <a:t>12/21/2023</a:t>
+              <a:t>1/9/2024</a:t>
             </a:fld>
             <a:endParaRPr lang="en-US"/>
           </a:p>
@@ -918,7 +942,7 @@
           <a:p>
             <a:fld id="{0D69348B-4620-44E9-BF3F-EACBA9EEF323}" type="datetimeFigureOut">
               <a:rPr lang="en-US" smtClean="0"/>
-              <a:t>12/21/2023</a:t>
+              <a:t>1/9/2024</a:t>
             </a:fld>
             <a:endParaRPr lang="en-US"/>
           </a:p>
@@ -1059,7 +1083,7 @@
           <a:p>
             <a:fld id="{0D69348B-4620-44E9-BF3F-EACBA9EEF323}" type="datetimeFigureOut">
               <a:rPr lang="en-US" smtClean="0"/>
-              <a:t>12/21/2023</a:t>
+              <a:t>1/9/2024</a:t>
             </a:fld>
             <a:endParaRPr lang="en-US"/>
           </a:p>
@@ -1172,7 +1196,7 @@
           <a:p>
             <a:fld id="{0D69348B-4620-44E9-BF3F-EACBA9EEF323}" type="datetimeFigureOut">
               <a:rPr lang="en-US" smtClean="0"/>
-              <a:t>12/21/2023</a:t>
+              <a:t>1/9/2024</a:t>
             </a:fld>
             <a:endParaRPr lang="en-US"/>
           </a:p>
@@ -1483,7 +1507,7 @@
           <a:p>
             <a:fld id="{0D69348B-4620-44E9-BF3F-EACBA9EEF323}" type="datetimeFigureOut">
               <a:rPr lang="en-US" smtClean="0"/>
-              <a:t>12/21/2023</a:t>
+              <a:t>1/9/2024</a:t>
             </a:fld>
             <a:endParaRPr lang="en-US"/>
           </a:p>
@@ -1771,7 +1795,7 @@
           <a:p>
             <a:fld id="{0D69348B-4620-44E9-BF3F-EACBA9EEF323}" type="datetimeFigureOut">
               <a:rPr lang="en-US" smtClean="0"/>
-              <a:t>12/21/2023</a:t>
+              <a:t>1/9/2024</a:t>
             </a:fld>
             <a:endParaRPr lang="en-US"/>
           </a:p>
@@ -1969,7 +1993,7 @@
           <a:p>
             <a:fld id="{0D69348B-4620-44E9-BF3F-EACBA9EEF323}" type="datetimeFigureOut">
               <a:rPr lang="en-US" smtClean="0"/>
-              <a:t>12/21/2023</a:t>
+              <a:t>1/9/2024</a:t>
             </a:fld>
             <a:endParaRPr lang="en-US"/>
           </a:p>
@@ -2177,7 +2201,7 @@
           <a:p>
             <a:fld id="{0D69348B-4620-44E9-BF3F-EACBA9EEF323}" type="datetimeFigureOut">
               <a:rPr lang="en-US" smtClean="0"/>
-              <a:t>12/21/2023</a:t>
+              <a:t>1/9/2024</a:t>
             </a:fld>
             <a:endParaRPr lang="en-US"/>
           </a:p>
@@ -2676,7 +2700,7 @@
           <a:p>
             <a:fld id="{0BE24BAF-58C0-4D38-ABA0-4170CC92DC13}" type="datetimeFigureOut">
               <a:rPr lang="en-US" smtClean="0"/>
-              <a:t>12/21/2023</a:t>
+              <a:t>1/9/2024</a:t>
             </a:fld>
             <a:endParaRPr lang="en-US"/>
           </a:p>
@@ -2977,7 +3001,7 @@
           <a:p>
             <a:fld id="{0BE24BAF-58C0-4D38-ABA0-4170CC92DC13}" type="datetimeFigureOut">
               <a:rPr lang="en-US" smtClean="0"/>
-              <a:t>12/21/2023</a:t>
+              <a:t>1/9/2024</a:t>
             </a:fld>
             <a:endParaRPr lang="en-US"/>
           </a:p>
@@ -3175,7 +3199,7 @@
           <a:p>
             <a:fld id="{0D69348B-4620-44E9-BF3F-EACBA9EEF323}" type="datetimeFigureOut">
               <a:rPr lang="en-US" smtClean="0"/>
-              <a:t>12/21/2023</a:t>
+              <a:t>1/9/2024</a:t>
             </a:fld>
             <a:endParaRPr lang="en-US"/>
           </a:p>
@@ -3450,7 +3474,7 @@
           <a:p>
             <a:fld id="{0D69348B-4620-44E9-BF3F-EACBA9EEF323}" type="datetimeFigureOut">
               <a:rPr lang="en-US" smtClean="0"/>
-              <a:t>12/21/2023</a:t>
+              <a:t>1/9/2024</a:t>
             </a:fld>
             <a:endParaRPr lang="en-US"/>
           </a:p>
@@ -3582,14 +3606,14 @@
           </a:ln>
           <a:extLst>
             <a:ext uri="{909E8E84-426E-40dd-AFC4-6F175D3DCCD1}">
-              <a14:hiddenFill xmlns:a14="http://schemas.microsoft.com/office/drawing/2010/main" xmlns="">
+              <a14:hiddenFill xmlns="" xmlns:a14="http://schemas.microsoft.com/office/drawing/2010/main">
                 <a:solidFill>
                   <a:srgbClr val="FFFFFF"/>
                 </a:solidFill>
               </a14:hiddenFill>
             </a:ext>
             <a:ext uri="{91240B29-F687-4f45-9708-019B960494DF}">
-              <a14:hiddenLine xmlns:a14="http://schemas.microsoft.com/office/drawing/2010/main" xmlns="" w="9525">
+              <a14:hiddenLine xmlns="" xmlns:a14="http://schemas.microsoft.com/office/drawing/2010/main" w="9525">
                 <a:solidFill>
                   <a:srgbClr val="000000"/>
                 </a:solidFill>
@@ -4405,7 +4429,7 @@
           <a:p>
             <a:fld id="{0D69348B-4620-44E9-BF3F-EACBA9EEF323}" type="datetimeFigureOut">
               <a:rPr lang="en-US" smtClean="0"/>
-              <a:t>12/21/2023</a:t>
+              <a:t>1/9/2024</a:t>
             </a:fld>
             <a:endParaRPr lang="en-US"/>
           </a:p>
@@ -5994,10 +6018,16 @@
               <a:buChar char="•"/>
             </a:pPr>
             <a:r>
+              <a:rPr lang="en-US" sz="2000">
+                <a:latin typeface="Lucida Console" panose="020B0609040504020204" pitchFamily="49" charset="0"/>
+              </a:rPr>
+              <a:t>'two'*</a:t>
+            </a:r>
+            <a:r>
               <a:rPr lang="en-US" sz="2000" dirty="0">
                 <a:latin typeface="Lucida Console" panose="020B0609040504020204" pitchFamily="49" charset="0"/>
               </a:rPr>
-              <a:t>'two’*3</a:t>
+              <a:t>3</a:t>
             </a:r>
             <a:r>
               <a:rPr lang="en-US" sz="2000" dirty="0"/>

--- a/CYBER360-1.5-OO-Principles.pptx
+++ b/CYBER360-1.5-OO-Principles.pptx
@@ -155,6 +155,120 @@
 
 <file path=ppt/changesInfos/changesInfo1.xml><?xml version="1.0" encoding="utf-8"?>
 <pc:chgInfo xmlns:a="http://schemas.openxmlformats.org/drawingml/2006/main" xmlns:r="http://schemas.openxmlformats.org/officeDocument/2006/relationships" xmlns:ac="http://schemas.microsoft.com/office/drawing/2013/main/command" xmlns:pc="http://schemas.microsoft.com/office/powerpoint/2013/main/command">
+  <pc:docChgLst>
+    <pc:chgData name="Gibbons, Carl" userId="d2b037bc-8fb4-4222-845c-61440543a456" providerId="ADAL" clId="{513A426B-8C0C-4739-8154-95FA52836484}"/>
+    <pc:docChg chg="custSel modSld">
+      <pc:chgData name="Gibbons, Carl" userId="d2b037bc-8fb4-4222-845c-61440543a456" providerId="ADAL" clId="{513A426B-8C0C-4739-8154-95FA52836484}" dt="2024-06-13T22:15:05.611" v="939" actId="20577"/>
+      <pc:docMkLst>
+        <pc:docMk/>
+      </pc:docMkLst>
+      <pc:sldChg chg="modSp mod">
+        <pc:chgData name="Gibbons, Carl" userId="d2b037bc-8fb4-4222-845c-61440543a456" providerId="ADAL" clId="{513A426B-8C0C-4739-8154-95FA52836484}" dt="2024-06-13T19:43:29.739" v="23" actId="20577"/>
+        <pc:sldMkLst>
+          <pc:docMk/>
+          <pc:sldMk cId="2611413137" sldId="266"/>
+        </pc:sldMkLst>
+        <pc:spChg chg="mod">
+          <ac:chgData name="Gibbons, Carl" userId="d2b037bc-8fb4-4222-845c-61440543a456" providerId="ADAL" clId="{513A426B-8C0C-4739-8154-95FA52836484}" dt="2024-06-13T19:43:29.739" v="23" actId="20577"/>
+          <ac:spMkLst>
+            <pc:docMk/>
+            <pc:sldMk cId="2611413137" sldId="266"/>
+            <ac:spMk id="2" creationId="{64492E64-A68B-8CA7-B3C6-044F7C8E76AB}"/>
+          </ac:spMkLst>
+        </pc:spChg>
+      </pc:sldChg>
+      <pc:sldChg chg="modSp mod">
+        <pc:chgData name="Gibbons, Carl" userId="d2b037bc-8fb4-4222-845c-61440543a456" providerId="ADAL" clId="{513A426B-8C0C-4739-8154-95FA52836484}" dt="2024-06-13T22:15:05.611" v="939" actId="20577"/>
+        <pc:sldMkLst>
+          <pc:docMk/>
+          <pc:sldMk cId="4188996306" sldId="267"/>
+        </pc:sldMkLst>
+        <pc:spChg chg="mod">
+          <ac:chgData name="Gibbons, Carl" userId="d2b037bc-8fb4-4222-845c-61440543a456" providerId="ADAL" clId="{513A426B-8C0C-4739-8154-95FA52836484}" dt="2024-06-13T22:15:05.611" v="939" actId="20577"/>
+          <ac:spMkLst>
+            <pc:docMk/>
+            <pc:sldMk cId="4188996306" sldId="267"/>
+            <ac:spMk id="4" creationId="{B64A8207-997F-319E-7F6D-676D3ECA779B}"/>
+          </ac:spMkLst>
+        </pc:spChg>
+      </pc:sldChg>
+      <pc:sldChg chg="modSp mod">
+        <pc:chgData name="Gibbons, Carl" userId="d2b037bc-8fb4-4222-845c-61440543a456" providerId="ADAL" clId="{513A426B-8C0C-4739-8154-95FA52836484}" dt="2024-06-13T19:56:07.263" v="304" actId="20577"/>
+        <pc:sldMkLst>
+          <pc:docMk/>
+          <pc:sldMk cId="2022267737" sldId="268"/>
+        </pc:sldMkLst>
+        <pc:spChg chg="mod">
+          <ac:chgData name="Gibbons, Carl" userId="d2b037bc-8fb4-4222-845c-61440543a456" providerId="ADAL" clId="{513A426B-8C0C-4739-8154-95FA52836484}" dt="2024-06-13T19:56:07.263" v="304" actId="20577"/>
+          <ac:spMkLst>
+            <pc:docMk/>
+            <pc:sldMk cId="2022267737" sldId="268"/>
+            <ac:spMk id="4" creationId="{B64A8207-997F-319E-7F6D-676D3ECA779B}"/>
+          </ac:spMkLst>
+        </pc:spChg>
+      </pc:sldChg>
+      <pc:sldChg chg="modSp mod">
+        <pc:chgData name="Gibbons, Carl" userId="d2b037bc-8fb4-4222-845c-61440543a456" providerId="ADAL" clId="{513A426B-8C0C-4739-8154-95FA52836484}" dt="2024-06-13T19:59:09.439" v="305" actId="20577"/>
+        <pc:sldMkLst>
+          <pc:docMk/>
+          <pc:sldMk cId="1457658100" sldId="271"/>
+        </pc:sldMkLst>
+        <pc:spChg chg="mod">
+          <ac:chgData name="Gibbons, Carl" userId="d2b037bc-8fb4-4222-845c-61440543a456" providerId="ADAL" clId="{513A426B-8C0C-4739-8154-95FA52836484}" dt="2024-06-13T19:59:09.439" v="305" actId="20577"/>
+          <ac:spMkLst>
+            <pc:docMk/>
+            <pc:sldMk cId="1457658100" sldId="271"/>
+            <ac:spMk id="4" creationId="{B64A8207-997F-319E-7F6D-676D3ECA779B}"/>
+          </ac:spMkLst>
+        </pc:spChg>
+      </pc:sldChg>
+      <pc:sldChg chg="modSp mod">
+        <pc:chgData name="Gibbons, Carl" userId="d2b037bc-8fb4-4222-845c-61440543a456" providerId="ADAL" clId="{513A426B-8C0C-4739-8154-95FA52836484}" dt="2024-06-13T20:20:51.743" v="313" actId="20577"/>
+        <pc:sldMkLst>
+          <pc:docMk/>
+          <pc:sldMk cId="1865769485" sldId="273"/>
+        </pc:sldMkLst>
+        <pc:spChg chg="mod">
+          <ac:chgData name="Gibbons, Carl" userId="d2b037bc-8fb4-4222-845c-61440543a456" providerId="ADAL" clId="{513A426B-8C0C-4739-8154-95FA52836484}" dt="2024-06-13T20:20:51.743" v="313" actId="20577"/>
+          <ac:spMkLst>
+            <pc:docMk/>
+            <pc:sldMk cId="1865769485" sldId="273"/>
+            <ac:spMk id="4" creationId="{B64A8207-997F-319E-7F6D-676D3ECA779B}"/>
+          </ac:spMkLst>
+        </pc:spChg>
+      </pc:sldChg>
+      <pc:sldChg chg="modSp mod">
+        <pc:chgData name="Gibbons, Carl" userId="d2b037bc-8fb4-4222-845c-61440543a456" providerId="ADAL" clId="{513A426B-8C0C-4739-8154-95FA52836484}" dt="2024-06-13T20:28:48.315" v="352" actId="20577"/>
+        <pc:sldMkLst>
+          <pc:docMk/>
+          <pc:sldMk cId="3809967197" sldId="275"/>
+        </pc:sldMkLst>
+        <pc:spChg chg="mod">
+          <ac:chgData name="Gibbons, Carl" userId="d2b037bc-8fb4-4222-845c-61440543a456" providerId="ADAL" clId="{513A426B-8C0C-4739-8154-95FA52836484}" dt="2024-06-13T20:28:48.315" v="352" actId="20577"/>
+          <ac:spMkLst>
+            <pc:docMk/>
+            <pc:sldMk cId="3809967197" sldId="275"/>
+            <ac:spMk id="3" creationId="{ADD8957C-88E6-A920-4979-2BDA9406B518}"/>
+          </ac:spMkLst>
+        </pc:spChg>
+      </pc:sldChg>
+      <pc:sldChg chg="modSp mod">
+        <pc:chgData name="Gibbons, Carl" userId="d2b037bc-8fb4-4222-845c-61440543a456" providerId="ADAL" clId="{513A426B-8C0C-4739-8154-95FA52836484}" dt="2024-06-13T20:40:03.415" v="917" actId="20577"/>
+        <pc:sldMkLst>
+          <pc:docMk/>
+          <pc:sldMk cId="1742169507" sldId="276"/>
+        </pc:sldMkLst>
+        <pc:spChg chg="mod">
+          <ac:chgData name="Gibbons, Carl" userId="d2b037bc-8fb4-4222-845c-61440543a456" providerId="ADAL" clId="{513A426B-8C0C-4739-8154-95FA52836484}" dt="2024-06-13T20:40:03.415" v="917" actId="20577"/>
+          <ac:spMkLst>
+            <pc:docMk/>
+            <pc:sldMk cId="1742169507" sldId="276"/>
+            <ac:spMk id="3" creationId="{ADD8957C-88E6-A920-4979-2BDA9406B518}"/>
+          </ac:spMkLst>
+        </pc:spChg>
+      </pc:sldChg>
+    </pc:docChg>
+  </pc:docChgLst>
   <pc:docChgLst>
     <pc:chgData name="Gibbons, Carl" userId="d2b037bc-8fb4-4222-845c-61440543a456" providerId="ADAL" clId="{50BDE464-6684-48FF-AD2A-493B60EFD46B}"/>
     <pc:docChg chg="modSld">
@@ -530,7 +644,7 @@
           <a:p>
             <a:fld id="{0D69348B-4620-44E9-BF3F-EACBA9EEF323}" type="datetimeFigureOut">
               <a:rPr lang="en-US" smtClean="0"/>
-              <a:t>1/9/2024</a:t>
+              <a:t>6/13/2024</a:t>
             </a:fld>
             <a:endParaRPr lang="en-US"/>
           </a:p>
@@ -942,7 +1056,7 @@
           <a:p>
             <a:fld id="{0D69348B-4620-44E9-BF3F-EACBA9EEF323}" type="datetimeFigureOut">
               <a:rPr lang="en-US" smtClean="0"/>
-              <a:t>1/9/2024</a:t>
+              <a:t>6/13/2024</a:t>
             </a:fld>
             <a:endParaRPr lang="en-US"/>
           </a:p>
@@ -1083,7 +1197,7 @@
           <a:p>
             <a:fld id="{0D69348B-4620-44E9-BF3F-EACBA9EEF323}" type="datetimeFigureOut">
               <a:rPr lang="en-US" smtClean="0"/>
-              <a:t>1/9/2024</a:t>
+              <a:t>6/13/2024</a:t>
             </a:fld>
             <a:endParaRPr lang="en-US"/>
           </a:p>
@@ -1196,7 +1310,7 @@
           <a:p>
             <a:fld id="{0D69348B-4620-44E9-BF3F-EACBA9EEF323}" type="datetimeFigureOut">
               <a:rPr lang="en-US" smtClean="0"/>
-              <a:t>1/9/2024</a:t>
+              <a:t>6/13/2024</a:t>
             </a:fld>
             <a:endParaRPr lang="en-US"/>
           </a:p>
@@ -1507,7 +1621,7 @@
           <a:p>
             <a:fld id="{0D69348B-4620-44E9-BF3F-EACBA9EEF323}" type="datetimeFigureOut">
               <a:rPr lang="en-US" smtClean="0"/>
-              <a:t>1/9/2024</a:t>
+              <a:t>6/13/2024</a:t>
             </a:fld>
             <a:endParaRPr lang="en-US"/>
           </a:p>
@@ -1795,7 +1909,7 @@
           <a:p>
             <a:fld id="{0D69348B-4620-44E9-BF3F-EACBA9EEF323}" type="datetimeFigureOut">
               <a:rPr lang="en-US" smtClean="0"/>
-              <a:t>1/9/2024</a:t>
+              <a:t>6/13/2024</a:t>
             </a:fld>
             <a:endParaRPr lang="en-US"/>
           </a:p>
@@ -1993,7 +2107,7 @@
           <a:p>
             <a:fld id="{0D69348B-4620-44E9-BF3F-EACBA9EEF323}" type="datetimeFigureOut">
               <a:rPr lang="en-US" smtClean="0"/>
-              <a:t>1/9/2024</a:t>
+              <a:t>6/13/2024</a:t>
             </a:fld>
             <a:endParaRPr lang="en-US"/>
           </a:p>
@@ -2201,7 +2315,7 @@
           <a:p>
             <a:fld id="{0D69348B-4620-44E9-BF3F-EACBA9EEF323}" type="datetimeFigureOut">
               <a:rPr lang="en-US" smtClean="0"/>
-              <a:t>1/9/2024</a:t>
+              <a:t>6/13/2024</a:t>
             </a:fld>
             <a:endParaRPr lang="en-US"/>
           </a:p>
@@ -2700,7 +2814,7 @@
           <a:p>
             <a:fld id="{0BE24BAF-58C0-4D38-ABA0-4170CC92DC13}" type="datetimeFigureOut">
               <a:rPr lang="en-US" smtClean="0"/>
-              <a:t>1/9/2024</a:t>
+              <a:t>6/13/2024</a:t>
             </a:fld>
             <a:endParaRPr lang="en-US"/>
           </a:p>
@@ -3001,7 +3115,7 @@
           <a:p>
             <a:fld id="{0BE24BAF-58C0-4D38-ABA0-4170CC92DC13}" type="datetimeFigureOut">
               <a:rPr lang="en-US" smtClean="0"/>
-              <a:t>1/9/2024</a:t>
+              <a:t>6/13/2024</a:t>
             </a:fld>
             <a:endParaRPr lang="en-US"/>
           </a:p>
@@ -3199,7 +3313,7 @@
           <a:p>
             <a:fld id="{0D69348B-4620-44E9-BF3F-EACBA9EEF323}" type="datetimeFigureOut">
               <a:rPr lang="en-US" smtClean="0"/>
-              <a:t>1/9/2024</a:t>
+              <a:t>6/13/2024</a:t>
             </a:fld>
             <a:endParaRPr lang="en-US"/>
           </a:p>
@@ -3474,7 +3588,7 @@
           <a:p>
             <a:fld id="{0D69348B-4620-44E9-BF3F-EACBA9EEF323}" type="datetimeFigureOut">
               <a:rPr lang="en-US" smtClean="0"/>
-              <a:t>1/9/2024</a:t>
+              <a:t>6/13/2024</a:t>
             </a:fld>
             <a:endParaRPr lang="en-US"/>
           </a:p>
@@ -3606,14 +3720,14 @@
           </a:ln>
           <a:extLst>
             <a:ext uri="{909E8E84-426E-40dd-AFC4-6F175D3DCCD1}">
-              <a14:hiddenFill xmlns="" xmlns:a14="http://schemas.microsoft.com/office/drawing/2010/main">
+              <a14:hiddenFill xmlns:a14="http://schemas.microsoft.com/office/drawing/2010/main" xmlns="">
                 <a:solidFill>
                   <a:srgbClr val="FFFFFF"/>
                 </a:solidFill>
               </a14:hiddenFill>
             </a:ext>
             <a:ext uri="{91240B29-F687-4f45-9708-019B960494DF}">
-              <a14:hiddenLine xmlns="" xmlns:a14="http://schemas.microsoft.com/office/drawing/2010/main" w="9525">
+              <a14:hiddenLine xmlns:a14="http://schemas.microsoft.com/office/drawing/2010/main" xmlns="" w="9525">
                 <a:solidFill>
                   <a:srgbClr val="000000"/>
                 </a:solidFill>
@@ -4429,7 +4543,7 @@
           <a:p>
             <a:fld id="{0D69348B-4620-44E9-BF3F-EACBA9EEF323}" type="datetimeFigureOut">
               <a:rPr lang="en-US" smtClean="0"/>
-              <a:t>1/9/2024</a:t>
+              <a:t>6/13/2024</a:t>
             </a:fld>
             <a:endParaRPr lang="en-US"/>
           </a:p>
@@ -5105,7 +5219,7 @@
             </a:r>
             <a:r>
               <a:rPr lang="en-US" sz="2000" i="1" dirty="0"/>
-              <a:t>: getter, setter, accessor.</a:t>
+              <a:t>: getter, setter, accessor, mutator.</a:t>
             </a:r>
           </a:p>
           <a:p>
@@ -5139,7 +5253,7 @@
             <a:pPr algn="r"/>
             <a:r>
               <a:rPr lang="en-US" sz="2000" i="1" dirty="0"/>
-              <a:t>OO Language designers often define nuanced distinctions for some these terms. </a:t>
+              <a:t>OO language designers often define nuanced distinctions for some these terms. </a:t>
             </a:r>
           </a:p>
         </p:txBody>
@@ -5220,7 +5334,7 @@
         <p:spPr>
           <a:xfrm>
             <a:off x="1268392" y="1064888"/>
-            <a:ext cx="9655207" cy="3477875"/>
+            <a:ext cx="9655207" cy="4708981"/>
           </a:xfrm>
           <a:prstGeom prst="rect">
             <a:avLst/>
@@ -5275,7 +5389,52 @@
             </a:r>
             <a:r>
               <a:rPr lang="en-US" sz="2000" i="1" dirty="0"/>
-              <a:t>, which are abstract parent classes that contain standardized method names. If other software already exists that sends standardized message names to objects, then by inheriting interface methods, a coder can make a new subclass compatible with the existing software’s messages. For our course’s purposes, this aspect of inheritance won’t be as important.</a:t>
+              <a:t>, which are abstract parent “classes” that contain standardized method names. If other software already exists that sends standardized message names to objects, then by inheriting interface methods, a coder can make a new subclass compatible with the existing software’s messages. For our course’s purposes, this aspect of inheritance won’t be as important.</a:t>
+            </a:r>
+          </a:p>
+          <a:p>
+            <a:pPr lvl="1" algn="r"/>
+            <a:endParaRPr lang="en-US" sz="2000" i="1" dirty="0"/>
+          </a:p>
+          <a:p>
+            <a:pPr lvl="1" algn="r"/>
+            <a:r>
+              <a:rPr lang="en-US" sz="2000" i="1" dirty="0"/>
+              <a:t>Example: if a system has an “</a:t>
+            </a:r>
+            <a:r>
+              <a:rPr lang="en-US" sz="2000" i="1" dirty="0" err="1"/>
+              <a:t>IPrintable</a:t>
+            </a:r>
+            <a:r>
+              <a:rPr lang="en-US" sz="2000" i="1" dirty="0"/>
+              <a:t>” interface for printing documents,</a:t>
+            </a:r>
+          </a:p>
+          <a:p>
+            <a:pPr lvl="1" algn="r"/>
+            <a:r>
+              <a:rPr lang="en-US" sz="2000" i="1" dirty="0"/>
+              <a:t>and a new class inherits </a:t>
+            </a:r>
+            <a:r>
+              <a:rPr lang="en-US" sz="2000" i="1" dirty="0" err="1"/>
+              <a:t>IPrintable</a:t>
+            </a:r>
+            <a:r>
+              <a:rPr lang="en-US" sz="2000" i="1"/>
+              <a:t> and implements </a:t>
+            </a:r>
+            <a:r>
+              <a:rPr lang="en-US" sz="2000" i="1" dirty="0"/>
+              <a:t>its methods,</a:t>
+            </a:r>
+          </a:p>
+          <a:p>
+            <a:pPr lvl="1" algn="r"/>
+            <a:r>
+              <a:rPr lang="en-US" sz="2000" i="1" dirty="0"/>
+              <a:t>then other software will be capable of printing object instances of the new class.</a:t>
             </a:r>
           </a:p>
         </p:txBody>
@@ -5335,7 +5494,7 @@
           <a:p>
             <a:r>
               <a:rPr lang="en-US" dirty="0"/>
-              <a:t>Object-Oriented principle: encapsulation</a:t>
+              <a:t>Object-Oriented concept: encapsulation</a:t>
             </a:r>
           </a:p>
         </p:txBody>
@@ -5568,7 +5727,7 @@
         <p:spPr>
           <a:xfrm>
             <a:off x="1268392" y="1054728"/>
-            <a:ext cx="9655207" cy="3785652"/>
+            <a:ext cx="9655207" cy="4093428"/>
           </a:xfrm>
           <a:prstGeom prst="rect">
             <a:avLst/>
@@ -5621,7 +5780,25 @@
             </a:pPr>
             <a:r>
               <a:rPr lang="en-US" sz="2000" dirty="0"/>
-              <a:t>Two objects of the same class may contain different data, but as far as other software is concerned, each object interacts the same way.</a:t>
+              <a:t>Useful metaphor: think of a class as a “blueprint” for objects of that class.</a:t>
+            </a:r>
+          </a:p>
+          <a:p>
+            <a:pPr marL="342900" indent="-342900">
+              <a:buFont typeface="Arial" panose="020B0604020202020204" pitchFamily="34" charset="0"/>
+              <a:buChar char="•"/>
+            </a:pPr>
+            <a:r>
+              <a:rPr lang="en-US" sz="2000" dirty="0"/>
+              <a:t>Two objects of the same class may contain different data values, but as far as other software is concerned, each object of </a:t>
+            </a:r>
+            <a:r>
+              <a:rPr lang="en-US" sz="2000"/>
+              <a:t>a class </a:t>
+            </a:r>
+            <a:r>
+              <a:rPr lang="en-US" sz="2000" dirty="0"/>
+              <a:t>interacts the same way.</a:t>
             </a:r>
           </a:p>
           <a:p>
@@ -5774,7 +5951,7 @@
         <p:spPr>
           <a:xfrm>
             <a:off x="1268392" y="1054728"/>
-            <a:ext cx="9655207" cy="3477875"/>
+            <a:ext cx="9655207" cy="4401205"/>
           </a:xfrm>
           <a:prstGeom prst="rect">
             <a:avLst/>
@@ -5826,15 +6003,31 @@
             </a:pPr>
             <a:r>
               <a:rPr lang="en-US" sz="2000" dirty="0"/>
-              <a:t>Example: an internship is considered a “capstone” course, which is more specialized than a regular course. An object of type </a:t>
+              <a:t>Example: an internship is considered an “experience” course, which is more specialized than a regular college course. An object of type </a:t>
             </a:r>
             <a:r>
               <a:rPr lang="en-US" sz="2000" dirty="0" err="1"/>
-              <a:t>CapstoneCourse</a:t>
+              <a:t>ExperienceCourse</a:t>
             </a:r>
             <a:r>
               <a:rPr lang="en-US" sz="2000" dirty="0"/>
               <a:t> would be a </a:t>
+            </a:r>
+            <a:r>
+              <a:rPr lang="en-US" sz="2000" b="1" i="1" dirty="0"/>
+              <a:t>derived class</a:t>
+            </a:r>
+            <a:r>
+              <a:rPr lang="en-US" sz="2000" dirty="0"/>
+              <a:t> (a.k.a. </a:t>
+            </a:r>
+            <a:r>
+              <a:rPr lang="en-US" sz="2000" b="1" i="1" dirty="0"/>
+              <a:t>child class</a:t>
+            </a:r>
+            <a:r>
+              <a:rPr lang="en-US" sz="2000" dirty="0"/>
+              <a:t> or </a:t>
             </a:r>
             <a:r>
               <a:rPr lang="en-US" sz="2000" b="1" i="1" dirty="0"/>
@@ -5842,7 +6035,29 @@
             </a:r>
             <a:r>
               <a:rPr lang="en-US" sz="2000" dirty="0"/>
-              <a:t> of the Course class. It would inherit the members (properties and methods) of its </a:t>
+              <a:t>) of the Course class.</a:t>
+            </a:r>
+            <a:br>
+              <a:rPr lang="en-US" sz="2000" dirty="0"/>
+            </a:br>
+            <a:endParaRPr lang="en-US" sz="2000" dirty="0"/>
+          </a:p>
+          <a:p>
+            <a:pPr marL="800100" lvl="1" indent="-342900">
+              <a:buFont typeface="Arial" panose="020B0604020202020204" pitchFamily="34" charset="0"/>
+              <a:buChar char="•"/>
+            </a:pPr>
+            <a:r>
+              <a:rPr lang="en-US" sz="2000" dirty="0"/>
+              <a:t>It would inherit the members (properties and methods) of its </a:t>
+            </a:r>
+            <a:r>
+              <a:rPr lang="en-US" sz="2000" b="1" i="1" dirty="0"/>
+              <a:t>base class</a:t>
+            </a:r>
+            <a:r>
+              <a:rPr lang="en-US" sz="2000" dirty="0"/>
+              <a:t> Course (a.k.a. </a:t>
             </a:r>
             <a:r>
               <a:rPr lang="en-US" sz="2000" b="1" i="1" dirty="0"/>
@@ -5850,7 +6065,25 @@
             </a:r>
             <a:r>
               <a:rPr lang="en-US" sz="2000" dirty="0"/>
-              <a:t> Course, but it could also contain additional properties “sponsor” or “employer” that would not be present in a regular Course object.</a:t>
+              <a:t> or </a:t>
+            </a:r>
+            <a:r>
+              <a:rPr lang="en-US" sz="2000" b="1" i="1" dirty="0"/>
+              <a:t>superclass</a:t>
+            </a:r>
+            <a:r>
+              <a:rPr lang="en-US" sz="2000" dirty="0"/>
+              <a:t>). </a:t>
+            </a:r>
+          </a:p>
+          <a:p>
+            <a:pPr marL="800100" lvl="1" indent="-342900">
+              <a:buFont typeface="Arial" panose="020B0604020202020204" pitchFamily="34" charset="0"/>
+              <a:buChar char="•"/>
+            </a:pPr>
+            <a:r>
+              <a:rPr lang="en-US" sz="2000" dirty="0"/>
+              <a:t>It might also contain additional properties such as “sponsor” or “employer,” or additional methods such as “determine work eligibility,” that would not be present in a regular Course object.</a:t>
             </a:r>
           </a:p>
           <a:p>
@@ -6251,7 +6484,7 @@
             </a:r>
             <a:r>
               <a:rPr lang="en-US" sz="2000" dirty="0" err="1"/>
-              <a:t>TechnicalAuditingSkilset</a:t>
+              <a:t>TechnicalAuditingSkillset</a:t>
             </a:r>
             <a:r>
               <a:rPr lang="en-US" sz="2000" dirty="0"/>
@@ -6646,7 +6879,7 @@
         <p:spPr>
           <a:xfrm>
             <a:off x="1268396" y="1074509"/>
-            <a:ext cx="9655207" cy="5324535"/>
+            <a:ext cx="9655207" cy="5016758"/>
           </a:xfrm>
           <a:prstGeom prst="rect">
             <a:avLst/>
@@ -6681,7 +6914,7 @@
             </a:pPr>
             <a:r>
               <a:rPr lang="en-US" sz="2000" dirty="0"/>
-              <a:t>Administration of Church units (such as wards, stakes, branches, mission districts)</a:t>
+              <a:t>Administration of Church units (wards, stakes, branches, mission districts)</a:t>
             </a:r>
           </a:p>
           <a:p>

--- a/CYBER360-1.5-OO-Principles.pptx
+++ b/CYBER360-1.5-OO-Principles.pptx
@@ -2,21 +2,20 @@
 <file path=ppt/presentation.xml><?xml version="1.0" encoding="utf-8"?>
 <p:presentation xmlns:a="http://schemas.openxmlformats.org/drawingml/2006/main" xmlns:r="http://schemas.openxmlformats.org/officeDocument/2006/relationships" xmlns:p="http://schemas.openxmlformats.org/presentationml/2006/main" saveSubsetFonts="1">
   <p:sldMasterIdLst>
-    <p:sldMasterId id="2147483661" r:id="rId1"/>
-    <p:sldMasterId id="2147483681" r:id="rId2"/>
+    <p:sldMasterId id="2147483648" r:id="rId1"/>
   </p:sldMasterIdLst>
   <p:sldIdLst>
-    <p:sldId id="256" r:id="rId3"/>
-    <p:sldId id="266" r:id="rId4"/>
-    <p:sldId id="267" r:id="rId5"/>
-    <p:sldId id="268" r:id="rId6"/>
-    <p:sldId id="269" r:id="rId7"/>
-    <p:sldId id="271" r:id="rId8"/>
-    <p:sldId id="272" r:id="rId9"/>
-    <p:sldId id="273" r:id="rId10"/>
-    <p:sldId id="274" r:id="rId11"/>
-    <p:sldId id="275" r:id="rId12"/>
-    <p:sldId id="276" r:id="rId13"/>
+    <p:sldId id="257" r:id="rId2"/>
+    <p:sldId id="258" r:id="rId3"/>
+    <p:sldId id="259" r:id="rId4"/>
+    <p:sldId id="260" r:id="rId5"/>
+    <p:sldId id="261" r:id="rId6"/>
+    <p:sldId id="262" r:id="rId7"/>
+    <p:sldId id="263" r:id="rId8"/>
+    <p:sldId id="264" r:id="rId9"/>
+    <p:sldId id="265" r:id="rId10"/>
+    <p:sldId id="266" r:id="rId11"/>
+    <p:sldId id="267" r:id="rId12"/>
   </p:sldIdLst>
   <p:sldSz cx="12192000" cy="6858000"/>
   <p:notesSz cx="6858000" cy="9144000"/>
@@ -24,124 +23,94 @@
     <a:defPPr>
       <a:defRPr lang="en-US"/>
     </a:defPPr>
-    <a:lvl1pPr algn="l" rtl="0" eaLnBrk="0" fontAlgn="base" hangingPunct="0">
-      <a:spcBef>
-        <a:spcPct val="0"/>
-      </a:spcBef>
-      <a:spcAft>
-        <a:spcPct val="0"/>
-      </a:spcAft>
-      <a:defRPr sz="2400" kern="1200">
+    <a:lvl1pPr marL="0" algn="l" defTabSz="914400" rtl="0" eaLnBrk="1" latinLnBrk="0" hangingPunct="1">
+      <a:defRPr sz="1800" kern="1200">
         <a:solidFill>
           <a:schemeClr val="tx1"/>
         </a:solidFill>
-        <a:latin typeface="Arial" charset="0"/>
-        <a:ea typeface="ＭＳ Ｐゴシック" charset="0"/>
-        <a:cs typeface="ＭＳ Ｐゴシック" charset="0"/>
+        <a:latin typeface="+mn-lt"/>
+        <a:ea typeface="+mn-ea"/>
+        <a:cs typeface="+mn-cs"/>
       </a:defRPr>
     </a:lvl1pPr>
-    <a:lvl2pPr marL="457200" algn="l" rtl="0" eaLnBrk="0" fontAlgn="base" hangingPunct="0">
-      <a:spcBef>
-        <a:spcPct val="0"/>
-      </a:spcBef>
-      <a:spcAft>
-        <a:spcPct val="0"/>
-      </a:spcAft>
-      <a:defRPr sz="2400" kern="1200">
+    <a:lvl2pPr marL="457200" algn="l" defTabSz="914400" rtl="0" eaLnBrk="1" latinLnBrk="0" hangingPunct="1">
+      <a:defRPr sz="1800" kern="1200">
         <a:solidFill>
           <a:schemeClr val="tx1"/>
         </a:solidFill>
-        <a:latin typeface="Arial" charset="0"/>
-        <a:ea typeface="ＭＳ Ｐゴシック" charset="0"/>
-        <a:cs typeface="ＭＳ Ｐゴシック" charset="0"/>
+        <a:latin typeface="+mn-lt"/>
+        <a:ea typeface="+mn-ea"/>
+        <a:cs typeface="+mn-cs"/>
       </a:defRPr>
     </a:lvl2pPr>
-    <a:lvl3pPr marL="914400" algn="l" rtl="0" eaLnBrk="0" fontAlgn="base" hangingPunct="0">
-      <a:spcBef>
-        <a:spcPct val="0"/>
-      </a:spcBef>
-      <a:spcAft>
-        <a:spcPct val="0"/>
-      </a:spcAft>
-      <a:defRPr sz="2400" kern="1200">
+    <a:lvl3pPr marL="914400" algn="l" defTabSz="914400" rtl="0" eaLnBrk="1" latinLnBrk="0" hangingPunct="1">
+      <a:defRPr sz="1800" kern="1200">
         <a:solidFill>
           <a:schemeClr val="tx1"/>
         </a:solidFill>
-        <a:latin typeface="Arial" charset="0"/>
-        <a:ea typeface="ＭＳ Ｐゴシック" charset="0"/>
-        <a:cs typeface="ＭＳ Ｐゴシック" charset="0"/>
+        <a:latin typeface="+mn-lt"/>
+        <a:ea typeface="+mn-ea"/>
+        <a:cs typeface="+mn-cs"/>
       </a:defRPr>
     </a:lvl3pPr>
-    <a:lvl4pPr marL="1371600" algn="l" rtl="0" eaLnBrk="0" fontAlgn="base" hangingPunct="0">
-      <a:spcBef>
-        <a:spcPct val="0"/>
-      </a:spcBef>
-      <a:spcAft>
-        <a:spcPct val="0"/>
-      </a:spcAft>
-      <a:defRPr sz="2400" kern="1200">
+    <a:lvl4pPr marL="1371600" algn="l" defTabSz="914400" rtl="0" eaLnBrk="1" latinLnBrk="0" hangingPunct="1">
+      <a:defRPr sz="1800" kern="1200">
         <a:solidFill>
           <a:schemeClr val="tx1"/>
         </a:solidFill>
-        <a:latin typeface="Arial" charset="0"/>
-        <a:ea typeface="ＭＳ Ｐゴシック" charset="0"/>
-        <a:cs typeface="ＭＳ Ｐゴシック" charset="0"/>
+        <a:latin typeface="+mn-lt"/>
+        <a:ea typeface="+mn-ea"/>
+        <a:cs typeface="+mn-cs"/>
       </a:defRPr>
     </a:lvl4pPr>
-    <a:lvl5pPr marL="1828800" algn="l" rtl="0" eaLnBrk="0" fontAlgn="base" hangingPunct="0">
-      <a:spcBef>
-        <a:spcPct val="0"/>
-      </a:spcBef>
-      <a:spcAft>
-        <a:spcPct val="0"/>
-      </a:spcAft>
-      <a:defRPr sz="2400" kern="1200">
+    <a:lvl5pPr marL="1828800" algn="l" defTabSz="914400" rtl="0" eaLnBrk="1" latinLnBrk="0" hangingPunct="1">
+      <a:defRPr sz="1800" kern="1200">
         <a:solidFill>
           <a:schemeClr val="tx1"/>
         </a:solidFill>
-        <a:latin typeface="Arial" charset="0"/>
-        <a:ea typeface="ＭＳ Ｐゴシック" charset="0"/>
-        <a:cs typeface="ＭＳ Ｐゴシック" charset="0"/>
+        <a:latin typeface="+mn-lt"/>
+        <a:ea typeface="+mn-ea"/>
+        <a:cs typeface="+mn-cs"/>
       </a:defRPr>
     </a:lvl5pPr>
-    <a:lvl6pPr marL="2286000" algn="l" defTabSz="457200" rtl="0" eaLnBrk="1" latinLnBrk="0" hangingPunct="1">
-      <a:defRPr sz="2400" kern="1200">
+    <a:lvl6pPr marL="2286000" algn="l" defTabSz="914400" rtl="0" eaLnBrk="1" latinLnBrk="0" hangingPunct="1">
+      <a:defRPr sz="1800" kern="1200">
         <a:solidFill>
           <a:schemeClr val="tx1"/>
         </a:solidFill>
-        <a:latin typeface="Arial" charset="0"/>
-        <a:ea typeface="ＭＳ Ｐゴシック" charset="0"/>
-        <a:cs typeface="ＭＳ Ｐゴシック" charset="0"/>
+        <a:latin typeface="+mn-lt"/>
+        <a:ea typeface="+mn-ea"/>
+        <a:cs typeface="+mn-cs"/>
       </a:defRPr>
     </a:lvl6pPr>
-    <a:lvl7pPr marL="2743200" algn="l" defTabSz="457200" rtl="0" eaLnBrk="1" latinLnBrk="0" hangingPunct="1">
-      <a:defRPr sz="2400" kern="1200">
+    <a:lvl7pPr marL="2743200" algn="l" defTabSz="914400" rtl="0" eaLnBrk="1" latinLnBrk="0" hangingPunct="1">
+      <a:defRPr sz="1800" kern="1200">
         <a:solidFill>
           <a:schemeClr val="tx1"/>
         </a:solidFill>
-        <a:latin typeface="Arial" charset="0"/>
-        <a:ea typeface="ＭＳ Ｐゴシック" charset="0"/>
-        <a:cs typeface="ＭＳ Ｐゴシック" charset="0"/>
+        <a:latin typeface="+mn-lt"/>
+        <a:ea typeface="+mn-ea"/>
+        <a:cs typeface="+mn-cs"/>
       </a:defRPr>
     </a:lvl7pPr>
-    <a:lvl8pPr marL="3200400" algn="l" defTabSz="457200" rtl="0" eaLnBrk="1" latinLnBrk="0" hangingPunct="1">
-      <a:defRPr sz="2400" kern="1200">
+    <a:lvl8pPr marL="3200400" algn="l" defTabSz="914400" rtl="0" eaLnBrk="1" latinLnBrk="0" hangingPunct="1">
+      <a:defRPr sz="1800" kern="1200">
         <a:solidFill>
           <a:schemeClr val="tx1"/>
         </a:solidFill>
-        <a:latin typeface="Arial" charset="0"/>
-        <a:ea typeface="ＭＳ Ｐゴシック" charset="0"/>
-        <a:cs typeface="ＭＳ Ｐゴシック" charset="0"/>
+        <a:latin typeface="+mn-lt"/>
+        <a:ea typeface="+mn-ea"/>
+        <a:cs typeface="+mn-cs"/>
       </a:defRPr>
     </a:lvl8pPr>
-    <a:lvl9pPr marL="3657600" algn="l" defTabSz="457200" rtl="0" eaLnBrk="1" latinLnBrk="0" hangingPunct="1">
-      <a:defRPr sz="2400" kern="1200">
+    <a:lvl9pPr marL="3657600" algn="l" defTabSz="914400" rtl="0" eaLnBrk="1" latinLnBrk="0" hangingPunct="1">
+      <a:defRPr sz="1800" kern="1200">
         <a:solidFill>
           <a:schemeClr val="tx1"/>
         </a:solidFill>
-        <a:latin typeface="Arial" charset="0"/>
-        <a:ea typeface="ＭＳ Ｐゴシック" charset="0"/>
-        <a:cs typeface="ＭＳ Ｐゴシック" charset="0"/>
+        <a:latin typeface="+mn-lt"/>
+        <a:ea typeface="+mn-ea"/>
+        <a:cs typeface="+mn-cs"/>
       </a:defRPr>
     </a:lvl9pPr>
   </p:defaultTextStyle>
@@ -156,260 +125,270 @@
 <file path=ppt/changesInfos/changesInfo1.xml><?xml version="1.0" encoding="utf-8"?>
 <pc:chgInfo xmlns:a="http://schemas.openxmlformats.org/drawingml/2006/main" xmlns:r="http://schemas.openxmlformats.org/officeDocument/2006/relationships" xmlns:ac="http://schemas.microsoft.com/office/drawing/2013/main/command" xmlns:pc="http://schemas.microsoft.com/office/powerpoint/2013/main/command">
   <pc:docChgLst>
-    <pc:chgData name="Gibbons, Carl" userId="d2b037bc-8fb4-4222-845c-61440543a456" providerId="ADAL" clId="{513A426B-8C0C-4739-8154-95FA52836484}"/>
-    <pc:docChg chg="custSel modSld">
-      <pc:chgData name="Gibbons, Carl" userId="d2b037bc-8fb4-4222-845c-61440543a456" providerId="ADAL" clId="{513A426B-8C0C-4739-8154-95FA52836484}" dt="2024-06-13T22:15:05.611" v="939" actId="20577"/>
+    <pc:chgData name="Palmer, Jennifer" userId="04c8c1b4-349a-4c5d-8a68-5732467f309e" providerId="ADAL" clId="{A2B8544D-1177-420A-A168-DBEDB4200E92}"/>
+    <pc:docChg chg="modSld">
+      <pc:chgData name="Palmer, Jennifer" userId="04c8c1b4-349a-4c5d-8a68-5732467f309e" providerId="ADAL" clId="{A2B8544D-1177-420A-A168-DBEDB4200E92}" dt="2024-11-20T22:52:26.389" v="1" actId="1076"/>
       <pc:docMkLst>
         <pc:docMk/>
       </pc:docMkLst>
       <pc:sldChg chg="modSp mod">
-        <pc:chgData name="Gibbons, Carl" userId="d2b037bc-8fb4-4222-845c-61440543a456" providerId="ADAL" clId="{513A426B-8C0C-4739-8154-95FA52836484}" dt="2024-06-13T19:43:29.739" v="23" actId="20577"/>
+        <pc:chgData name="Palmer, Jennifer" userId="04c8c1b4-349a-4c5d-8a68-5732467f309e" providerId="ADAL" clId="{A2B8544D-1177-420A-A168-DBEDB4200E92}" dt="2024-11-20T22:52:26.389" v="1" actId="1076"/>
         <pc:sldMkLst>
           <pc:docMk/>
-          <pc:sldMk cId="2611413137" sldId="266"/>
+          <pc:sldMk cId="3644072983" sldId="257"/>
         </pc:sldMkLst>
         <pc:spChg chg="mod">
-          <ac:chgData name="Gibbons, Carl" userId="d2b037bc-8fb4-4222-845c-61440543a456" providerId="ADAL" clId="{513A426B-8C0C-4739-8154-95FA52836484}" dt="2024-06-13T19:43:29.739" v="23" actId="20577"/>
+          <ac:chgData name="Palmer, Jennifer" userId="04c8c1b4-349a-4c5d-8a68-5732467f309e" providerId="ADAL" clId="{A2B8544D-1177-420A-A168-DBEDB4200E92}" dt="2024-11-20T22:52:26.389" v="1" actId="1076"/>
           <ac:spMkLst>
             <pc:docMk/>
-            <pc:sldMk cId="2611413137" sldId="266"/>
-            <ac:spMk id="2" creationId="{64492E64-A68B-8CA7-B3C6-044F7C8E76AB}"/>
+            <pc:sldMk cId="3644072983" sldId="257"/>
+            <ac:spMk id="2" creationId="{6FCA7FD7-E3CD-7A2C-5AF7-2EE59026C9D4}"/>
           </ac:spMkLst>
         </pc:spChg>
-      </pc:sldChg>
-      <pc:sldChg chg="modSp mod">
-        <pc:chgData name="Gibbons, Carl" userId="d2b037bc-8fb4-4222-845c-61440543a456" providerId="ADAL" clId="{513A426B-8C0C-4739-8154-95FA52836484}" dt="2024-06-13T22:15:05.611" v="939" actId="20577"/>
-        <pc:sldMkLst>
-          <pc:docMk/>
-          <pc:sldMk cId="4188996306" sldId="267"/>
-        </pc:sldMkLst>
         <pc:spChg chg="mod">
-          <ac:chgData name="Gibbons, Carl" userId="d2b037bc-8fb4-4222-845c-61440543a456" providerId="ADAL" clId="{513A426B-8C0C-4739-8154-95FA52836484}" dt="2024-06-13T22:15:05.611" v="939" actId="20577"/>
+          <ac:chgData name="Palmer, Jennifer" userId="04c8c1b4-349a-4c5d-8a68-5732467f309e" providerId="ADAL" clId="{A2B8544D-1177-420A-A168-DBEDB4200E92}" dt="2024-11-20T22:52:20.679" v="0" actId="1076"/>
           <ac:spMkLst>
             <pc:docMk/>
-            <pc:sldMk cId="4188996306" sldId="267"/>
-            <ac:spMk id="4" creationId="{B64A8207-997F-319E-7F6D-676D3ECA779B}"/>
-          </ac:spMkLst>
-        </pc:spChg>
-      </pc:sldChg>
-      <pc:sldChg chg="modSp mod">
-        <pc:chgData name="Gibbons, Carl" userId="d2b037bc-8fb4-4222-845c-61440543a456" providerId="ADAL" clId="{513A426B-8C0C-4739-8154-95FA52836484}" dt="2024-06-13T19:56:07.263" v="304" actId="20577"/>
-        <pc:sldMkLst>
-          <pc:docMk/>
-          <pc:sldMk cId="2022267737" sldId="268"/>
-        </pc:sldMkLst>
-        <pc:spChg chg="mod">
-          <ac:chgData name="Gibbons, Carl" userId="d2b037bc-8fb4-4222-845c-61440543a456" providerId="ADAL" clId="{513A426B-8C0C-4739-8154-95FA52836484}" dt="2024-06-13T19:56:07.263" v="304" actId="20577"/>
-          <ac:spMkLst>
-            <pc:docMk/>
-            <pc:sldMk cId="2022267737" sldId="268"/>
-            <ac:spMk id="4" creationId="{B64A8207-997F-319E-7F6D-676D3ECA779B}"/>
-          </ac:spMkLst>
-        </pc:spChg>
-      </pc:sldChg>
-      <pc:sldChg chg="modSp mod">
-        <pc:chgData name="Gibbons, Carl" userId="d2b037bc-8fb4-4222-845c-61440543a456" providerId="ADAL" clId="{513A426B-8C0C-4739-8154-95FA52836484}" dt="2024-06-13T19:59:09.439" v="305" actId="20577"/>
-        <pc:sldMkLst>
-          <pc:docMk/>
-          <pc:sldMk cId="1457658100" sldId="271"/>
-        </pc:sldMkLst>
-        <pc:spChg chg="mod">
-          <ac:chgData name="Gibbons, Carl" userId="d2b037bc-8fb4-4222-845c-61440543a456" providerId="ADAL" clId="{513A426B-8C0C-4739-8154-95FA52836484}" dt="2024-06-13T19:59:09.439" v="305" actId="20577"/>
-          <ac:spMkLst>
-            <pc:docMk/>
-            <pc:sldMk cId="1457658100" sldId="271"/>
-            <ac:spMk id="4" creationId="{B64A8207-997F-319E-7F6D-676D3ECA779B}"/>
-          </ac:spMkLst>
-        </pc:spChg>
-      </pc:sldChg>
-      <pc:sldChg chg="modSp mod">
-        <pc:chgData name="Gibbons, Carl" userId="d2b037bc-8fb4-4222-845c-61440543a456" providerId="ADAL" clId="{513A426B-8C0C-4739-8154-95FA52836484}" dt="2024-06-13T20:20:51.743" v="313" actId="20577"/>
-        <pc:sldMkLst>
-          <pc:docMk/>
-          <pc:sldMk cId="1865769485" sldId="273"/>
-        </pc:sldMkLst>
-        <pc:spChg chg="mod">
-          <ac:chgData name="Gibbons, Carl" userId="d2b037bc-8fb4-4222-845c-61440543a456" providerId="ADAL" clId="{513A426B-8C0C-4739-8154-95FA52836484}" dt="2024-06-13T20:20:51.743" v="313" actId="20577"/>
-          <ac:spMkLst>
-            <pc:docMk/>
-            <pc:sldMk cId="1865769485" sldId="273"/>
-            <ac:spMk id="4" creationId="{B64A8207-997F-319E-7F6D-676D3ECA779B}"/>
-          </ac:spMkLst>
-        </pc:spChg>
-      </pc:sldChg>
-      <pc:sldChg chg="modSp mod">
-        <pc:chgData name="Gibbons, Carl" userId="d2b037bc-8fb4-4222-845c-61440543a456" providerId="ADAL" clId="{513A426B-8C0C-4739-8154-95FA52836484}" dt="2024-06-13T20:28:48.315" v="352" actId="20577"/>
-        <pc:sldMkLst>
-          <pc:docMk/>
-          <pc:sldMk cId="3809967197" sldId="275"/>
-        </pc:sldMkLst>
-        <pc:spChg chg="mod">
-          <ac:chgData name="Gibbons, Carl" userId="d2b037bc-8fb4-4222-845c-61440543a456" providerId="ADAL" clId="{513A426B-8C0C-4739-8154-95FA52836484}" dt="2024-06-13T20:28:48.315" v="352" actId="20577"/>
-          <ac:spMkLst>
-            <pc:docMk/>
-            <pc:sldMk cId="3809967197" sldId="275"/>
-            <ac:spMk id="3" creationId="{ADD8957C-88E6-A920-4979-2BDA9406B518}"/>
-          </ac:spMkLst>
-        </pc:spChg>
-      </pc:sldChg>
-      <pc:sldChg chg="modSp mod">
-        <pc:chgData name="Gibbons, Carl" userId="d2b037bc-8fb4-4222-845c-61440543a456" providerId="ADAL" clId="{513A426B-8C0C-4739-8154-95FA52836484}" dt="2024-06-13T20:40:03.415" v="917" actId="20577"/>
-        <pc:sldMkLst>
-          <pc:docMk/>
-          <pc:sldMk cId="1742169507" sldId="276"/>
-        </pc:sldMkLst>
-        <pc:spChg chg="mod">
-          <ac:chgData name="Gibbons, Carl" userId="d2b037bc-8fb4-4222-845c-61440543a456" providerId="ADAL" clId="{513A426B-8C0C-4739-8154-95FA52836484}" dt="2024-06-13T20:40:03.415" v="917" actId="20577"/>
-          <ac:spMkLst>
-            <pc:docMk/>
-            <pc:sldMk cId="1742169507" sldId="276"/>
-            <ac:spMk id="3" creationId="{ADD8957C-88E6-A920-4979-2BDA9406B518}"/>
+            <pc:sldMk cId="3644072983" sldId="257"/>
+            <ac:spMk id="3" creationId="{8586CD17-5B17-5D66-987C-05DC748B3FF9}"/>
           </ac:spMkLst>
         </pc:spChg>
       </pc:sldChg>
     </pc:docChg>
   </pc:docChgLst>
   <pc:docChgLst>
-    <pc:chgData name="Gibbons, Carl" userId="d2b037bc-8fb4-4222-845c-61440543a456" providerId="ADAL" clId="{50BDE464-6684-48FF-AD2A-493B60EFD46B}"/>
+    <pc:chgData name="Talbert, Matthew" userId="877a4118-3f16-4ac9-a72c-5dd2c7b28c85" providerId="ADAL" clId="{71A70E0D-3F3A-4EF6-B205-2C86DEE76D1B}"/>
     <pc:docChg chg="modSld">
-      <pc:chgData name="Gibbons, Carl" userId="d2b037bc-8fb4-4222-845c-61440543a456" providerId="ADAL" clId="{50BDE464-6684-48FF-AD2A-493B60EFD46B}" dt="2023-12-21T18:37:59.974" v="91" actId="20577"/>
+      <pc:chgData name="Talbert, Matthew" userId="877a4118-3f16-4ac9-a72c-5dd2c7b28c85" providerId="ADAL" clId="{71A70E0D-3F3A-4EF6-B205-2C86DEE76D1B}" dt="2024-11-22T22:57:37.836" v="240" actId="12788"/>
       <pc:docMkLst>
         <pc:docMk/>
       </pc:docMkLst>
       <pc:sldChg chg="modSp mod">
-        <pc:chgData name="Gibbons, Carl" userId="d2b037bc-8fb4-4222-845c-61440543a456" providerId="ADAL" clId="{50BDE464-6684-48FF-AD2A-493B60EFD46B}" dt="2023-12-21T14:42:44.298" v="42" actId="20577"/>
+        <pc:chgData name="Talbert, Matthew" userId="877a4118-3f16-4ac9-a72c-5dd2c7b28c85" providerId="ADAL" clId="{71A70E0D-3F3A-4EF6-B205-2C86DEE76D1B}" dt="2024-11-22T22:57:18.188" v="231" actId="12788"/>
         <pc:sldMkLst>
           <pc:docMk/>
-          <pc:sldMk cId="1865769485" sldId="273"/>
+          <pc:sldMk cId="2611413137" sldId="258"/>
         </pc:sldMkLst>
         <pc:spChg chg="mod">
-          <ac:chgData name="Gibbons, Carl" userId="d2b037bc-8fb4-4222-845c-61440543a456" providerId="ADAL" clId="{50BDE464-6684-48FF-AD2A-493B60EFD46B}" dt="2023-12-21T14:42:44.298" v="42" actId="20577"/>
+          <ac:chgData name="Talbert, Matthew" userId="877a4118-3f16-4ac9-a72c-5dd2c7b28c85" providerId="ADAL" clId="{71A70E0D-3F3A-4EF6-B205-2C86DEE76D1B}" dt="2024-11-22T22:57:18.188" v="231" actId="12788"/>
           <ac:spMkLst>
             <pc:docMk/>
-            <pc:sldMk cId="1865769485" sldId="273"/>
+            <pc:sldMk cId="2611413137" sldId="258"/>
+            <ac:spMk id="2" creationId="{64492E64-A68B-8CA7-B3C6-044F7C8E76AB}"/>
+          </ac:spMkLst>
+        </pc:spChg>
+        <pc:spChg chg="mod">
+          <ac:chgData name="Talbert, Matthew" userId="877a4118-3f16-4ac9-a72c-5dd2c7b28c85" providerId="ADAL" clId="{71A70E0D-3F3A-4EF6-B205-2C86DEE76D1B}" dt="2024-11-22T22:57:18.188" v="231" actId="12788"/>
+          <ac:spMkLst>
+            <pc:docMk/>
+            <pc:sldMk cId="2611413137" sldId="258"/>
             <ac:spMk id="4" creationId="{B64A8207-997F-319E-7F6D-676D3ECA779B}"/>
           </ac:spMkLst>
         </pc:spChg>
       </pc:sldChg>
       <pc:sldChg chg="modSp mod">
-        <pc:chgData name="Gibbons, Carl" userId="d2b037bc-8fb4-4222-845c-61440543a456" providerId="ADAL" clId="{50BDE464-6684-48FF-AD2A-493B60EFD46B}" dt="2023-12-21T18:37:32.044" v="82" actId="20577"/>
+        <pc:chgData name="Talbert, Matthew" userId="877a4118-3f16-4ac9-a72c-5dd2c7b28c85" providerId="ADAL" clId="{71A70E0D-3F3A-4EF6-B205-2C86DEE76D1B}" dt="2024-11-22T22:57:20.283" v="232" actId="12788"/>
         <pc:sldMkLst>
           <pc:docMk/>
-          <pc:sldMk cId="3809967197" sldId="275"/>
+          <pc:sldMk cId="4188996306" sldId="259"/>
         </pc:sldMkLst>
         <pc:spChg chg="mod">
-          <ac:chgData name="Gibbons, Carl" userId="d2b037bc-8fb4-4222-845c-61440543a456" providerId="ADAL" clId="{50BDE464-6684-48FF-AD2A-493B60EFD46B}" dt="2023-12-21T18:37:32.044" v="82" actId="20577"/>
+          <ac:chgData name="Talbert, Matthew" userId="877a4118-3f16-4ac9-a72c-5dd2c7b28c85" providerId="ADAL" clId="{71A70E0D-3F3A-4EF6-B205-2C86DEE76D1B}" dt="2024-11-22T22:57:20.283" v="232" actId="12788"/>
           <ac:spMkLst>
             <pc:docMk/>
-            <pc:sldMk cId="3809967197" sldId="275"/>
+            <pc:sldMk cId="4188996306" sldId="259"/>
+            <ac:spMk id="2" creationId="{64492E64-A68B-8CA7-B3C6-044F7C8E76AB}"/>
+          </ac:spMkLst>
+        </pc:spChg>
+        <pc:spChg chg="mod">
+          <ac:chgData name="Talbert, Matthew" userId="877a4118-3f16-4ac9-a72c-5dd2c7b28c85" providerId="ADAL" clId="{71A70E0D-3F3A-4EF6-B205-2C86DEE76D1B}" dt="2024-11-22T22:57:20.283" v="232" actId="12788"/>
+          <ac:spMkLst>
+            <pc:docMk/>
+            <pc:sldMk cId="4188996306" sldId="259"/>
+            <ac:spMk id="4" creationId="{B64A8207-997F-319E-7F6D-676D3ECA779B}"/>
+          </ac:spMkLst>
+        </pc:spChg>
+      </pc:sldChg>
+      <pc:sldChg chg="modSp mod">
+        <pc:chgData name="Talbert, Matthew" userId="877a4118-3f16-4ac9-a72c-5dd2c7b28c85" providerId="ADAL" clId="{71A70E0D-3F3A-4EF6-B205-2C86DEE76D1B}" dt="2024-11-22T22:57:22.676" v="233" actId="12788"/>
+        <pc:sldMkLst>
+          <pc:docMk/>
+          <pc:sldMk cId="2022267737" sldId="260"/>
+        </pc:sldMkLst>
+        <pc:spChg chg="mod">
+          <ac:chgData name="Talbert, Matthew" userId="877a4118-3f16-4ac9-a72c-5dd2c7b28c85" providerId="ADAL" clId="{71A70E0D-3F3A-4EF6-B205-2C86DEE76D1B}" dt="2024-11-22T22:57:22.676" v="233" actId="12788"/>
+          <ac:spMkLst>
+            <pc:docMk/>
+            <pc:sldMk cId="2022267737" sldId="260"/>
+            <ac:spMk id="2" creationId="{64492E64-A68B-8CA7-B3C6-044F7C8E76AB}"/>
+          </ac:spMkLst>
+        </pc:spChg>
+        <pc:spChg chg="mod">
+          <ac:chgData name="Talbert, Matthew" userId="877a4118-3f16-4ac9-a72c-5dd2c7b28c85" providerId="ADAL" clId="{71A70E0D-3F3A-4EF6-B205-2C86DEE76D1B}" dt="2024-11-22T22:57:22.676" v="233" actId="12788"/>
+          <ac:spMkLst>
+            <pc:docMk/>
+            <pc:sldMk cId="2022267737" sldId="260"/>
+            <ac:spMk id="4" creationId="{B64A8207-997F-319E-7F6D-676D3ECA779B}"/>
+          </ac:spMkLst>
+        </pc:spChg>
+      </pc:sldChg>
+      <pc:sldChg chg="modSp mod">
+        <pc:chgData name="Talbert, Matthew" userId="877a4118-3f16-4ac9-a72c-5dd2c7b28c85" providerId="ADAL" clId="{71A70E0D-3F3A-4EF6-B205-2C86DEE76D1B}" dt="2024-11-22T22:57:25.276" v="234" actId="12788"/>
+        <pc:sldMkLst>
+          <pc:docMk/>
+          <pc:sldMk cId="1055206713" sldId="261"/>
+        </pc:sldMkLst>
+        <pc:spChg chg="mod">
+          <ac:chgData name="Talbert, Matthew" userId="877a4118-3f16-4ac9-a72c-5dd2c7b28c85" providerId="ADAL" clId="{71A70E0D-3F3A-4EF6-B205-2C86DEE76D1B}" dt="2024-11-22T22:57:25.276" v="234" actId="12788"/>
+          <ac:spMkLst>
+            <pc:docMk/>
+            <pc:sldMk cId="1055206713" sldId="261"/>
+            <ac:spMk id="2" creationId="{64492E64-A68B-8CA7-B3C6-044F7C8E76AB}"/>
+          </ac:spMkLst>
+        </pc:spChg>
+        <pc:spChg chg="mod">
+          <ac:chgData name="Talbert, Matthew" userId="877a4118-3f16-4ac9-a72c-5dd2c7b28c85" providerId="ADAL" clId="{71A70E0D-3F3A-4EF6-B205-2C86DEE76D1B}" dt="2024-11-22T22:57:25.276" v="234" actId="12788"/>
+          <ac:spMkLst>
+            <pc:docMk/>
+            <pc:sldMk cId="1055206713" sldId="261"/>
+            <ac:spMk id="4" creationId="{B64A8207-997F-319E-7F6D-676D3ECA779B}"/>
+          </ac:spMkLst>
+        </pc:spChg>
+      </pc:sldChg>
+      <pc:sldChg chg="modSp mod">
+        <pc:chgData name="Talbert, Matthew" userId="877a4118-3f16-4ac9-a72c-5dd2c7b28c85" providerId="ADAL" clId="{71A70E0D-3F3A-4EF6-B205-2C86DEE76D1B}" dt="2024-11-22T22:57:27.116" v="235" actId="12788"/>
+        <pc:sldMkLst>
+          <pc:docMk/>
+          <pc:sldMk cId="1457658100" sldId="262"/>
+        </pc:sldMkLst>
+        <pc:spChg chg="mod">
+          <ac:chgData name="Talbert, Matthew" userId="877a4118-3f16-4ac9-a72c-5dd2c7b28c85" providerId="ADAL" clId="{71A70E0D-3F3A-4EF6-B205-2C86DEE76D1B}" dt="2024-11-22T22:57:27.116" v="235" actId="12788"/>
+          <ac:spMkLst>
+            <pc:docMk/>
+            <pc:sldMk cId="1457658100" sldId="262"/>
+            <ac:spMk id="2" creationId="{64492E64-A68B-8CA7-B3C6-044F7C8E76AB}"/>
+          </ac:spMkLst>
+        </pc:spChg>
+        <pc:spChg chg="mod">
+          <ac:chgData name="Talbert, Matthew" userId="877a4118-3f16-4ac9-a72c-5dd2c7b28c85" providerId="ADAL" clId="{71A70E0D-3F3A-4EF6-B205-2C86DEE76D1B}" dt="2024-11-22T22:57:27.116" v="235" actId="12788"/>
+          <ac:spMkLst>
+            <pc:docMk/>
+            <pc:sldMk cId="1457658100" sldId="262"/>
+            <ac:spMk id="4" creationId="{B64A8207-997F-319E-7F6D-676D3ECA779B}"/>
+          </ac:spMkLst>
+        </pc:spChg>
+      </pc:sldChg>
+      <pc:sldChg chg="modSp mod">
+        <pc:chgData name="Talbert, Matthew" userId="877a4118-3f16-4ac9-a72c-5dd2c7b28c85" providerId="ADAL" clId="{71A70E0D-3F3A-4EF6-B205-2C86DEE76D1B}" dt="2024-11-22T22:57:28.681" v="236" actId="12788"/>
+        <pc:sldMkLst>
+          <pc:docMk/>
+          <pc:sldMk cId="3594981681" sldId="263"/>
+        </pc:sldMkLst>
+        <pc:spChg chg="mod">
+          <ac:chgData name="Talbert, Matthew" userId="877a4118-3f16-4ac9-a72c-5dd2c7b28c85" providerId="ADAL" clId="{71A70E0D-3F3A-4EF6-B205-2C86DEE76D1B}" dt="2024-11-22T22:57:28.681" v="236" actId="12788"/>
+          <ac:spMkLst>
+            <pc:docMk/>
+            <pc:sldMk cId="3594981681" sldId="263"/>
+            <ac:spMk id="2" creationId="{64492E64-A68B-8CA7-B3C6-044F7C8E76AB}"/>
+          </ac:spMkLst>
+        </pc:spChg>
+        <pc:spChg chg="mod">
+          <ac:chgData name="Talbert, Matthew" userId="877a4118-3f16-4ac9-a72c-5dd2c7b28c85" providerId="ADAL" clId="{71A70E0D-3F3A-4EF6-B205-2C86DEE76D1B}" dt="2024-11-22T22:57:28.681" v="236" actId="12788"/>
+          <ac:spMkLst>
+            <pc:docMk/>
+            <pc:sldMk cId="3594981681" sldId="263"/>
+            <ac:spMk id="4" creationId="{B64A8207-997F-319E-7F6D-676D3ECA779B}"/>
+          </ac:spMkLst>
+        </pc:spChg>
+      </pc:sldChg>
+      <pc:sldChg chg="modSp mod">
+        <pc:chgData name="Talbert, Matthew" userId="877a4118-3f16-4ac9-a72c-5dd2c7b28c85" providerId="ADAL" clId="{71A70E0D-3F3A-4EF6-B205-2C86DEE76D1B}" dt="2024-11-22T22:57:30.374" v="237" actId="12788"/>
+        <pc:sldMkLst>
+          <pc:docMk/>
+          <pc:sldMk cId="1865769485" sldId="264"/>
+        </pc:sldMkLst>
+        <pc:spChg chg="mod">
+          <ac:chgData name="Talbert, Matthew" userId="877a4118-3f16-4ac9-a72c-5dd2c7b28c85" providerId="ADAL" clId="{71A70E0D-3F3A-4EF6-B205-2C86DEE76D1B}" dt="2024-11-22T22:57:30.374" v="237" actId="12788"/>
+          <ac:spMkLst>
+            <pc:docMk/>
+            <pc:sldMk cId="1865769485" sldId="264"/>
+            <ac:spMk id="2" creationId="{64492E64-A68B-8CA7-B3C6-044F7C8E76AB}"/>
+          </ac:spMkLst>
+        </pc:spChg>
+        <pc:spChg chg="mod">
+          <ac:chgData name="Talbert, Matthew" userId="877a4118-3f16-4ac9-a72c-5dd2c7b28c85" providerId="ADAL" clId="{71A70E0D-3F3A-4EF6-B205-2C86DEE76D1B}" dt="2024-11-22T22:57:30.374" v="237" actId="12788"/>
+          <ac:spMkLst>
+            <pc:docMk/>
+            <pc:sldMk cId="1865769485" sldId="264"/>
+            <ac:spMk id="4" creationId="{B64A8207-997F-319E-7F6D-676D3ECA779B}"/>
+          </ac:spMkLst>
+        </pc:spChg>
+      </pc:sldChg>
+      <pc:sldChg chg="modSp mod">
+        <pc:chgData name="Talbert, Matthew" userId="877a4118-3f16-4ac9-a72c-5dd2c7b28c85" providerId="ADAL" clId="{71A70E0D-3F3A-4EF6-B205-2C86DEE76D1B}" dt="2024-11-22T22:57:33.203" v="238" actId="12788"/>
+        <pc:sldMkLst>
+          <pc:docMk/>
+          <pc:sldMk cId="3798299007" sldId="265"/>
+        </pc:sldMkLst>
+        <pc:spChg chg="mod">
+          <ac:chgData name="Talbert, Matthew" userId="877a4118-3f16-4ac9-a72c-5dd2c7b28c85" providerId="ADAL" clId="{71A70E0D-3F3A-4EF6-B205-2C86DEE76D1B}" dt="2024-11-22T22:57:33.203" v="238" actId="12788"/>
+          <ac:spMkLst>
+            <pc:docMk/>
+            <pc:sldMk cId="3798299007" sldId="265"/>
+            <ac:spMk id="2" creationId="{361EE6A6-565D-6719-0FBC-5CFE8D6A76E8}"/>
+          </ac:spMkLst>
+        </pc:spChg>
+        <pc:spChg chg="mod">
+          <ac:chgData name="Talbert, Matthew" userId="877a4118-3f16-4ac9-a72c-5dd2c7b28c85" providerId="ADAL" clId="{71A70E0D-3F3A-4EF6-B205-2C86DEE76D1B}" dt="2024-11-22T22:57:33.203" v="238" actId="12788"/>
+          <ac:spMkLst>
+            <pc:docMk/>
+            <pc:sldMk cId="3798299007" sldId="265"/>
             <ac:spMk id="3" creationId="{ADD8957C-88E6-A920-4979-2BDA9406B518}"/>
           </ac:spMkLst>
         </pc:spChg>
       </pc:sldChg>
       <pc:sldChg chg="modSp mod">
-        <pc:chgData name="Gibbons, Carl" userId="d2b037bc-8fb4-4222-845c-61440543a456" providerId="ADAL" clId="{50BDE464-6684-48FF-AD2A-493B60EFD46B}" dt="2023-12-21T18:37:59.974" v="91" actId="20577"/>
+        <pc:chgData name="Talbert, Matthew" userId="877a4118-3f16-4ac9-a72c-5dd2c7b28c85" providerId="ADAL" clId="{71A70E0D-3F3A-4EF6-B205-2C86DEE76D1B}" dt="2024-11-22T22:57:35.453" v="239" actId="12788"/>
         <pc:sldMkLst>
           <pc:docMk/>
-          <pc:sldMk cId="1742169507" sldId="276"/>
+          <pc:sldMk cId="3809967197" sldId="266"/>
         </pc:sldMkLst>
         <pc:spChg chg="mod">
-          <ac:chgData name="Gibbons, Carl" userId="d2b037bc-8fb4-4222-845c-61440543a456" providerId="ADAL" clId="{50BDE464-6684-48FF-AD2A-493B60EFD46B}" dt="2023-12-21T18:37:59.974" v="91" actId="20577"/>
+          <ac:chgData name="Talbert, Matthew" userId="877a4118-3f16-4ac9-a72c-5dd2c7b28c85" providerId="ADAL" clId="{71A70E0D-3F3A-4EF6-B205-2C86DEE76D1B}" dt="2024-11-22T22:57:35.453" v="239" actId="12788"/>
           <ac:spMkLst>
             <pc:docMk/>
-            <pc:sldMk cId="1742169507" sldId="276"/>
-            <ac:spMk id="3" creationId="{ADD8957C-88E6-A920-4979-2BDA9406B518}"/>
+            <pc:sldMk cId="3809967197" sldId="266"/>
+            <ac:spMk id="2" creationId="{361EE6A6-565D-6719-0FBC-5CFE8D6A76E8}"/>
           </ac:spMkLst>
         </pc:spChg>
-      </pc:sldChg>
-    </pc:docChg>
-  </pc:docChgLst>
-  <pc:docChgLst>
-    <pc:chgData name="Gibbons, Carl" userId="d2b037bc-8fb4-4222-845c-61440543a456" providerId="ADAL" clId="{ACF90228-EFF2-4732-BE47-2165A82AAC55}"/>
-    <pc:docChg chg="modSld">
-      <pc:chgData name="Gibbons, Carl" userId="d2b037bc-8fb4-4222-845c-61440543a456" providerId="ADAL" clId="{ACF90228-EFF2-4732-BE47-2165A82AAC55}" dt="2024-01-09T21:29:00.955" v="0"/>
-      <pc:docMkLst>
-        <pc:docMk/>
-      </pc:docMkLst>
-      <pc:sldChg chg="modSp mod">
-        <pc:chgData name="Gibbons, Carl" userId="d2b037bc-8fb4-4222-845c-61440543a456" providerId="ADAL" clId="{ACF90228-EFF2-4732-BE47-2165A82AAC55}" dt="2024-01-09T21:29:00.955" v="0"/>
-        <pc:sldMkLst>
-          <pc:docMk/>
-          <pc:sldMk cId="1055206713" sldId="269"/>
-        </pc:sldMkLst>
         <pc:spChg chg="mod">
-          <ac:chgData name="Gibbons, Carl" userId="d2b037bc-8fb4-4222-845c-61440543a456" providerId="ADAL" clId="{ACF90228-EFF2-4732-BE47-2165A82AAC55}" dt="2024-01-09T21:29:00.955" v="0"/>
+          <ac:chgData name="Talbert, Matthew" userId="877a4118-3f16-4ac9-a72c-5dd2c7b28c85" providerId="ADAL" clId="{71A70E0D-3F3A-4EF6-B205-2C86DEE76D1B}" dt="2024-11-22T22:57:35.453" v="239" actId="12788"/>
           <ac:spMkLst>
             <pc:docMk/>
-            <pc:sldMk cId="1055206713" sldId="269"/>
-            <ac:spMk id="4" creationId="{B64A8207-997F-319E-7F6D-676D3ECA779B}"/>
-          </ac:spMkLst>
-        </pc:spChg>
-      </pc:sldChg>
-    </pc:docChg>
-  </pc:docChgLst>
-  <pc:docChgLst>
-    <pc:chgData name="Gibbons, Carl" userId="d2b037bc-8fb4-4222-845c-61440543a456" providerId="ADAL" clId="{DD1CE632-2E50-4DF6-A094-0B92632EBA8E}"/>
-    <pc:docChg chg="modSld">
-      <pc:chgData name="Gibbons, Carl" userId="d2b037bc-8fb4-4222-845c-61440543a456" providerId="ADAL" clId="{DD1CE632-2E50-4DF6-A094-0B92632EBA8E}" dt="2023-12-06T17:42:28.848" v="23" actId="20577"/>
-      <pc:docMkLst>
-        <pc:docMk/>
-      </pc:docMkLst>
-      <pc:sldChg chg="modSp mod">
-        <pc:chgData name="Gibbons, Carl" userId="d2b037bc-8fb4-4222-845c-61440543a456" providerId="ADAL" clId="{DD1CE632-2E50-4DF6-A094-0B92632EBA8E}" dt="2023-11-21T08:38:02.899" v="11" actId="20577"/>
-        <pc:sldMkLst>
-          <pc:docMk/>
-          <pc:sldMk cId="3594981681" sldId="272"/>
-        </pc:sldMkLst>
-        <pc:spChg chg="mod">
-          <ac:chgData name="Gibbons, Carl" userId="d2b037bc-8fb4-4222-845c-61440543a456" providerId="ADAL" clId="{DD1CE632-2E50-4DF6-A094-0B92632EBA8E}" dt="2023-11-21T08:38:02.899" v="11" actId="20577"/>
-          <ac:spMkLst>
-            <pc:docMk/>
-            <pc:sldMk cId="3594981681" sldId="272"/>
-            <ac:spMk id="4" creationId="{B64A8207-997F-319E-7F6D-676D3ECA779B}"/>
-          </ac:spMkLst>
-        </pc:spChg>
-      </pc:sldChg>
-      <pc:sldChg chg="modSp mod">
-        <pc:chgData name="Gibbons, Carl" userId="d2b037bc-8fb4-4222-845c-61440543a456" providerId="ADAL" clId="{DD1CE632-2E50-4DF6-A094-0B92632EBA8E}" dt="2023-12-06T17:42:28.848" v="23" actId="20577"/>
-        <pc:sldMkLst>
-          <pc:docMk/>
-          <pc:sldMk cId="1865769485" sldId="273"/>
-        </pc:sldMkLst>
-        <pc:spChg chg="mod">
-          <ac:chgData name="Gibbons, Carl" userId="d2b037bc-8fb4-4222-845c-61440543a456" providerId="ADAL" clId="{DD1CE632-2E50-4DF6-A094-0B92632EBA8E}" dt="2023-12-06T17:42:28.848" v="23" actId="20577"/>
-          <ac:spMkLst>
-            <pc:docMk/>
-            <pc:sldMk cId="1865769485" sldId="273"/>
-            <ac:spMk id="4" creationId="{B64A8207-997F-319E-7F6D-676D3ECA779B}"/>
-          </ac:spMkLst>
-        </pc:spChg>
-      </pc:sldChg>
-      <pc:sldChg chg="modSp mod">
-        <pc:chgData name="Gibbons, Carl" userId="d2b037bc-8fb4-4222-845c-61440543a456" providerId="ADAL" clId="{DD1CE632-2E50-4DF6-A094-0B92632EBA8E}" dt="2023-12-06T17:39:43.190" v="12" actId="20577"/>
-        <pc:sldMkLst>
-          <pc:docMk/>
-          <pc:sldMk cId="3809967197" sldId="275"/>
-        </pc:sldMkLst>
-        <pc:spChg chg="mod">
-          <ac:chgData name="Gibbons, Carl" userId="d2b037bc-8fb4-4222-845c-61440543a456" providerId="ADAL" clId="{DD1CE632-2E50-4DF6-A094-0B92632EBA8E}" dt="2023-12-06T17:39:43.190" v="12" actId="20577"/>
-          <ac:spMkLst>
-            <pc:docMk/>
-            <pc:sldMk cId="3809967197" sldId="275"/>
+            <pc:sldMk cId="3809967197" sldId="266"/>
             <ac:spMk id="3" creationId="{ADD8957C-88E6-A920-4979-2BDA9406B518}"/>
           </ac:spMkLst>
         </pc:spChg>
       </pc:sldChg>
       <pc:sldChg chg="modSp mod">
-        <pc:chgData name="Gibbons, Carl" userId="d2b037bc-8fb4-4222-845c-61440543a456" providerId="ADAL" clId="{DD1CE632-2E50-4DF6-A094-0B92632EBA8E}" dt="2023-12-06T17:40:27.333" v="15" actId="20577"/>
+        <pc:chgData name="Talbert, Matthew" userId="877a4118-3f16-4ac9-a72c-5dd2c7b28c85" providerId="ADAL" clId="{71A70E0D-3F3A-4EF6-B205-2C86DEE76D1B}" dt="2024-11-22T22:57:37.836" v="240" actId="12788"/>
         <pc:sldMkLst>
           <pc:docMk/>
-          <pc:sldMk cId="1742169507" sldId="276"/>
+          <pc:sldMk cId="1742169507" sldId="267"/>
         </pc:sldMkLst>
         <pc:spChg chg="mod">
-          <ac:chgData name="Gibbons, Carl" userId="d2b037bc-8fb4-4222-845c-61440543a456" providerId="ADAL" clId="{DD1CE632-2E50-4DF6-A094-0B92632EBA8E}" dt="2023-12-06T17:40:27.333" v="15" actId="20577"/>
+          <ac:chgData name="Talbert, Matthew" userId="877a4118-3f16-4ac9-a72c-5dd2c7b28c85" providerId="ADAL" clId="{71A70E0D-3F3A-4EF6-B205-2C86DEE76D1B}" dt="2024-11-22T22:57:37.836" v="240" actId="12788"/>
           <ac:spMkLst>
             <pc:docMk/>
-            <pc:sldMk cId="1742169507" sldId="276"/>
+            <pc:sldMk cId="1742169507" sldId="267"/>
+            <ac:spMk id="2" creationId="{361EE6A6-565D-6719-0FBC-5CFE8D6A76E8}"/>
+          </ac:spMkLst>
+        </pc:spChg>
+        <pc:spChg chg="mod">
+          <ac:chgData name="Talbert, Matthew" userId="877a4118-3f16-4ac9-a72c-5dd2c7b28c85" providerId="ADAL" clId="{71A70E0D-3F3A-4EF6-B205-2C86DEE76D1B}" dt="2024-11-22T22:57:37.836" v="240" actId="12788"/>
+          <ac:spMkLst>
+            <pc:docMk/>
+            <pc:sldMk cId="1742169507" sldId="267"/>
             <ac:spMk id="3" creationId="{ADD8957C-88E6-A920-4979-2BDA9406B518}"/>
           </ac:spMkLst>
         </pc:spChg>
@@ -420,8 +399,8 @@
 </file>
 
 <file path=ppt/slideLayouts/slideLayout1.xml><?xml version="1.0" encoding="utf-8"?>
-<p:sldLayout xmlns:a="http://schemas.openxmlformats.org/drawingml/2006/main" xmlns:r="http://schemas.openxmlformats.org/officeDocument/2006/relationships" xmlns:p="http://schemas.openxmlformats.org/presentationml/2006/main" preserve="1">
-  <p:cSld name="Section Header">
+<p:sldLayout xmlns:a="http://schemas.openxmlformats.org/drawingml/2006/main" xmlns:r="http://schemas.openxmlformats.org/officeDocument/2006/relationships" xmlns:p="http://schemas.openxmlformats.org/presentationml/2006/main" preserve="1" userDrawn="1">
+  <p:cSld name="Title Slide">
     <p:spTree>
       <p:nvGrpSpPr>
         <p:cNvPr id="1" name=""/>
@@ -439,20 +418,1337 @@
     </p:spTree>
     <p:extLst>
       <p:ext uri="{BB962C8B-B14F-4D97-AF65-F5344CB8AC3E}">
-        <p14:creationId xmlns:p14="http://schemas.microsoft.com/office/powerpoint/2010/main" val="186424346"/>
+        <p14:creationId xmlns:p14="http://schemas.microsoft.com/office/powerpoint/2010/main" val="2903089904"/>
       </p:ext>
     </p:extLst>
   </p:cSld>
   <p:clrMapOvr>
     <a:masterClrMapping/>
   </p:clrMapOvr>
-  <p:transition>
-    <p:fade/>
-  </p:transition>
 </p:sldLayout>
 </file>
 
 <file path=ppt/slideLayouts/slideLayout10.xml><?xml version="1.0" encoding="utf-8"?>
+<p:sldLayout xmlns:a="http://schemas.openxmlformats.org/drawingml/2006/main" xmlns:r="http://schemas.openxmlformats.org/officeDocument/2006/relationships" xmlns:p="http://schemas.openxmlformats.org/presentationml/2006/main" type="vertTx" preserve="1">
+  <p:cSld name="Title and Vertical Text">
+    <p:spTree>
+      <p:nvGrpSpPr>
+        <p:cNvPr id="1" name=""/>
+        <p:cNvGrpSpPr/>
+        <p:nvPr/>
+      </p:nvGrpSpPr>
+      <p:grpSpPr>
+        <a:xfrm>
+          <a:off x="0" y="0"/>
+          <a:ext cx="0" cy="0"/>
+          <a:chOff x="0" y="0"/>
+          <a:chExt cx="0" cy="0"/>
+        </a:xfrm>
+      </p:grpSpPr>
+      <p:sp>
+        <p:nvSpPr>
+          <p:cNvPr id="2" name="Title 1">
+            <a:extLst>
+              <a:ext uri="{FF2B5EF4-FFF2-40B4-BE49-F238E27FC236}">
+                <a16:creationId xmlns:a16="http://schemas.microsoft.com/office/drawing/2014/main" id="{A2992E9E-93C1-7E84-A4D5-EA127AB4BDC1}"/>
+              </a:ext>
+            </a:extLst>
+          </p:cNvPr>
+          <p:cNvSpPr>
+            <a:spLocks noGrp="1"/>
+          </p:cNvSpPr>
+          <p:nvPr>
+            <p:ph type="title"/>
+          </p:nvPr>
+        </p:nvSpPr>
+        <p:spPr>
+          <a:xfrm>
+            <a:off x="602787" y="1498382"/>
+            <a:ext cx="10515600" cy="1325563"/>
+          </a:xfrm>
+          <a:prstGeom prst="rect">
+            <a:avLst/>
+          </a:prstGeom>
+        </p:spPr>
+        <p:txBody>
+          <a:bodyPr/>
+          <a:lstStyle/>
+          <a:p>
+            <a:r>
+              <a:rPr lang="en-US"/>
+              <a:t>Click to edit Master title style</a:t>
+            </a:r>
+          </a:p>
+        </p:txBody>
+      </p:sp>
+      <p:sp>
+        <p:nvSpPr>
+          <p:cNvPr id="3" name="Vertical Text Placeholder 2">
+            <a:extLst>
+              <a:ext uri="{FF2B5EF4-FFF2-40B4-BE49-F238E27FC236}">
+                <a16:creationId xmlns:a16="http://schemas.microsoft.com/office/drawing/2014/main" id="{FBFF1E9B-EE9D-9A7E-EE97-87C838D9BB2F}"/>
+              </a:ext>
+            </a:extLst>
+          </p:cNvPr>
+          <p:cNvSpPr>
+            <a:spLocks noGrp="1"/>
+          </p:cNvSpPr>
+          <p:nvPr>
+            <p:ph type="body" orient="vert" idx="1"/>
+          </p:nvPr>
+        </p:nvSpPr>
+        <p:spPr>
+          <a:xfrm>
+            <a:off x="838200" y="1825625"/>
+            <a:ext cx="10515600" cy="4351338"/>
+          </a:xfrm>
+          <a:prstGeom prst="rect">
+            <a:avLst/>
+          </a:prstGeom>
+        </p:spPr>
+        <p:txBody>
+          <a:bodyPr vert="eaVert"/>
+          <a:lstStyle/>
+          <a:p>
+            <a:pPr lvl="0"/>
+            <a:r>
+              <a:rPr lang="en-US"/>
+              <a:t>Click to edit Master text styles</a:t>
+            </a:r>
+          </a:p>
+          <a:p>
+            <a:pPr lvl="1"/>
+            <a:r>
+              <a:rPr lang="en-US"/>
+              <a:t>Second level</a:t>
+            </a:r>
+          </a:p>
+          <a:p>
+            <a:pPr lvl="2"/>
+            <a:r>
+              <a:rPr lang="en-US"/>
+              <a:t>Third level</a:t>
+            </a:r>
+          </a:p>
+          <a:p>
+            <a:pPr lvl="3"/>
+            <a:r>
+              <a:rPr lang="en-US"/>
+              <a:t>Fourth level</a:t>
+            </a:r>
+          </a:p>
+          <a:p>
+            <a:pPr lvl="4"/>
+            <a:r>
+              <a:rPr lang="en-US"/>
+              <a:t>Fifth level</a:t>
+            </a:r>
+          </a:p>
+        </p:txBody>
+      </p:sp>
+      <p:sp>
+        <p:nvSpPr>
+          <p:cNvPr id="4" name="Date Placeholder 3">
+            <a:extLst>
+              <a:ext uri="{FF2B5EF4-FFF2-40B4-BE49-F238E27FC236}">
+                <a16:creationId xmlns:a16="http://schemas.microsoft.com/office/drawing/2014/main" id="{450DA212-C93A-3075-FD32-156F351E64D4}"/>
+              </a:ext>
+            </a:extLst>
+          </p:cNvPr>
+          <p:cNvSpPr>
+            <a:spLocks noGrp="1"/>
+          </p:cNvSpPr>
+          <p:nvPr>
+            <p:ph type="dt" sz="half" idx="10"/>
+          </p:nvPr>
+        </p:nvSpPr>
+        <p:spPr>
+          <a:xfrm>
+            <a:off x="838200" y="6445249"/>
+            <a:ext cx="2743200" cy="365125"/>
+          </a:xfrm>
+          <a:prstGeom prst="rect">
+            <a:avLst/>
+          </a:prstGeom>
+        </p:spPr>
+        <p:txBody>
+          <a:bodyPr/>
+          <a:lstStyle/>
+          <a:p>
+            <a:fld id="{71087A05-F855-4434-8DDE-39A8542098A6}" type="datetimeFigureOut">
+              <a:rPr lang="en-US" smtClean="0"/>
+              <a:t>11/21/2024</a:t>
+            </a:fld>
+            <a:endParaRPr lang="en-US"/>
+          </a:p>
+        </p:txBody>
+      </p:sp>
+      <p:sp>
+        <p:nvSpPr>
+          <p:cNvPr id="5" name="Footer Placeholder 4">
+            <a:extLst>
+              <a:ext uri="{FF2B5EF4-FFF2-40B4-BE49-F238E27FC236}">
+                <a16:creationId xmlns:a16="http://schemas.microsoft.com/office/drawing/2014/main" id="{D6AA4E94-35D9-7831-A0BB-9A28BFA422BE}"/>
+              </a:ext>
+            </a:extLst>
+          </p:cNvPr>
+          <p:cNvSpPr>
+            <a:spLocks noGrp="1"/>
+          </p:cNvSpPr>
+          <p:nvPr>
+            <p:ph type="ftr" sz="quarter" idx="11"/>
+          </p:nvPr>
+        </p:nvSpPr>
+        <p:spPr>
+          <a:xfrm>
+            <a:off x="4038600" y="6356350"/>
+            <a:ext cx="4114800" cy="365125"/>
+          </a:xfrm>
+          <a:prstGeom prst="rect">
+            <a:avLst/>
+          </a:prstGeom>
+        </p:spPr>
+        <p:txBody>
+          <a:bodyPr/>
+          <a:lstStyle/>
+          <a:p>
+            <a:endParaRPr lang="en-US"/>
+          </a:p>
+        </p:txBody>
+      </p:sp>
+      <p:sp>
+        <p:nvSpPr>
+          <p:cNvPr id="6" name="Slide Number Placeholder 5">
+            <a:extLst>
+              <a:ext uri="{FF2B5EF4-FFF2-40B4-BE49-F238E27FC236}">
+                <a16:creationId xmlns:a16="http://schemas.microsoft.com/office/drawing/2014/main" id="{2E0B5BE5-01BB-5041-6101-F169276B2397}"/>
+              </a:ext>
+            </a:extLst>
+          </p:cNvPr>
+          <p:cNvSpPr>
+            <a:spLocks noGrp="1"/>
+          </p:cNvSpPr>
+          <p:nvPr>
+            <p:ph type="sldNum" sz="quarter" idx="12"/>
+          </p:nvPr>
+        </p:nvSpPr>
+        <p:spPr>
+          <a:xfrm>
+            <a:off x="8610600" y="6356350"/>
+            <a:ext cx="2743200" cy="365125"/>
+          </a:xfrm>
+          <a:prstGeom prst="rect">
+            <a:avLst/>
+          </a:prstGeom>
+        </p:spPr>
+        <p:txBody>
+          <a:bodyPr/>
+          <a:lstStyle/>
+          <a:p>
+            <a:fld id="{6C0014F0-3D1D-4459-A530-32E6C19AE461}" type="slidenum">
+              <a:rPr lang="en-US" smtClean="0"/>
+              <a:t>‹#›</a:t>
+            </a:fld>
+            <a:endParaRPr lang="en-US"/>
+          </a:p>
+        </p:txBody>
+      </p:sp>
+    </p:spTree>
+    <p:extLst>
+      <p:ext uri="{BB962C8B-B14F-4D97-AF65-F5344CB8AC3E}">
+        <p14:creationId xmlns:p14="http://schemas.microsoft.com/office/powerpoint/2010/main" val="3058523283"/>
+      </p:ext>
+    </p:extLst>
+  </p:cSld>
+  <p:clrMapOvr>
+    <a:masterClrMapping/>
+  </p:clrMapOvr>
+</p:sldLayout>
+</file>
+
+<file path=ppt/slideLayouts/slideLayout11.xml><?xml version="1.0" encoding="utf-8"?>
+<p:sldLayout xmlns:a="http://schemas.openxmlformats.org/drawingml/2006/main" xmlns:r="http://schemas.openxmlformats.org/officeDocument/2006/relationships" xmlns:p="http://schemas.openxmlformats.org/presentationml/2006/main" type="vertTitleAndTx" preserve="1">
+  <p:cSld name="Vertical Title and Text">
+    <p:spTree>
+      <p:nvGrpSpPr>
+        <p:cNvPr id="1" name=""/>
+        <p:cNvGrpSpPr/>
+        <p:nvPr/>
+      </p:nvGrpSpPr>
+      <p:grpSpPr>
+        <a:xfrm>
+          <a:off x="0" y="0"/>
+          <a:ext cx="0" cy="0"/>
+          <a:chOff x="0" y="0"/>
+          <a:chExt cx="0" cy="0"/>
+        </a:xfrm>
+      </p:grpSpPr>
+      <p:sp>
+        <p:nvSpPr>
+          <p:cNvPr id="2" name="Vertical Title 1">
+            <a:extLst>
+              <a:ext uri="{FF2B5EF4-FFF2-40B4-BE49-F238E27FC236}">
+                <a16:creationId xmlns:a16="http://schemas.microsoft.com/office/drawing/2014/main" id="{B7D370E5-4104-4DF4-CE6F-43777E948DFD}"/>
+              </a:ext>
+            </a:extLst>
+          </p:cNvPr>
+          <p:cNvSpPr>
+            <a:spLocks noGrp="1"/>
+          </p:cNvSpPr>
+          <p:nvPr>
+            <p:ph type="title" orient="vert"/>
+          </p:nvPr>
+        </p:nvSpPr>
+        <p:spPr>
+          <a:xfrm>
+            <a:off x="8724900" y="365125"/>
+            <a:ext cx="2628900" cy="5811838"/>
+          </a:xfrm>
+          <a:prstGeom prst="rect">
+            <a:avLst/>
+          </a:prstGeom>
+        </p:spPr>
+        <p:txBody>
+          <a:bodyPr vert="eaVert"/>
+          <a:lstStyle/>
+          <a:p>
+            <a:r>
+              <a:rPr lang="en-US"/>
+              <a:t>Click to edit Master title style</a:t>
+            </a:r>
+          </a:p>
+        </p:txBody>
+      </p:sp>
+      <p:sp>
+        <p:nvSpPr>
+          <p:cNvPr id="3" name="Vertical Text Placeholder 2">
+            <a:extLst>
+              <a:ext uri="{FF2B5EF4-FFF2-40B4-BE49-F238E27FC236}">
+                <a16:creationId xmlns:a16="http://schemas.microsoft.com/office/drawing/2014/main" id="{3CEA6D81-DFD1-D8AC-EC26-DC0557526EE4}"/>
+              </a:ext>
+            </a:extLst>
+          </p:cNvPr>
+          <p:cNvSpPr>
+            <a:spLocks noGrp="1"/>
+          </p:cNvSpPr>
+          <p:nvPr>
+            <p:ph type="body" orient="vert" idx="1"/>
+          </p:nvPr>
+        </p:nvSpPr>
+        <p:spPr>
+          <a:xfrm>
+            <a:off x="838200" y="365125"/>
+            <a:ext cx="7734300" cy="5811838"/>
+          </a:xfrm>
+          <a:prstGeom prst="rect">
+            <a:avLst/>
+          </a:prstGeom>
+        </p:spPr>
+        <p:txBody>
+          <a:bodyPr vert="eaVert"/>
+          <a:lstStyle/>
+          <a:p>
+            <a:pPr lvl="0"/>
+            <a:r>
+              <a:rPr lang="en-US"/>
+              <a:t>Click to edit Master text styles</a:t>
+            </a:r>
+          </a:p>
+          <a:p>
+            <a:pPr lvl="1"/>
+            <a:r>
+              <a:rPr lang="en-US"/>
+              <a:t>Second level</a:t>
+            </a:r>
+          </a:p>
+          <a:p>
+            <a:pPr lvl="2"/>
+            <a:r>
+              <a:rPr lang="en-US"/>
+              <a:t>Third level</a:t>
+            </a:r>
+          </a:p>
+          <a:p>
+            <a:pPr lvl="3"/>
+            <a:r>
+              <a:rPr lang="en-US"/>
+              <a:t>Fourth level</a:t>
+            </a:r>
+          </a:p>
+          <a:p>
+            <a:pPr lvl="4"/>
+            <a:r>
+              <a:rPr lang="en-US"/>
+              <a:t>Fifth level</a:t>
+            </a:r>
+          </a:p>
+        </p:txBody>
+      </p:sp>
+      <p:sp>
+        <p:nvSpPr>
+          <p:cNvPr id="4" name="Date Placeholder 3">
+            <a:extLst>
+              <a:ext uri="{FF2B5EF4-FFF2-40B4-BE49-F238E27FC236}">
+                <a16:creationId xmlns:a16="http://schemas.microsoft.com/office/drawing/2014/main" id="{60E27890-E421-871D-9D4F-F7E5B558B71E}"/>
+              </a:ext>
+            </a:extLst>
+          </p:cNvPr>
+          <p:cNvSpPr>
+            <a:spLocks noGrp="1"/>
+          </p:cNvSpPr>
+          <p:nvPr>
+            <p:ph type="dt" sz="half" idx="10"/>
+          </p:nvPr>
+        </p:nvSpPr>
+        <p:spPr>
+          <a:xfrm>
+            <a:off x="838200" y="6445249"/>
+            <a:ext cx="2743200" cy="365125"/>
+          </a:xfrm>
+          <a:prstGeom prst="rect">
+            <a:avLst/>
+          </a:prstGeom>
+        </p:spPr>
+        <p:txBody>
+          <a:bodyPr/>
+          <a:lstStyle/>
+          <a:p>
+            <a:fld id="{71087A05-F855-4434-8DDE-39A8542098A6}" type="datetimeFigureOut">
+              <a:rPr lang="en-US" smtClean="0"/>
+              <a:t>11/21/2024</a:t>
+            </a:fld>
+            <a:endParaRPr lang="en-US"/>
+          </a:p>
+        </p:txBody>
+      </p:sp>
+      <p:sp>
+        <p:nvSpPr>
+          <p:cNvPr id="5" name="Footer Placeholder 4">
+            <a:extLst>
+              <a:ext uri="{FF2B5EF4-FFF2-40B4-BE49-F238E27FC236}">
+                <a16:creationId xmlns:a16="http://schemas.microsoft.com/office/drawing/2014/main" id="{B7A93CF4-905B-F31B-69BD-9BEBF9008D86}"/>
+              </a:ext>
+            </a:extLst>
+          </p:cNvPr>
+          <p:cNvSpPr>
+            <a:spLocks noGrp="1"/>
+          </p:cNvSpPr>
+          <p:nvPr>
+            <p:ph type="ftr" sz="quarter" idx="11"/>
+          </p:nvPr>
+        </p:nvSpPr>
+        <p:spPr>
+          <a:xfrm>
+            <a:off x="4038600" y="6356350"/>
+            <a:ext cx="4114800" cy="365125"/>
+          </a:xfrm>
+          <a:prstGeom prst="rect">
+            <a:avLst/>
+          </a:prstGeom>
+        </p:spPr>
+        <p:txBody>
+          <a:bodyPr/>
+          <a:lstStyle/>
+          <a:p>
+            <a:endParaRPr lang="en-US"/>
+          </a:p>
+        </p:txBody>
+      </p:sp>
+      <p:sp>
+        <p:nvSpPr>
+          <p:cNvPr id="6" name="Slide Number Placeholder 5">
+            <a:extLst>
+              <a:ext uri="{FF2B5EF4-FFF2-40B4-BE49-F238E27FC236}">
+                <a16:creationId xmlns:a16="http://schemas.microsoft.com/office/drawing/2014/main" id="{B9BD2B1C-442A-F5C9-9AEB-F9DE0158660F}"/>
+              </a:ext>
+            </a:extLst>
+          </p:cNvPr>
+          <p:cNvSpPr>
+            <a:spLocks noGrp="1"/>
+          </p:cNvSpPr>
+          <p:nvPr>
+            <p:ph type="sldNum" sz="quarter" idx="12"/>
+          </p:nvPr>
+        </p:nvSpPr>
+        <p:spPr>
+          <a:xfrm>
+            <a:off x="8610600" y="6356350"/>
+            <a:ext cx="2743200" cy="365125"/>
+          </a:xfrm>
+          <a:prstGeom prst="rect">
+            <a:avLst/>
+          </a:prstGeom>
+        </p:spPr>
+        <p:txBody>
+          <a:bodyPr/>
+          <a:lstStyle/>
+          <a:p>
+            <a:fld id="{6C0014F0-3D1D-4459-A530-32E6C19AE461}" type="slidenum">
+              <a:rPr lang="en-US" smtClean="0"/>
+              <a:t>‹#›</a:t>
+            </a:fld>
+            <a:endParaRPr lang="en-US"/>
+          </a:p>
+        </p:txBody>
+      </p:sp>
+    </p:spTree>
+    <p:extLst>
+      <p:ext uri="{BB962C8B-B14F-4D97-AF65-F5344CB8AC3E}">
+        <p14:creationId xmlns:p14="http://schemas.microsoft.com/office/powerpoint/2010/main" val="4080666653"/>
+      </p:ext>
+    </p:extLst>
+  </p:cSld>
+  <p:clrMapOvr>
+    <a:masterClrMapping/>
+  </p:clrMapOvr>
+</p:sldLayout>
+</file>
+
+<file path=ppt/slideLayouts/slideLayout12.xml><?xml version="1.0" encoding="utf-8"?>
+<p:sldLayout xmlns:a="http://schemas.openxmlformats.org/drawingml/2006/main" xmlns:r="http://schemas.openxmlformats.org/officeDocument/2006/relationships" xmlns:p="http://schemas.openxmlformats.org/presentationml/2006/main" type="title" preserve="1">
+  <p:cSld name="Title Slide">
+    <p:spTree>
+      <p:nvGrpSpPr>
+        <p:cNvPr id="1" name=""/>
+        <p:cNvGrpSpPr/>
+        <p:nvPr/>
+      </p:nvGrpSpPr>
+      <p:grpSpPr>
+        <a:xfrm>
+          <a:off x="0" y="0"/>
+          <a:ext cx="0" cy="0"/>
+          <a:chOff x="0" y="0"/>
+          <a:chExt cx="0" cy="0"/>
+        </a:xfrm>
+      </p:grpSpPr>
+      <p:sp>
+        <p:nvSpPr>
+          <p:cNvPr id="2" name="Title 1">
+            <a:extLst>
+              <a:ext uri="{FF2B5EF4-FFF2-40B4-BE49-F238E27FC236}">
+                <a16:creationId xmlns:a16="http://schemas.microsoft.com/office/drawing/2014/main" id="{DD581941-0C9F-2373-780E-9153E7306EE0}"/>
+              </a:ext>
+            </a:extLst>
+          </p:cNvPr>
+          <p:cNvSpPr>
+            <a:spLocks noGrp="1"/>
+          </p:cNvSpPr>
+          <p:nvPr>
+            <p:ph type="ctrTitle"/>
+          </p:nvPr>
+        </p:nvSpPr>
+        <p:spPr>
+          <a:xfrm>
+            <a:off x="1524000" y="1122363"/>
+            <a:ext cx="9144000" cy="2387600"/>
+          </a:xfrm>
+        </p:spPr>
+        <p:txBody>
+          <a:bodyPr anchor="b"/>
+          <a:lstStyle>
+            <a:lvl1pPr algn="ctr">
+              <a:defRPr sz="6000"/>
+            </a:lvl1pPr>
+          </a:lstStyle>
+          <a:p>
+            <a:r>
+              <a:rPr lang="en-US"/>
+              <a:t>Click to edit Master title style</a:t>
+            </a:r>
+          </a:p>
+        </p:txBody>
+      </p:sp>
+      <p:sp>
+        <p:nvSpPr>
+          <p:cNvPr id="3" name="Subtitle 2">
+            <a:extLst>
+              <a:ext uri="{FF2B5EF4-FFF2-40B4-BE49-F238E27FC236}">
+                <a16:creationId xmlns:a16="http://schemas.microsoft.com/office/drawing/2014/main" id="{FC927A9A-3EED-7C12-0FFF-384113480AA1}"/>
+              </a:ext>
+            </a:extLst>
+          </p:cNvPr>
+          <p:cNvSpPr>
+            <a:spLocks noGrp="1"/>
+          </p:cNvSpPr>
+          <p:nvPr>
+            <p:ph type="subTitle" idx="1"/>
+          </p:nvPr>
+        </p:nvSpPr>
+        <p:spPr>
+          <a:xfrm>
+            <a:off x="1524000" y="3602038"/>
+            <a:ext cx="9144000" cy="1655762"/>
+          </a:xfrm>
+        </p:spPr>
+        <p:txBody>
+          <a:bodyPr/>
+          <a:lstStyle>
+            <a:lvl1pPr marL="0" indent="0" algn="ctr">
+              <a:buNone/>
+              <a:defRPr sz="2400"/>
+            </a:lvl1pPr>
+            <a:lvl2pPr marL="457200" indent="0" algn="ctr">
+              <a:buNone/>
+              <a:defRPr sz="2000"/>
+            </a:lvl2pPr>
+            <a:lvl3pPr marL="914400" indent="0" algn="ctr">
+              <a:buNone/>
+              <a:defRPr sz="1800"/>
+            </a:lvl3pPr>
+            <a:lvl4pPr marL="1371600" indent="0" algn="ctr">
+              <a:buNone/>
+              <a:defRPr sz="1600"/>
+            </a:lvl4pPr>
+            <a:lvl5pPr marL="1828800" indent="0" algn="ctr">
+              <a:buNone/>
+              <a:defRPr sz="1600"/>
+            </a:lvl5pPr>
+            <a:lvl6pPr marL="2286000" indent="0" algn="ctr">
+              <a:buNone/>
+              <a:defRPr sz="1600"/>
+            </a:lvl6pPr>
+            <a:lvl7pPr marL="2743200" indent="0" algn="ctr">
+              <a:buNone/>
+              <a:defRPr sz="1600"/>
+            </a:lvl7pPr>
+            <a:lvl8pPr marL="3200400" indent="0" algn="ctr">
+              <a:buNone/>
+              <a:defRPr sz="1600"/>
+            </a:lvl8pPr>
+            <a:lvl9pPr marL="3657600" indent="0" algn="ctr">
+              <a:buNone/>
+              <a:defRPr sz="1600"/>
+            </a:lvl9pPr>
+          </a:lstStyle>
+          <a:p>
+            <a:r>
+              <a:rPr lang="en-US"/>
+              <a:t>Click to edit Master subtitle style</a:t>
+            </a:r>
+          </a:p>
+        </p:txBody>
+      </p:sp>
+      <p:sp>
+        <p:nvSpPr>
+          <p:cNvPr id="4" name="Date Placeholder 3">
+            <a:extLst>
+              <a:ext uri="{FF2B5EF4-FFF2-40B4-BE49-F238E27FC236}">
+                <a16:creationId xmlns:a16="http://schemas.microsoft.com/office/drawing/2014/main" id="{E43FE0D7-D5FB-3326-9483-F15495075853}"/>
+              </a:ext>
+            </a:extLst>
+          </p:cNvPr>
+          <p:cNvSpPr>
+            <a:spLocks noGrp="1"/>
+          </p:cNvSpPr>
+          <p:nvPr>
+            <p:ph type="dt" sz="half" idx="10"/>
+          </p:nvPr>
+        </p:nvSpPr>
+        <p:spPr/>
+        <p:txBody>
+          <a:bodyPr/>
+          <a:lstStyle/>
+          <a:p>
+            <a:fld id="{0BE24BAF-58C0-4D38-ABA0-4170CC92DC13}" type="datetimeFigureOut">
+              <a:rPr lang="en-US" smtClean="0"/>
+              <a:t>11/21/2024</a:t>
+            </a:fld>
+            <a:endParaRPr lang="en-US"/>
+          </a:p>
+        </p:txBody>
+      </p:sp>
+      <p:sp>
+        <p:nvSpPr>
+          <p:cNvPr id="5" name="Footer Placeholder 4">
+            <a:extLst>
+              <a:ext uri="{FF2B5EF4-FFF2-40B4-BE49-F238E27FC236}">
+                <a16:creationId xmlns:a16="http://schemas.microsoft.com/office/drawing/2014/main" id="{AAEBCD6E-6B69-E7FF-A8EA-F8E294BDA7E7}"/>
+              </a:ext>
+            </a:extLst>
+          </p:cNvPr>
+          <p:cNvSpPr>
+            <a:spLocks noGrp="1"/>
+          </p:cNvSpPr>
+          <p:nvPr>
+            <p:ph type="ftr" sz="quarter" idx="11"/>
+          </p:nvPr>
+        </p:nvSpPr>
+        <p:spPr/>
+        <p:txBody>
+          <a:bodyPr/>
+          <a:lstStyle/>
+          <a:p>
+            <a:endParaRPr lang="en-US"/>
+          </a:p>
+        </p:txBody>
+      </p:sp>
+      <p:sp>
+        <p:nvSpPr>
+          <p:cNvPr id="6" name="Slide Number Placeholder 5">
+            <a:extLst>
+              <a:ext uri="{FF2B5EF4-FFF2-40B4-BE49-F238E27FC236}">
+                <a16:creationId xmlns:a16="http://schemas.microsoft.com/office/drawing/2014/main" id="{FF22DB5A-E75D-49DD-123C-37B6BC85E903}"/>
+              </a:ext>
+            </a:extLst>
+          </p:cNvPr>
+          <p:cNvSpPr>
+            <a:spLocks noGrp="1"/>
+          </p:cNvSpPr>
+          <p:nvPr>
+            <p:ph type="sldNum" sz="quarter" idx="12"/>
+          </p:nvPr>
+        </p:nvSpPr>
+        <p:spPr/>
+        <p:txBody>
+          <a:bodyPr/>
+          <a:lstStyle/>
+          <a:p>
+            <a:fld id="{13D5471E-615E-4FAD-96CF-E230E8BB09F6}" type="slidenum">
+              <a:rPr lang="en-US" smtClean="0"/>
+              <a:t>‹#›</a:t>
+            </a:fld>
+            <a:endParaRPr lang="en-US"/>
+          </a:p>
+        </p:txBody>
+      </p:sp>
+    </p:spTree>
+    <p:extLst>
+      <p:ext uri="{BB962C8B-B14F-4D97-AF65-F5344CB8AC3E}">
+        <p14:creationId xmlns:p14="http://schemas.microsoft.com/office/powerpoint/2010/main" val="1852948068"/>
+      </p:ext>
+    </p:extLst>
+  </p:cSld>
+  <p:clrMapOvr>
+    <a:masterClrMapping/>
+  </p:clrMapOvr>
+</p:sldLayout>
+</file>
+
+<file path=ppt/slideLayouts/slideLayout13.xml><?xml version="1.0" encoding="utf-8"?>
+<p:sldLayout xmlns:a="http://schemas.openxmlformats.org/drawingml/2006/main" xmlns:r="http://schemas.openxmlformats.org/officeDocument/2006/relationships" xmlns:p="http://schemas.openxmlformats.org/presentationml/2006/main">
+  <p:cSld name="Contents slide layout">
+    <p:spTree>
+      <p:nvGrpSpPr>
+        <p:cNvPr id="1" name=""/>
+        <p:cNvGrpSpPr/>
+        <p:nvPr/>
+      </p:nvGrpSpPr>
+      <p:grpSpPr>
+        <a:xfrm>
+          <a:off x="0" y="0"/>
+          <a:ext cx="0" cy="0"/>
+          <a:chOff x="0" y="0"/>
+          <a:chExt cx="0" cy="0"/>
+        </a:xfrm>
+      </p:grpSpPr>
+      <p:sp>
+        <p:nvSpPr>
+          <p:cNvPr id="2" name="Text Placeholder 9">
+            <a:extLst>
+              <a:ext uri="{FF2B5EF4-FFF2-40B4-BE49-F238E27FC236}">
+                <a16:creationId xmlns:a16="http://schemas.microsoft.com/office/drawing/2014/main" id="{23DE32A5-6181-4C51-AD5C-3F1A448478A1}"/>
+              </a:ext>
+            </a:extLst>
+          </p:cNvPr>
+          <p:cNvSpPr>
+            <a:spLocks noGrp="1"/>
+          </p:cNvSpPr>
+          <p:nvPr>
+            <p:ph type="body" sz="quarter" idx="10" hasCustomPrompt="1"/>
+          </p:nvPr>
+        </p:nvSpPr>
+        <p:spPr>
+          <a:xfrm>
+            <a:off x="323529" y="339509"/>
+            <a:ext cx="11573197" cy="724247"/>
+          </a:xfrm>
+          <a:prstGeom prst="rect">
+            <a:avLst/>
+          </a:prstGeom>
+        </p:spPr>
+        <p:txBody>
+          <a:bodyPr anchor="ctr"/>
+          <a:lstStyle>
+            <a:lvl1pPr marL="0" indent="0" algn="ctr">
+              <a:buNone/>
+              <a:defRPr sz="5400" b="0" baseline="0">
+                <a:solidFill>
+                  <a:schemeClr val="tx1">
+                    <a:lumMod val="85000"/>
+                    <a:lumOff val="15000"/>
+                  </a:schemeClr>
+                </a:solidFill>
+                <a:latin typeface="+mj-lt"/>
+                <a:cs typeface="Arial" pitchFamily="34" charset="0"/>
+              </a:defRPr>
+            </a:lvl1pPr>
+          </a:lstStyle>
+          <a:p>
+            <a:pPr lvl="0"/>
+            <a:r>
+              <a:rPr lang="en-US" altLang="ko-KR" dirty="0"/>
+              <a:t>BASIC LAYOUT</a:t>
+            </a:r>
+          </a:p>
+        </p:txBody>
+      </p:sp>
+    </p:spTree>
+    <p:extLst>
+      <p:ext uri="{BB962C8B-B14F-4D97-AF65-F5344CB8AC3E}">
+        <p14:creationId xmlns:p14="http://schemas.microsoft.com/office/powerpoint/2010/main" val="2529292078"/>
+      </p:ext>
+    </p:extLst>
+  </p:cSld>
+  <p:clrMapOvr>
+    <a:masterClrMapping/>
+  </p:clrMapOvr>
+</p:sldLayout>
+</file>
+
+<file path=ppt/slideLayouts/slideLayout2.xml><?xml version="1.0" encoding="utf-8"?>
+<p:sldLayout xmlns:a="http://schemas.openxmlformats.org/drawingml/2006/main" xmlns:r="http://schemas.openxmlformats.org/officeDocument/2006/relationships" xmlns:p="http://schemas.openxmlformats.org/presentationml/2006/main" type="obj" preserve="1">
+  <p:cSld name="Title and Content">
+    <p:spTree>
+      <p:nvGrpSpPr>
+        <p:cNvPr id="1" name=""/>
+        <p:cNvGrpSpPr/>
+        <p:nvPr/>
+      </p:nvGrpSpPr>
+      <p:grpSpPr>
+        <a:xfrm>
+          <a:off x="0" y="0"/>
+          <a:ext cx="0" cy="0"/>
+          <a:chOff x="0" y="0"/>
+          <a:chExt cx="0" cy="0"/>
+        </a:xfrm>
+      </p:grpSpPr>
+      <p:sp>
+        <p:nvSpPr>
+          <p:cNvPr id="2" name="Title 1">
+            <a:extLst>
+              <a:ext uri="{FF2B5EF4-FFF2-40B4-BE49-F238E27FC236}">
+                <a16:creationId xmlns:a16="http://schemas.microsoft.com/office/drawing/2014/main" id="{6A54579A-6906-4E6D-591C-C727DF060739}"/>
+              </a:ext>
+            </a:extLst>
+          </p:cNvPr>
+          <p:cNvSpPr>
+            <a:spLocks noGrp="1"/>
+          </p:cNvSpPr>
+          <p:nvPr>
+            <p:ph type="title"/>
+          </p:nvPr>
+        </p:nvSpPr>
+        <p:spPr>
+          <a:xfrm>
+            <a:off x="602787" y="1498382"/>
+            <a:ext cx="10515600" cy="1325563"/>
+          </a:xfrm>
+          <a:prstGeom prst="rect">
+            <a:avLst/>
+          </a:prstGeom>
+        </p:spPr>
+        <p:txBody>
+          <a:bodyPr/>
+          <a:lstStyle/>
+          <a:p>
+            <a:r>
+              <a:rPr lang="en-US"/>
+              <a:t>Click to edit Master title style</a:t>
+            </a:r>
+          </a:p>
+        </p:txBody>
+      </p:sp>
+      <p:sp>
+        <p:nvSpPr>
+          <p:cNvPr id="3" name="Content Placeholder 2">
+            <a:extLst>
+              <a:ext uri="{FF2B5EF4-FFF2-40B4-BE49-F238E27FC236}">
+                <a16:creationId xmlns:a16="http://schemas.microsoft.com/office/drawing/2014/main" id="{9C426EAA-227D-5ECA-282E-3A3B3C8AE97C}"/>
+              </a:ext>
+            </a:extLst>
+          </p:cNvPr>
+          <p:cNvSpPr>
+            <a:spLocks noGrp="1"/>
+          </p:cNvSpPr>
+          <p:nvPr>
+            <p:ph idx="1"/>
+          </p:nvPr>
+        </p:nvSpPr>
+        <p:spPr>
+          <a:xfrm>
+            <a:off x="838200" y="1825625"/>
+            <a:ext cx="10515600" cy="4351338"/>
+          </a:xfrm>
+          <a:prstGeom prst="rect">
+            <a:avLst/>
+          </a:prstGeom>
+        </p:spPr>
+        <p:txBody>
+          <a:bodyPr/>
+          <a:lstStyle/>
+          <a:p>
+            <a:pPr lvl="0"/>
+            <a:r>
+              <a:rPr lang="en-US"/>
+              <a:t>Click to edit Master text styles</a:t>
+            </a:r>
+          </a:p>
+          <a:p>
+            <a:pPr lvl="1"/>
+            <a:r>
+              <a:rPr lang="en-US"/>
+              <a:t>Second level</a:t>
+            </a:r>
+          </a:p>
+          <a:p>
+            <a:pPr lvl="2"/>
+            <a:r>
+              <a:rPr lang="en-US"/>
+              <a:t>Third level</a:t>
+            </a:r>
+          </a:p>
+          <a:p>
+            <a:pPr lvl="3"/>
+            <a:r>
+              <a:rPr lang="en-US"/>
+              <a:t>Fourth level</a:t>
+            </a:r>
+          </a:p>
+          <a:p>
+            <a:pPr lvl="4"/>
+            <a:r>
+              <a:rPr lang="en-US"/>
+              <a:t>Fifth level</a:t>
+            </a:r>
+          </a:p>
+        </p:txBody>
+      </p:sp>
+      <p:sp>
+        <p:nvSpPr>
+          <p:cNvPr id="4" name="Date Placeholder 3">
+            <a:extLst>
+              <a:ext uri="{FF2B5EF4-FFF2-40B4-BE49-F238E27FC236}">
+                <a16:creationId xmlns:a16="http://schemas.microsoft.com/office/drawing/2014/main" id="{7F651069-7D1F-49B9-3F01-D52A9F3A60B7}"/>
+              </a:ext>
+            </a:extLst>
+          </p:cNvPr>
+          <p:cNvSpPr>
+            <a:spLocks noGrp="1"/>
+          </p:cNvSpPr>
+          <p:nvPr>
+            <p:ph type="dt" sz="half" idx="10"/>
+          </p:nvPr>
+        </p:nvSpPr>
+        <p:spPr>
+          <a:xfrm>
+            <a:off x="838200" y="6445249"/>
+            <a:ext cx="2743200" cy="365125"/>
+          </a:xfrm>
+          <a:prstGeom prst="rect">
+            <a:avLst/>
+          </a:prstGeom>
+        </p:spPr>
+        <p:txBody>
+          <a:bodyPr/>
+          <a:lstStyle/>
+          <a:p>
+            <a:fld id="{71087A05-F855-4434-8DDE-39A8542098A6}" type="datetimeFigureOut">
+              <a:rPr lang="en-US" smtClean="0"/>
+              <a:t>11/21/2024</a:t>
+            </a:fld>
+            <a:endParaRPr lang="en-US"/>
+          </a:p>
+        </p:txBody>
+      </p:sp>
+      <p:sp>
+        <p:nvSpPr>
+          <p:cNvPr id="5" name="Footer Placeholder 4">
+            <a:extLst>
+              <a:ext uri="{FF2B5EF4-FFF2-40B4-BE49-F238E27FC236}">
+                <a16:creationId xmlns:a16="http://schemas.microsoft.com/office/drawing/2014/main" id="{5756067D-C727-84C7-612B-F665F36170EE}"/>
+              </a:ext>
+            </a:extLst>
+          </p:cNvPr>
+          <p:cNvSpPr>
+            <a:spLocks noGrp="1"/>
+          </p:cNvSpPr>
+          <p:nvPr>
+            <p:ph type="ftr" sz="quarter" idx="11"/>
+          </p:nvPr>
+        </p:nvSpPr>
+        <p:spPr>
+          <a:xfrm>
+            <a:off x="4038600" y="6356350"/>
+            <a:ext cx="4114800" cy="365125"/>
+          </a:xfrm>
+          <a:prstGeom prst="rect">
+            <a:avLst/>
+          </a:prstGeom>
+        </p:spPr>
+        <p:txBody>
+          <a:bodyPr/>
+          <a:lstStyle/>
+          <a:p>
+            <a:endParaRPr lang="en-US"/>
+          </a:p>
+        </p:txBody>
+      </p:sp>
+      <p:sp>
+        <p:nvSpPr>
+          <p:cNvPr id="6" name="Slide Number Placeholder 5">
+            <a:extLst>
+              <a:ext uri="{FF2B5EF4-FFF2-40B4-BE49-F238E27FC236}">
+                <a16:creationId xmlns:a16="http://schemas.microsoft.com/office/drawing/2014/main" id="{A3C64F88-1C59-3F79-931F-4F91F22F14D3}"/>
+              </a:ext>
+            </a:extLst>
+          </p:cNvPr>
+          <p:cNvSpPr>
+            <a:spLocks noGrp="1"/>
+          </p:cNvSpPr>
+          <p:nvPr>
+            <p:ph type="sldNum" sz="quarter" idx="12"/>
+          </p:nvPr>
+        </p:nvSpPr>
+        <p:spPr>
+          <a:xfrm>
+            <a:off x="8610600" y="6356350"/>
+            <a:ext cx="2743200" cy="365125"/>
+          </a:xfrm>
+          <a:prstGeom prst="rect">
+            <a:avLst/>
+          </a:prstGeom>
+        </p:spPr>
+        <p:txBody>
+          <a:bodyPr/>
+          <a:lstStyle/>
+          <a:p>
+            <a:fld id="{6C0014F0-3D1D-4459-A530-32E6C19AE461}" type="slidenum">
+              <a:rPr lang="en-US" smtClean="0"/>
+              <a:t>‹#›</a:t>
+            </a:fld>
+            <a:endParaRPr lang="en-US"/>
+          </a:p>
+        </p:txBody>
+      </p:sp>
+    </p:spTree>
+    <p:extLst>
+      <p:ext uri="{BB962C8B-B14F-4D97-AF65-F5344CB8AC3E}">
+        <p14:creationId xmlns:p14="http://schemas.microsoft.com/office/powerpoint/2010/main" val="3412372441"/>
+      </p:ext>
+    </p:extLst>
+  </p:cSld>
+  <p:clrMapOvr>
+    <a:masterClrMapping/>
+  </p:clrMapOvr>
+</p:sldLayout>
+</file>
+
+<file path=ppt/slideLayouts/slideLayout3.xml><?xml version="1.0" encoding="utf-8"?>
+<p:sldLayout xmlns:a="http://schemas.openxmlformats.org/drawingml/2006/main" xmlns:r="http://schemas.openxmlformats.org/officeDocument/2006/relationships" xmlns:p="http://schemas.openxmlformats.org/presentationml/2006/main" type="secHead" preserve="1">
+  <p:cSld name="Section Header">
+    <p:spTree>
+      <p:nvGrpSpPr>
+        <p:cNvPr id="1" name=""/>
+        <p:cNvGrpSpPr/>
+        <p:nvPr/>
+      </p:nvGrpSpPr>
+      <p:grpSpPr>
+        <a:xfrm>
+          <a:off x="0" y="0"/>
+          <a:ext cx="0" cy="0"/>
+          <a:chOff x="0" y="0"/>
+          <a:chExt cx="0" cy="0"/>
+        </a:xfrm>
+      </p:grpSpPr>
+      <p:sp>
+        <p:nvSpPr>
+          <p:cNvPr id="2" name="Title 1">
+            <a:extLst>
+              <a:ext uri="{FF2B5EF4-FFF2-40B4-BE49-F238E27FC236}">
+                <a16:creationId xmlns:a16="http://schemas.microsoft.com/office/drawing/2014/main" id="{C2E67B73-4EBE-86E7-DEDC-379A7358D71A}"/>
+              </a:ext>
+            </a:extLst>
+          </p:cNvPr>
+          <p:cNvSpPr>
+            <a:spLocks noGrp="1"/>
+          </p:cNvSpPr>
+          <p:nvPr>
+            <p:ph type="title"/>
+          </p:nvPr>
+        </p:nvSpPr>
+        <p:spPr>
+          <a:xfrm>
+            <a:off x="831850" y="1709738"/>
+            <a:ext cx="10515600" cy="2852737"/>
+          </a:xfrm>
+          <a:prstGeom prst="rect">
+            <a:avLst/>
+          </a:prstGeom>
+        </p:spPr>
+        <p:txBody>
+          <a:bodyPr anchor="b"/>
+          <a:lstStyle>
+            <a:lvl1pPr>
+              <a:defRPr sz="6000"/>
+            </a:lvl1pPr>
+          </a:lstStyle>
+          <a:p>
+            <a:r>
+              <a:rPr lang="en-US"/>
+              <a:t>Click to edit Master title style</a:t>
+            </a:r>
+          </a:p>
+        </p:txBody>
+      </p:sp>
+      <p:sp>
+        <p:nvSpPr>
+          <p:cNvPr id="3" name="Text Placeholder 2">
+            <a:extLst>
+              <a:ext uri="{FF2B5EF4-FFF2-40B4-BE49-F238E27FC236}">
+                <a16:creationId xmlns:a16="http://schemas.microsoft.com/office/drawing/2014/main" id="{39DC486F-4B2F-BAA7-822D-AF77A301C3EF}"/>
+              </a:ext>
+            </a:extLst>
+          </p:cNvPr>
+          <p:cNvSpPr>
+            <a:spLocks noGrp="1"/>
+          </p:cNvSpPr>
+          <p:nvPr>
+            <p:ph type="body" idx="1"/>
+          </p:nvPr>
+        </p:nvSpPr>
+        <p:spPr>
+          <a:xfrm>
+            <a:off x="831850" y="4589463"/>
+            <a:ext cx="10515600" cy="1500187"/>
+          </a:xfrm>
+          <a:prstGeom prst="rect">
+            <a:avLst/>
+          </a:prstGeom>
+        </p:spPr>
+        <p:txBody>
+          <a:bodyPr/>
+          <a:lstStyle>
+            <a:lvl1pPr marL="0" indent="0">
+              <a:buNone/>
+              <a:defRPr sz="2400">
+                <a:solidFill>
+                  <a:schemeClr val="tx1">
+                    <a:tint val="82000"/>
+                  </a:schemeClr>
+                </a:solidFill>
+              </a:defRPr>
+            </a:lvl1pPr>
+            <a:lvl2pPr marL="457200" indent="0">
+              <a:buNone/>
+              <a:defRPr sz="2000">
+                <a:solidFill>
+                  <a:schemeClr val="tx1">
+                    <a:tint val="82000"/>
+                  </a:schemeClr>
+                </a:solidFill>
+              </a:defRPr>
+            </a:lvl2pPr>
+            <a:lvl3pPr marL="914400" indent="0">
+              <a:buNone/>
+              <a:defRPr sz="1800">
+                <a:solidFill>
+                  <a:schemeClr val="tx1">
+                    <a:tint val="82000"/>
+                  </a:schemeClr>
+                </a:solidFill>
+              </a:defRPr>
+            </a:lvl3pPr>
+            <a:lvl4pPr marL="1371600" indent="0">
+              <a:buNone/>
+              <a:defRPr sz="1600">
+                <a:solidFill>
+                  <a:schemeClr val="tx1">
+                    <a:tint val="82000"/>
+                  </a:schemeClr>
+                </a:solidFill>
+              </a:defRPr>
+            </a:lvl4pPr>
+            <a:lvl5pPr marL="1828800" indent="0">
+              <a:buNone/>
+              <a:defRPr sz="1600">
+                <a:solidFill>
+                  <a:schemeClr val="tx1">
+                    <a:tint val="82000"/>
+                  </a:schemeClr>
+                </a:solidFill>
+              </a:defRPr>
+            </a:lvl5pPr>
+            <a:lvl6pPr marL="2286000" indent="0">
+              <a:buNone/>
+              <a:defRPr sz="1600">
+                <a:solidFill>
+                  <a:schemeClr val="tx1">
+                    <a:tint val="82000"/>
+                  </a:schemeClr>
+                </a:solidFill>
+              </a:defRPr>
+            </a:lvl6pPr>
+            <a:lvl7pPr marL="2743200" indent="0">
+              <a:buNone/>
+              <a:defRPr sz="1600">
+                <a:solidFill>
+                  <a:schemeClr val="tx1">
+                    <a:tint val="82000"/>
+                  </a:schemeClr>
+                </a:solidFill>
+              </a:defRPr>
+            </a:lvl7pPr>
+            <a:lvl8pPr marL="3200400" indent="0">
+              <a:buNone/>
+              <a:defRPr sz="1600">
+                <a:solidFill>
+                  <a:schemeClr val="tx1">
+                    <a:tint val="82000"/>
+                  </a:schemeClr>
+                </a:solidFill>
+              </a:defRPr>
+            </a:lvl8pPr>
+            <a:lvl9pPr marL="3657600" indent="0">
+              <a:buNone/>
+              <a:defRPr sz="1600">
+                <a:solidFill>
+                  <a:schemeClr val="tx1">
+                    <a:tint val="82000"/>
+                  </a:schemeClr>
+                </a:solidFill>
+              </a:defRPr>
+            </a:lvl9pPr>
+          </a:lstStyle>
+          <a:p>
+            <a:pPr lvl="0"/>
+            <a:r>
+              <a:rPr lang="en-US"/>
+              <a:t>Click to edit Master text styles</a:t>
+            </a:r>
+          </a:p>
+        </p:txBody>
+      </p:sp>
+      <p:sp>
+        <p:nvSpPr>
+          <p:cNvPr id="4" name="Date Placeholder 3">
+            <a:extLst>
+              <a:ext uri="{FF2B5EF4-FFF2-40B4-BE49-F238E27FC236}">
+                <a16:creationId xmlns:a16="http://schemas.microsoft.com/office/drawing/2014/main" id="{AC1AB7C3-5E85-3B9F-4177-A1AF2AB486D8}"/>
+              </a:ext>
+            </a:extLst>
+          </p:cNvPr>
+          <p:cNvSpPr>
+            <a:spLocks noGrp="1"/>
+          </p:cNvSpPr>
+          <p:nvPr>
+            <p:ph type="dt" sz="half" idx="10"/>
+          </p:nvPr>
+        </p:nvSpPr>
+        <p:spPr>
+          <a:xfrm>
+            <a:off x="838200" y="6445249"/>
+            <a:ext cx="2743200" cy="365125"/>
+          </a:xfrm>
+          <a:prstGeom prst="rect">
+            <a:avLst/>
+          </a:prstGeom>
+        </p:spPr>
+        <p:txBody>
+          <a:bodyPr/>
+          <a:lstStyle/>
+          <a:p>
+            <a:fld id="{71087A05-F855-4434-8DDE-39A8542098A6}" type="datetimeFigureOut">
+              <a:rPr lang="en-US" smtClean="0"/>
+              <a:t>11/21/2024</a:t>
+            </a:fld>
+            <a:endParaRPr lang="en-US"/>
+          </a:p>
+        </p:txBody>
+      </p:sp>
+      <p:sp>
+        <p:nvSpPr>
+          <p:cNvPr id="5" name="Footer Placeholder 4">
+            <a:extLst>
+              <a:ext uri="{FF2B5EF4-FFF2-40B4-BE49-F238E27FC236}">
+                <a16:creationId xmlns:a16="http://schemas.microsoft.com/office/drawing/2014/main" id="{8950E3CD-02DB-7A08-79DC-74CA926DE70F}"/>
+              </a:ext>
+            </a:extLst>
+          </p:cNvPr>
+          <p:cNvSpPr>
+            <a:spLocks noGrp="1"/>
+          </p:cNvSpPr>
+          <p:nvPr>
+            <p:ph type="ftr" sz="quarter" idx="11"/>
+          </p:nvPr>
+        </p:nvSpPr>
+        <p:spPr>
+          <a:xfrm>
+            <a:off x="4038600" y="6356350"/>
+            <a:ext cx="4114800" cy="365125"/>
+          </a:xfrm>
+          <a:prstGeom prst="rect">
+            <a:avLst/>
+          </a:prstGeom>
+        </p:spPr>
+        <p:txBody>
+          <a:bodyPr/>
+          <a:lstStyle/>
+          <a:p>
+            <a:endParaRPr lang="en-US"/>
+          </a:p>
+        </p:txBody>
+      </p:sp>
+      <p:sp>
+        <p:nvSpPr>
+          <p:cNvPr id="6" name="Slide Number Placeholder 5">
+            <a:extLst>
+              <a:ext uri="{FF2B5EF4-FFF2-40B4-BE49-F238E27FC236}">
+                <a16:creationId xmlns:a16="http://schemas.microsoft.com/office/drawing/2014/main" id="{78D6A67F-8469-E8AB-D35D-DEC64EA01BF9}"/>
+              </a:ext>
+            </a:extLst>
+          </p:cNvPr>
+          <p:cNvSpPr>
+            <a:spLocks noGrp="1"/>
+          </p:cNvSpPr>
+          <p:nvPr>
+            <p:ph type="sldNum" sz="quarter" idx="12"/>
+          </p:nvPr>
+        </p:nvSpPr>
+        <p:spPr>
+          <a:xfrm>
+            <a:off x="8610600" y="6356350"/>
+            <a:ext cx="2743200" cy="365125"/>
+          </a:xfrm>
+          <a:prstGeom prst="rect">
+            <a:avLst/>
+          </a:prstGeom>
+        </p:spPr>
+        <p:txBody>
+          <a:bodyPr/>
+          <a:lstStyle/>
+          <a:p>
+            <a:fld id="{6C0014F0-3D1D-4459-A530-32E6C19AE461}" type="slidenum">
+              <a:rPr lang="en-US" smtClean="0"/>
+              <a:t>‹#›</a:t>
+            </a:fld>
+            <a:endParaRPr lang="en-US"/>
+          </a:p>
+        </p:txBody>
+      </p:sp>
+    </p:spTree>
+    <p:extLst>
+      <p:ext uri="{BB962C8B-B14F-4D97-AF65-F5344CB8AC3E}">
+        <p14:creationId xmlns:p14="http://schemas.microsoft.com/office/powerpoint/2010/main" val="2389875780"/>
+      </p:ext>
+    </p:extLst>
+  </p:cSld>
+  <p:clrMapOvr>
+    <a:masterClrMapping/>
+  </p:clrMapOvr>
+</p:sldLayout>
+</file>
+
+<file path=ppt/slideLayouts/slideLayout4.xml><?xml version="1.0" encoding="utf-8"?>
 <p:sldLayout xmlns:a="http://schemas.openxmlformats.org/drawingml/2006/main" xmlns:r="http://schemas.openxmlformats.org/officeDocument/2006/relationships" xmlns:p="http://schemas.openxmlformats.org/presentationml/2006/main" type="twoObj" preserve="1">
   <p:cSld name="Two Content">
     <p:spTree>
@@ -474,7 +1770,7 @@
           <p:cNvPr id="2" name="Title 1">
             <a:extLst>
               <a:ext uri="{FF2B5EF4-FFF2-40B4-BE49-F238E27FC236}">
-                <a16:creationId xmlns:a16="http://schemas.microsoft.com/office/drawing/2014/main" id="{D7417273-9D16-5639-8844-46262C7A214A}"/>
+                <a16:creationId xmlns:a16="http://schemas.microsoft.com/office/drawing/2014/main" id="{BFB01EF5-6F0D-8686-CDD5-7DB43C9F613E}"/>
               </a:ext>
             </a:extLst>
           </p:cNvPr>
@@ -485,7 +1781,15 @@
             <p:ph type="title"/>
           </p:nvPr>
         </p:nvSpPr>
-        <p:spPr/>
+        <p:spPr>
+          <a:xfrm>
+            <a:off x="602787" y="1498382"/>
+            <a:ext cx="10515600" cy="1325563"/>
+          </a:xfrm>
+          <a:prstGeom prst="rect">
+            <a:avLst/>
+          </a:prstGeom>
+        </p:spPr>
         <p:txBody>
           <a:bodyPr/>
           <a:lstStyle/>
@@ -502,7 +1806,7 @@
           <p:cNvPr id="3" name="Content Placeholder 2">
             <a:extLst>
               <a:ext uri="{FF2B5EF4-FFF2-40B4-BE49-F238E27FC236}">
-                <a16:creationId xmlns:a16="http://schemas.microsoft.com/office/drawing/2014/main" id="{B0CB97D0-5920-4A0C-455B-784B34D523CD}"/>
+                <a16:creationId xmlns:a16="http://schemas.microsoft.com/office/drawing/2014/main" id="{2ED595E2-3C65-7E01-6223-574BF8FB8119}"/>
               </a:ext>
             </a:extLst>
           </p:cNvPr>
@@ -518,6 +1822,9 @@
             <a:off x="838200" y="1825625"/>
             <a:ext cx="5181600" cy="4351338"/>
           </a:xfrm>
+          <a:prstGeom prst="rect">
+            <a:avLst/>
+          </a:prstGeom>
         </p:spPr>
         <p:txBody>
           <a:bodyPr/>
@@ -564,7 +1871,7 @@
           <p:cNvPr id="4" name="Content Placeholder 3">
             <a:extLst>
               <a:ext uri="{FF2B5EF4-FFF2-40B4-BE49-F238E27FC236}">
-                <a16:creationId xmlns:a16="http://schemas.microsoft.com/office/drawing/2014/main" id="{49C5FDBC-D200-7F14-85E8-2B208477DAF9}"/>
+                <a16:creationId xmlns:a16="http://schemas.microsoft.com/office/drawing/2014/main" id="{DFDA5243-FD59-824D-9801-C6A7FC40AD32}"/>
               </a:ext>
             </a:extLst>
           </p:cNvPr>
@@ -580,6 +1887,9 @@
             <a:off x="6172200" y="1825625"/>
             <a:ext cx="5181600" cy="4351338"/>
           </a:xfrm>
+          <a:prstGeom prst="rect">
+            <a:avLst/>
+          </a:prstGeom>
         </p:spPr>
         <p:txBody>
           <a:bodyPr/>
@@ -626,7 +1936,7 @@
           <p:cNvPr id="5" name="Date Placeholder 4">
             <a:extLst>
               <a:ext uri="{FF2B5EF4-FFF2-40B4-BE49-F238E27FC236}">
-                <a16:creationId xmlns:a16="http://schemas.microsoft.com/office/drawing/2014/main" id="{9C0A7D34-EDD4-2B7C-7597-31E5AE2E8BD6}"/>
+                <a16:creationId xmlns:a16="http://schemas.microsoft.com/office/drawing/2014/main" id="{BB0B0631-5586-E8EE-C280-1DC0A64D54C9}"/>
               </a:ext>
             </a:extLst>
           </p:cNvPr>
@@ -637,14 +1947,22 @@
             <p:ph type="dt" sz="half" idx="10"/>
           </p:nvPr>
         </p:nvSpPr>
-        <p:spPr/>
+        <p:spPr>
+          <a:xfrm>
+            <a:off x="838200" y="6445249"/>
+            <a:ext cx="2743200" cy="365125"/>
+          </a:xfrm>
+          <a:prstGeom prst="rect">
+            <a:avLst/>
+          </a:prstGeom>
+        </p:spPr>
         <p:txBody>
           <a:bodyPr/>
           <a:lstStyle/>
           <a:p>
-            <a:fld id="{0D69348B-4620-44E9-BF3F-EACBA9EEF323}" type="datetimeFigureOut">
+            <a:fld id="{71087A05-F855-4434-8DDE-39A8542098A6}" type="datetimeFigureOut">
               <a:rPr lang="en-US" smtClean="0"/>
-              <a:t>6/13/2024</a:t>
+              <a:t>11/21/2024</a:t>
             </a:fld>
             <a:endParaRPr lang="en-US"/>
           </a:p>
@@ -655,7 +1973,7 @@
           <p:cNvPr id="6" name="Footer Placeholder 5">
             <a:extLst>
               <a:ext uri="{FF2B5EF4-FFF2-40B4-BE49-F238E27FC236}">
-                <a16:creationId xmlns:a16="http://schemas.microsoft.com/office/drawing/2014/main" id="{001C50E6-D64B-52FC-1719-552ED73B243D}"/>
+                <a16:creationId xmlns:a16="http://schemas.microsoft.com/office/drawing/2014/main" id="{4C7022BC-4356-2E12-5FFC-95893C9539C6}"/>
               </a:ext>
             </a:extLst>
           </p:cNvPr>
@@ -666,7 +1984,15 @@
             <p:ph type="ftr" sz="quarter" idx="11"/>
           </p:nvPr>
         </p:nvSpPr>
-        <p:spPr/>
+        <p:spPr>
+          <a:xfrm>
+            <a:off x="4038600" y="6356350"/>
+            <a:ext cx="4114800" cy="365125"/>
+          </a:xfrm>
+          <a:prstGeom prst="rect">
+            <a:avLst/>
+          </a:prstGeom>
+        </p:spPr>
         <p:txBody>
           <a:bodyPr/>
           <a:lstStyle/>
@@ -680,7 +2006,7 @@
           <p:cNvPr id="7" name="Slide Number Placeholder 6">
             <a:extLst>
               <a:ext uri="{FF2B5EF4-FFF2-40B4-BE49-F238E27FC236}">
-                <a16:creationId xmlns:a16="http://schemas.microsoft.com/office/drawing/2014/main" id="{159CBFED-25BE-7153-12B4-D0E8588920D3}"/>
+                <a16:creationId xmlns:a16="http://schemas.microsoft.com/office/drawing/2014/main" id="{2F6F0616-5185-D339-BFDE-0E16B9960312}"/>
               </a:ext>
             </a:extLst>
           </p:cNvPr>
@@ -691,12 +2017,20 @@
             <p:ph type="sldNum" sz="quarter" idx="12"/>
           </p:nvPr>
         </p:nvSpPr>
-        <p:spPr/>
+        <p:spPr>
+          <a:xfrm>
+            <a:off x="8610600" y="6356350"/>
+            <a:ext cx="2743200" cy="365125"/>
+          </a:xfrm>
+          <a:prstGeom prst="rect">
+            <a:avLst/>
+          </a:prstGeom>
+        </p:spPr>
         <p:txBody>
           <a:bodyPr/>
           <a:lstStyle/>
           <a:p>
-            <a:fld id="{986C47A0-D0C4-4E8A-BEE9-37B09C3712B2}" type="slidenum">
+            <a:fld id="{6C0014F0-3D1D-4459-A530-32E6C19AE461}" type="slidenum">
               <a:rPr lang="en-US" smtClean="0"/>
               <a:t>‹#›</a:t>
             </a:fld>
@@ -707,7 +2041,7 @@
     </p:spTree>
     <p:extLst>
       <p:ext uri="{BB962C8B-B14F-4D97-AF65-F5344CB8AC3E}">
-        <p14:creationId xmlns:p14="http://schemas.microsoft.com/office/powerpoint/2010/main" val="3119249891"/>
+        <p14:creationId xmlns:p14="http://schemas.microsoft.com/office/powerpoint/2010/main" val="1597145891"/>
       </p:ext>
     </p:extLst>
   </p:cSld>
@@ -717,7 +2051,7 @@
 </p:sldLayout>
 </file>
 
-<file path=ppt/slideLayouts/slideLayout11.xml><?xml version="1.0" encoding="utf-8"?>
+<file path=ppt/slideLayouts/slideLayout5.xml><?xml version="1.0" encoding="utf-8"?>
 <p:sldLayout xmlns:a="http://schemas.openxmlformats.org/drawingml/2006/main" xmlns:r="http://schemas.openxmlformats.org/officeDocument/2006/relationships" xmlns:p="http://schemas.openxmlformats.org/presentationml/2006/main" type="twoTxTwoObj" preserve="1">
   <p:cSld name="Comparison">
     <p:spTree>
@@ -739,7 +2073,7 @@
           <p:cNvPr id="2" name="Title 1">
             <a:extLst>
               <a:ext uri="{FF2B5EF4-FFF2-40B4-BE49-F238E27FC236}">
-                <a16:creationId xmlns:a16="http://schemas.microsoft.com/office/drawing/2014/main" id="{4EC51817-320C-EB58-D57C-AAA586C0053E}"/>
+                <a16:creationId xmlns:a16="http://schemas.microsoft.com/office/drawing/2014/main" id="{0AADFFED-E59B-6D4E-6B64-0F5B746DEB96}"/>
               </a:ext>
             </a:extLst>
           </p:cNvPr>
@@ -755,6 +2089,9 @@
             <a:off x="839788" y="365125"/>
             <a:ext cx="10515600" cy="1325563"/>
           </a:xfrm>
+          <a:prstGeom prst="rect">
+            <a:avLst/>
+          </a:prstGeom>
         </p:spPr>
         <p:txBody>
           <a:bodyPr/>
@@ -772,7 +2109,7 @@
           <p:cNvPr id="3" name="Text Placeholder 2">
             <a:extLst>
               <a:ext uri="{FF2B5EF4-FFF2-40B4-BE49-F238E27FC236}">
-                <a16:creationId xmlns:a16="http://schemas.microsoft.com/office/drawing/2014/main" id="{21FF1CDE-5ED1-45BC-1BBF-82DBA76868F4}"/>
+                <a16:creationId xmlns:a16="http://schemas.microsoft.com/office/drawing/2014/main" id="{1D25BBE6-1C38-6614-EF63-AF608E55C235}"/>
               </a:ext>
             </a:extLst>
           </p:cNvPr>
@@ -788,6 +2125,9 @@
             <a:off x="839788" y="1681163"/>
             <a:ext cx="5157787" cy="823912"/>
           </a:xfrm>
+          <a:prstGeom prst="rect">
+            <a:avLst/>
+          </a:prstGeom>
         </p:spPr>
         <p:txBody>
           <a:bodyPr anchor="b"/>
@@ -843,7 +2183,7 @@
           <p:cNvPr id="4" name="Content Placeholder 3">
             <a:extLst>
               <a:ext uri="{FF2B5EF4-FFF2-40B4-BE49-F238E27FC236}">
-                <a16:creationId xmlns:a16="http://schemas.microsoft.com/office/drawing/2014/main" id="{CB45744E-8CC8-1B85-F492-6648EB8A9996}"/>
+                <a16:creationId xmlns:a16="http://schemas.microsoft.com/office/drawing/2014/main" id="{D639AC2E-A378-9E93-69F7-FF92F43FC3A8}"/>
               </a:ext>
             </a:extLst>
           </p:cNvPr>
@@ -859,6 +2199,9 @@
             <a:off x="839788" y="2505075"/>
             <a:ext cx="5157787" cy="3684588"/>
           </a:xfrm>
+          <a:prstGeom prst="rect">
+            <a:avLst/>
+          </a:prstGeom>
         </p:spPr>
         <p:txBody>
           <a:bodyPr/>
@@ -905,7 +2248,7 @@
           <p:cNvPr id="5" name="Text Placeholder 4">
             <a:extLst>
               <a:ext uri="{FF2B5EF4-FFF2-40B4-BE49-F238E27FC236}">
-                <a16:creationId xmlns:a16="http://schemas.microsoft.com/office/drawing/2014/main" id="{E073266C-0D92-527A-30E1-7ECDD28C0F91}"/>
+                <a16:creationId xmlns:a16="http://schemas.microsoft.com/office/drawing/2014/main" id="{E57BF240-C80B-E670-B12B-8BCBA850E04F}"/>
               </a:ext>
             </a:extLst>
           </p:cNvPr>
@@ -921,6 +2264,9 @@
             <a:off x="6172200" y="1681163"/>
             <a:ext cx="5183188" cy="823912"/>
           </a:xfrm>
+          <a:prstGeom prst="rect">
+            <a:avLst/>
+          </a:prstGeom>
         </p:spPr>
         <p:txBody>
           <a:bodyPr anchor="b"/>
@@ -976,7 +2322,7 @@
           <p:cNvPr id="6" name="Content Placeholder 5">
             <a:extLst>
               <a:ext uri="{FF2B5EF4-FFF2-40B4-BE49-F238E27FC236}">
-                <a16:creationId xmlns:a16="http://schemas.microsoft.com/office/drawing/2014/main" id="{1E10B574-E76B-4DE3-3CFA-1190E252BA61}"/>
+                <a16:creationId xmlns:a16="http://schemas.microsoft.com/office/drawing/2014/main" id="{6AB0FB7E-A75F-AB8B-3217-710BBB592FB3}"/>
               </a:ext>
             </a:extLst>
           </p:cNvPr>
@@ -992,6 +2338,9 @@
             <a:off x="6172200" y="2505075"/>
             <a:ext cx="5183188" cy="3684588"/>
           </a:xfrm>
+          <a:prstGeom prst="rect">
+            <a:avLst/>
+          </a:prstGeom>
         </p:spPr>
         <p:txBody>
           <a:bodyPr/>
@@ -1038,7 +2387,7 @@
           <p:cNvPr id="7" name="Date Placeholder 6">
             <a:extLst>
               <a:ext uri="{FF2B5EF4-FFF2-40B4-BE49-F238E27FC236}">
-                <a16:creationId xmlns:a16="http://schemas.microsoft.com/office/drawing/2014/main" id="{B22F13C7-15CB-D0AD-592A-4574F62CF3CA}"/>
+                <a16:creationId xmlns:a16="http://schemas.microsoft.com/office/drawing/2014/main" id="{BBAC691C-E8A1-E4A4-391E-3EA19AE5DF7A}"/>
               </a:ext>
             </a:extLst>
           </p:cNvPr>
@@ -1049,14 +2398,22 @@
             <p:ph type="dt" sz="half" idx="10"/>
           </p:nvPr>
         </p:nvSpPr>
-        <p:spPr/>
+        <p:spPr>
+          <a:xfrm>
+            <a:off x="838200" y="6445249"/>
+            <a:ext cx="2743200" cy="365125"/>
+          </a:xfrm>
+          <a:prstGeom prst="rect">
+            <a:avLst/>
+          </a:prstGeom>
+        </p:spPr>
         <p:txBody>
           <a:bodyPr/>
           <a:lstStyle/>
           <a:p>
-            <a:fld id="{0D69348B-4620-44E9-BF3F-EACBA9EEF323}" type="datetimeFigureOut">
+            <a:fld id="{71087A05-F855-4434-8DDE-39A8542098A6}" type="datetimeFigureOut">
               <a:rPr lang="en-US" smtClean="0"/>
-              <a:t>6/13/2024</a:t>
+              <a:t>11/21/2024</a:t>
             </a:fld>
             <a:endParaRPr lang="en-US"/>
           </a:p>
@@ -1067,7 +2424,7 @@
           <p:cNvPr id="8" name="Footer Placeholder 7">
             <a:extLst>
               <a:ext uri="{FF2B5EF4-FFF2-40B4-BE49-F238E27FC236}">
-                <a16:creationId xmlns:a16="http://schemas.microsoft.com/office/drawing/2014/main" id="{2F5F3798-7B61-5530-4CE3-C6CC264D0CAB}"/>
+                <a16:creationId xmlns:a16="http://schemas.microsoft.com/office/drawing/2014/main" id="{A5742DC8-1560-8BC0-2128-ACBD57240165}"/>
               </a:ext>
             </a:extLst>
           </p:cNvPr>
@@ -1078,7 +2435,15 @@
             <p:ph type="ftr" sz="quarter" idx="11"/>
           </p:nvPr>
         </p:nvSpPr>
-        <p:spPr/>
+        <p:spPr>
+          <a:xfrm>
+            <a:off x="4038600" y="6356350"/>
+            <a:ext cx="4114800" cy="365125"/>
+          </a:xfrm>
+          <a:prstGeom prst="rect">
+            <a:avLst/>
+          </a:prstGeom>
+        </p:spPr>
         <p:txBody>
           <a:bodyPr/>
           <a:lstStyle/>
@@ -1092,7 +2457,7 @@
           <p:cNvPr id="9" name="Slide Number Placeholder 8">
             <a:extLst>
               <a:ext uri="{FF2B5EF4-FFF2-40B4-BE49-F238E27FC236}">
-                <a16:creationId xmlns:a16="http://schemas.microsoft.com/office/drawing/2014/main" id="{DEA57831-0ADE-7493-7182-6249F4413808}"/>
+                <a16:creationId xmlns:a16="http://schemas.microsoft.com/office/drawing/2014/main" id="{589CBA34-0EA5-98FC-EEAA-0C1A44BA1CB5}"/>
               </a:ext>
             </a:extLst>
           </p:cNvPr>
@@ -1103,12 +2468,20 @@
             <p:ph type="sldNum" sz="quarter" idx="12"/>
           </p:nvPr>
         </p:nvSpPr>
-        <p:spPr/>
+        <p:spPr>
+          <a:xfrm>
+            <a:off x="8610600" y="6356350"/>
+            <a:ext cx="2743200" cy="365125"/>
+          </a:xfrm>
+          <a:prstGeom prst="rect">
+            <a:avLst/>
+          </a:prstGeom>
+        </p:spPr>
         <p:txBody>
           <a:bodyPr/>
           <a:lstStyle/>
           <a:p>
-            <a:fld id="{986C47A0-D0C4-4E8A-BEE9-37B09C3712B2}" type="slidenum">
+            <a:fld id="{6C0014F0-3D1D-4459-A530-32E6C19AE461}" type="slidenum">
               <a:rPr lang="en-US" smtClean="0"/>
               <a:t>‹#›</a:t>
             </a:fld>
@@ -1119,7 +2492,7 @@
     </p:spTree>
     <p:extLst>
       <p:ext uri="{BB962C8B-B14F-4D97-AF65-F5344CB8AC3E}">
-        <p14:creationId xmlns:p14="http://schemas.microsoft.com/office/powerpoint/2010/main" val="3054922134"/>
+        <p14:creationId xmlns:p14="http://schemas.microsoft.com/office/powerpoint/2010/main" val="205957926"/>
       </p:ext>
     </p:extLst>
   </p:cSld>
@@ -1129,7 +2502,7 @@
 </p:sldLayout>
 </file>
 
-<file path=ppt/slideLayouts/slideLayout12.xml><?xml version="1.0" encoding="utf-8"?>
+<file path=ppt/slideLayouts/slideLayout6.xml><?xml version="1.0" encoding="utf-8"?>
 <p:sldLayout xmlns:a="http://schemas.openxmlformats.org/drawingml/2006/main" xmlns:r="http://schemas.openxmlformats.org/officeDocument/2006/relationships" xmlns:p="http://schemas.openxmlformats.org/presentationml/2006/main" type="titleOnly" preserve="1">
   <p:cSld name="Title Only">
     <p:spTree>
@@ -1151,7 +2524,7 @@
           <p:cNvPr id="2" name="Title 1">
             <a:extLst>
               <a:ext uri="{FF2B5EF4-FFF2-40B4-BE49-F238E27FC236}">
-                <a16:creationId xmlns:a16="http://schemas.microsoft.com/office/drawing/2014/main" id="{C51D6B86-2F64-08CA-8DAC-2D6D1CA3880D}"/>
+                <a16:creationId xmlns:a16="http://schemas.microsoft.com/office/drawing/2014/main" id="{DB1F5818-3C7C-015C-2483-1875C395B0BF}"/>
               </a:ext>
             </a:extLst>
           </p:cNvPr>
@@ -1162,7 +2535,15 @@
             <p:ph type="title"/>
           </p:nvPr>
         </p:nvSpPr>
-        <p:spPr/>
+        <p:spPr>
+          <a:xfrm>
+            <a:off x="602787" y="1498382"/>
+            <a:ext cx="10515600" cy="1325563"/>
+          </a:xfrm>
+          <a:prstGeom prst="rect">
+            <a:avLst/>
+          </a:prstGeom>
+        </p:spPr>
         <p:txBody>
           <a:bodyPr/>
           <a:lstStyle/>
@@ -1179,7 +2560,7 @@
           <p:cNvPr id="3" name="Date Placeholder 2">
             <a:extLst>
               <a:ext uri="{FF2B5EF4-FFF2-40B4-BE49-F238E27FC236}">
-                <a16:creationId xmlns:a16="http://schemas.microsoft.com/office/drawing/2014/main" id="{03C4A398-4A9D-A2A3-6474-1E420261434B}"/>
+                <a16:creationId xmlns:a16="http://schemas.microsoft.com/office/drawing/2014/main" id="{F223477C-97F9-76B1-065E-300F62DDCF99}"/>
               </a:ext>
             </a:extLst>
           </p:cNvPr>
@@ -1190,14 +2571,22 @@
             <p:ph type="dt" sz="half" idx="10"/>
           </p:nvPr>
         </p:nvSpPr>
-        <p:spPr/>
+        <p:spPr>
+          <a:xfrm>
+            <a:off x="838200" y="6445249"/>
+            <a:ext cx="2743200" cy="365125"/>
+          </a:xfrm>
+          <a:prstGeom prst="rect">
+            <a:avLst/>
+          </a:prstGeom>
+        </p:spPr>
         <p:txBody>
           <a:bodyPr/>
           <a:lstStyle/>
           <a:p>
-            <a:fld id="{0D69348B-4620-44E9-BF3F-EACBA9EEF323}" type="datetimeFigureOut">
+            <a:fld id="{71087A05-F855-4434-8DDE-39A8542098A6}" type="datetimeFigureOut">
               <a:rPr lang="en-US" smtClean="0"/>
-              <a:t>6/13/2024</a:t>
+              <a:t>11/21/2024</a:t>
             </a:fld>
             <a:endParaRPr lang="en-US"/>
           </a:p>
@@ -1208,7 +2597,7 @@
           <p:cNvPr id="4" name="Footer Placeholder 3">
             <a:extLst>
               <a:ext uri="{FF2B5EF4-FFF2-40B4-BE49-F238E27FC236}">
-                <a16:creationId xmlns:a16="http://schemas.microsoft.com/office/drawing/2014/main" id="{1B329954-395E-06FF-D638-EC31477B4B60}"/>
+                <a16:creationId xmlns:a16="http://schemas.microsoft.com/office/drawing/2014/main" id="{725CCAE4-3361-9867-C2CA-9F8A178ED41C}"/>
               </a:ext>
             </a:extLst>
           </p:cNvPr>
@@ -1219,7 +2608,15 @@
             <p:ph type="ftr" sz="quarter" idx="11"/>
           </p:nvPr>
         </p:nvSpPr>
-        <p:spPr/>
+        <p:spPr>
+          <a:xfrm>
+            <a:off x="4038600" y="6356350"/>
+            <a:ext cx="4114800" cy="365125"/>
+          </a:xfrm>
+          <a:prstGeom prst="rect">
+            <a:avLst/>
+          </a:prstGeom>
+        </p:spPr>
         <p:txBody>
           <a:bodyPr/>
           <a:lstStyle/>
@@ -1233,7 +2630,7 @@
           <p:cNvPr id="5" name="Slide Number Placeholder 4">
             <a:extLst>
               <a:ext uri="{FF2B5EF4-FFF2-40B4-BE49-F238E27FC236}">
-                <a16:creationId xmlns:a16="http://schemas.microsoft.com/office/drawing/2014/main" id="{26A16BE0-3CF4-0FFF-42E9-C2ABCD5E1AB3}"/>
+                <a16:creationId xmlns:a16="http://schemas.microsoft.com/office/drawing/2014/main" id="{E42ECABF-B7A6-37FC-1091-0A6AE97D6725}"/>
               </a:ext>
             </a:extLst>
           </p:cNvPr>
@@ -1244,12 +2641,20 @@
             <p:ph type="sldNum" sz="quarter" idx="12"/>
           </p:nvPr>
         </p:nvSpPr>
-        <p:spPr/>
+        <p:spPr>
+          <a:xfrm>
+            <a:off x="8610600" y="6356350"/>
+            <a:ext cx="2743200" cy="365125"/>
+          </a:xfrm>
+          <a:prstGeom prst="rect">
+            <a:avLst/>
+          </a:prstGeom>
+        </p:spPr>
         <p:txBody>
           <a:bodyPr/>
           <a:lstStyle/>
           <a:p>
-            <a:fld id="{986C47A0-D0C4-4E8A-BEE9-37B09C3712B2}" type="slidenum">
+            <a:fld id="{6C0014F0-3D1D-4459-A530-32E6C19AE461}" type="slidenum">
               <a:rPr lang="en-US" smtClean="0"/>
               <a:t>‹#›</a:t>
             </a:fld>
@@ -1260,7 +2665,7 @@
     </p:spTree>
     <p:extLst>
       <p:ext uri="{BB962C8B-B14F-4D97-AF65-F5344CB8AC3E}">
-        <p14:creationId xmlns:p14="http://schemas.microsoft.com/office/powerpoint/2010/main" val="2938381997"/>
+        <p14:creationId xmlns:p14="http://schemas.microsoft.com/office/powerpoint/2010/main" val="2477561557"/>
       </p:ext>
     </p:extLst>
   </p:cSld>
@@ -1270,7 +2675,7 @@
 </p:sldLayout>
 </file>
 
-<file path=ppt/slideLayouts/slideLayout13.xml><?xml version="1.0" encoding="utf-8"?>
+<file path=ppt/slideLayouts/slideLayout7.xml><?xml version="1.0" encoding="utf-8"?>
 <p:sldLayout xmlns:a="http://schemas.openxmlformats.org/drawingml/2006/main" xmlns:r="http://schemas.openxmlformats.org/officeDocument/2006/relationships" xmlns:p="http://schemas.openxmlformats.org/presentationml/2006/main" type="blank" preserve="1">
   <p:cSld name="Blank">
     <p:spTree>
@@ -1292,7 +2697,7 @@
           <p:cNvPr id="2" name="Date Placeholder 1">
             <a:extLst>
               <a:ext uri="{FF2B5EF4-FFF2-40B4-BE49-F238E27FC236}">
-                <a16:creationId xmlns:a16="http://schemas.microsoft.com/office/drawing/2014/main" id="{AA5B9B0A-FA71-5C03-A207-2398589F58E9}"/>
+                <a16:creationId xmlns:a16="http://schemas.microsoft.com/office/drawing/2014/main" id="{E2C2A218-2D68-399E-5303-823F32D18A0A}"/>
               </a:ext>
             </a:extLst>
           </p:cNvPr>
@@ -1303,14 +2708,22 @@
             <p:ph type="dt" sz="half" idx="10"/>
           </p:nvPr>
         </p:nvSpPr>
-        <p:spPr/>
+        <p:spPr>
+          <a:xfrm>
+            <a:off x="838200" y="6445249"/>
+            <a:ext cx="2743200" cy="365125"/>
+          </a:xfrm>
+          <a:prstGeom prst="rect">
+            <a:avLst/>
+          </a:prstGeom>
+        </p:spPr>
         <p:txBody>
           <a:bodyPr/>
           <a:lstStyle/>
           <a:p>
-            <a:fld id="{0D69348B-4620-44E9-BF3F-EACBA9EEF323}" type="datetimeFigureOut">
+            <a:fld id="{71087A05-F855-4434-8DDE-39A8542098A6}" type="datetimeFigureOut">
               <a:rPr lang="en-US" smtClean="0"/>
-              <a:t>6/13/2024</a:t>
+              <a:t>11/21/2024</a:t>
             </a:fld>
             <a:endParaRPr lang="en-US"/>
           </a:p>
@@ -1321,7 +2734,7 @@
           <p:cNvPr id="3" name="Footer Placeholder 2">
             <a:extLst>
               <a:ext uri="{FF2B5EF4-FFF2-40B4-BE49-F238E27FC236}">
-                <a16:creationId xmlns:a16="http://schemas.microsoft.com/office/drawing/2014/main" id="{5EEC7B99-A534-1835-A5BF-8993DDBD237D}"/>
+                <a16:creationId xmlns:a16="http://schemas.microsoft.com/office/drawing/2014/main" id="{41BB3505-96AE-D8F2-469A-F36E9DD155D5}"/>
               </a:ext>
             </a:extLst>
           </p:cNvPr>
@@ -1332,7 +2745,15 @@
             <p:ph type="ftr" sz="quarter" idx="11"/>
           </p:nvPr>
         </p:nvSpPr>
-        <p:spPr/>
+        <p:spPr>
+          <a:xfrm>
+            <a:off x="4038600" y="6356350"/>
+            <a:ext cx="4114800" cy="365125"/>
+          </a:xfrm>
+          <a:prstGeom prst="rect">
+            <a:avLst/>
+          </a:prstGeom>
+        </p:spPr>
         <p:txBody>
           <a:bodyPr/>
           <a:lstStyle/>
@@ -1346,7 +2767,7 @@
           <p:cNvPr id="4" name="Slide Number Placeholder 3">
             <a:extLst>
               <a:ext uri="{FF2B5EF4-FFF2-40B4-BE49-F238E27FC236}">
-                <a16:creationId xmlns:a16="http://schemas.microsoft.com/office/drawing/2014/main" id="{6E001977-30BB-D5A2-E565-94C0467FE0FD}"/>
+                <a16:creationId xmlns:a16="http://schemas.microsoft.com/office/drawing/2014/main" id="{47BA2558-EB65-5F2B-4DEB-5E332CDDC572}"/>
               </a:ext>
             </a:extLst>
           </p:cNvPr>
@@ -1357,12 +2778,20 @@
             <p:ph type="sldNum" sz="quarter" idx="12"/>
           </p:nvPr>
         </p:nvSpPr>
-        <p:spPr/>
+        <p:spPr>
+          <a:xfrm>
+            <a:off x="8610600" y="6356350"/>
+            <a:ext cx="2743200" cy="365125"/>
+          </a:xfrm>
+          <a:prstGeom prst="rect">
+            <a:avLst/>
+          </a:prstGeom>
+        </p:spPr>
         <p:txBody>
           <a:bodyPr/>
           <a:lstStyle/>
           <a:p>
-            <a:fld id="{986C47A0-D0C4-4E8A-BEE9-37B09C3712B2}" type="slidenum">
+            <a:fld id="{6C0014F0-3D1D-4459-A530-32E6C19AE461}" type="slidenum">
               <a:rPr lang="en-US" smtClean="0"/>
               <a:t>‹#›</a:t>
             </a:fld>
@@ -1373,7 +2802,7 @@
     </p:spTree>
     <p:extLst>
       <p:ext uri="{BB962C8B-B14F-4D97-AF65-F5344CB8AC3E}">
-        <p14:creationId xmlns:p14="http://schemas.microsoft.com/office/powerpoint/2010/main" val="2840775159"/>
+        <p14:creationId xmlns:p14="http://schemas.microsoft.com/office/powerpoint/2010/main" val="632191323"/>
       </p:ext>
     </p:extLst>
   </p:cSld>
@@ -1383,7 +2812,7 @@
 </p:sldLayout>
 </file>
 
-<file path=ppt/slideLayouts/slideLayout14.xml><?xml version="1.0" encoding="utf-8"?>
+<file path=ppt/slideLayouts/slideLayout8.xml><?xml version="1.0" encoding="utf-8"?>
 <p:sldLayout xmlns:a="http://schemas.openxmlformats.org/drawingml/2006/main" xmlns:r="http://schemas.openxmlformats.org/officeDocument/2006/relationships" xmlns:p="http://schemas.openxmlformats.org/presentationml/2006/main" type="objTx" preserve="1">
   <p:cSld name="Content with Caption">
     <p:spTree>
@@ -1405,7 +2834,7 @@
           <p:cNvPr id="2" name="Title 1">
             <a:extLst>
               <a:ext uri="{FF2B5EF4-FFF2-40B4-BE49-F238E27FC236}">
-                <a16:creationId xmlns:a16="http://schemas.microsoft.com/office/drawing/2014/main" id="{AC38A989-6857-707E-A17F-8A83A6144698}"/>
+                <a16:creationId xmlns:a16="http://schemas.microsoft.com/office/drawing/2014/main" id="{E731290A-4FEE-1487-F6FC-152481239225}"/>
               </a:ext>
             </a:extLst>
           </p:cNvPr>
@@ -1421,6 +2850,9 @@
             <a:off x="839788" y="457200"/>
             <a:ext cx="3932237" cy="1600200"/>
           </a:xfrm>
+          <a:prstGeom prst="rect">
+            <a:avLst/>
+          </a:prstGeom>
         </p:spPr>
         <p:txBody>
           <a:bodyPr anchor="b"/>
@@ -1442,7 +2874,7 @@
           <p:cNvPr id="3" name="Content Placeholder 2">
             <a:extLst>
               <a:ext uri="{FF2B5EF4-FFF2-40B4-BE49-F238E27FC236}">
-                <a16:creationId xmlns:a16="http://schemas.microsoft.com/office/drawing/2014/main" id="{D3A3E0C8-FA9B-6F55-E988-D7B8ADBC9C21}"/>
+                <a16:creationId xmlns:a16="http://schemas.microsoft.com/office/drawing/2014/main" id="{3FD49862-968E-6027-1E22-A84213937FC4}"/>
               </a:ext>
             </a:extLst>
           </p:cNvPr>
@@ -1458,6 +2890,9 @@
             <a:off x="5183188" y="987425"/>
             <a:ext cx="6172200" cy="4873625"/>
           </a:xfrm>
+          <a:prstGeom prst="rect">
+            <a:avLst/>
+          </a:prstGeom>
         </p:spPr>
         <p:txBody>
           <a:bodyPr/>
@@ -1532,7 +2967,7 @@
           <p:cNvPr id="4" name="Text Placeholder 3">
             <a:extLst>
               <a:ext uri="{FF2B5EF4-FFF2-40B4-BE49-F238E27FC236}">
-                <a16:creationId xmlns:a16="http://schemas.microsoft.com/office/drawing/2014/main" id="{FC649A31-16E4-3C58-CFAF-870BE9A231C8}"/>
+                <a16:creationId xmlns:a16="http://schemas.microsoft.com/office/drawing/2014/main" id="{DDD75452-B3CD-E4D7-2EEB-4D8E7A55BA47}"/>
               </a:ext>
             </a:extLst>
           </p:cNvPr>
@@ -1548,6 +2983,9 @@
             <a:off x="839788" y="2057400"/>
             <a:ext cx="3932237" cy="3811588"/>
           </a:xfrm>
+          <a:prstGeom prst="rect">
+            <a:avLst/>
+          </a:prstGeom>
         </p:spPr>
         <p:txBody>
           <a:bodyPr/>
@@ -1603,7 +3041,7 @@
           <p:cNvPr id="5" name="Date Placeholder 4">
             <a:extLst>
               <a:ext uri="{FF2B5EF4-FFF2-40B4-BE49-F238E27FC236}">
-                <a16:creationId xmlns:a16="http://schemas.microsoft.com/office/drawing/2014/main" id="{5999608F-F9E6-C047-FAFD-5BD962E36788}"/>
+                <a16:creationId xmlns:a16="http://schemas.microsoft.com/office/drawing/2014/main" id="{E910F3D6-85F4-16D5-02EC-B52A50D1363C}"/>
               </a:ext>
             </a:extLst>
           </p:cNvPr>
@@ -1614,14 +3052,22 @@
             <p:ph type="dt" sz="half" idx="10"/>
           </p:nvPr>
         </p:nvSpPr>
-        <p:spPr/>
+        <p:spPr>
+          <a:xfrm>
+            <a:off x="838200" y="6445249"/>
+            <a:ext cx="2743200" cy="365125"/>
+          </a:xfrm>
+          <a:prstGeom prst="rect">
+            <a:avLst/>
+          </a:prstGeom>
+        </p:spPr>
         <p:txBody>
           <a:bodyPr/>
           <a:lstStyle/>
           <a:p>
-            <a:fld id="{0D69348B-4620-44E9-BF3F-EACBA9EEF323}" type="datetimeFigureOut">
+            <a:fld id="{71087A05-F855-4434-8DDE-39A8542098A6}" type="datetimeFigureOut">
               <a:rPr lang="en-US" smtClean="0"/>
-              <a:t>6/13/2024</a:t>
+              <a:t>11/21/2024</a:t>
             </a:fld>
             <a:endParaRPr lang="en-US"/>
           </a:p>
@@ -1632,7 +3078,7 @@
           <p:cNvPr id="6" name="Footer Placeholder 5">
             <a:extLst>
               <a:ext uri="{FF2B5EF4-FFF2-40B4-BE49-F238E27FC236}">
-                <a16:creationId xmlns:a16="http://schemas.microsoft.com/office/drawing/2014/main" id="{E1D5DC43-2068-E43E-0C96-6105FF141340}"/>
+                <a16:creationId xmlns:a16="http://schemas.microsoft.com/office/drawing/2014/main" id="{FA7DC6C8-71E8-B7D5-9A82-0FA963F35B00}"/>
               </a:ext>
             </a:extLst>
           </p:cNvPr>
@@ -1643,7 +3089,15 @@
             <p:ph type="ftr" sz="quarter" idx="11"/>
           </p:nvPr>
         </p:nvSpPr>
-        <p:spPr/>
+        <p:spPr>
+          <a:xfrm>
+            <a:off x="4038600" y="6356350"/>
+            <a:ext cx="4114800" cy="365125"/>
+          </a:xfrm>
+          <a:prstGeom prst="rect">
+            <a:avLst/>
+          </a:prstGeom>
+        </p:spPr>
         <p:txBody>
           <a:bodyPr/>
           <a:lstStyle/>
@@ -1657,7 +3111,7 @@
           <p:cNvPr id="7" name="Slide Number Placeholder 6">
             <a:extLst>
               <a:ext uri="{FF2B5EF4-FFF2-40B4-BE49-F238E27FC236}">
-                <a16:creationId xmlns:a16="http://schemas.microsoft.com/office/drawing/2014/main" id="{07714F4E-989B-09B5-9809-BA4CDB940F1A}"/>
+                <a16:creationId xmlns:a16="http://schemas.microsoft.com/office/drawing/2014/main" id="{33AEBF5B-81ED-5FC8-76EE-E85F459B2D2B}"/>
               </a:ext>
             </a:extLst>
           </p:cNvPr>
@@ -1668,12 +3122,20 @@
             <p:ph type="sldNum" sz="quarter" idx="12"/>
           </p:nvPr>
         </p:nvSpPr>
-        <p:spPr/>
+        <p:spPr>
+          <a:xfrm>
+            <a:off x="8610600" y="6356350"/>
+            <a:ext cx="2743200" cy="365125"/>
+          </a:xfrm>
+          <a:prstGeom prst="rect">
+            <a:avLst/>
+          </a:prstGeom>
+        </p:spPr>
         <p:txBody>
           <a:bodyPr/>
           <a:lstStyle/>
           <a:p>
-            <a:fld id="{986C47A0-D0C4-4E8A-BEE9-37B09C3712B2}" type="slidenum">
+            <a:fld id="{6C0014F0-3D1D-4459-A530-32E6C19AE461}" type="slidenum">
               <a:rPr lang="en-US" smtClean="0"/>
               <a:t>‹#›</a:t>
             </a:fld>
@@ -1684,7 +3146,7 @@
     </p:spTree>
     <p:extLst>
       <p:ext uri="{BB962C8B-B14F-4D97-AF65-F5344CB8AC3E}">
-        <p14:creationId xmlns:p14="http://schemas.microsoft.com/office/powerpoint/2010/main" val="489734700"/>
+        <p14:creationId xmlns:p14="http://schemas.microsoft.com/office/powerpoint/2010/main" val="740176455"/>
       </p:ext>
     </p:extLst>
   </p:cSld>
@@ -1694,7 +3156,7 @@
 </p:sldLayout>
 </file>
 
-<file path=ppt/slideLayouts/slideLayout15.xml><?xml version="1.0" encoding="utf-8"?>
+<file path=ppt/slideLayouts/slideLayout9.xml><?xml version="1.0" encoding="utf-8"?>
 <p:sldLayout xmlns:a="http://schemas.openxmlformats.org/drawingml/2006/main" xmlns:r="http://schemas.openxmlformats.org/officeDocument/2006/relationships" xmlns:p="http://schemas.openxmlformats.org/presentationml/2006/main" type="picTx" preserve="1">
   <p:cSld name="Picture with Caption">
     <p:spTree>
@@ -1716,7 +3178,7 @@
           <p:cNvPr id="2" name="Title 1">
             <a:extLst>
               <a:ext uri="{FF2B5EF4-FFF2-40B4-BE49-F238E27FC236}">
-                <a16:creationId xmlns:a16="http://schemas.microsoft.com/office/drawing/2014/main" id="{3355A176-7BDB-BCDB-D1C0-7943D50F9B44}"/>
+                <a16:creationId xmlns:a16="http://schemas.microsoft.com/office/drawing/2014/main" id="{640090C6-958A-8F1E-AAA5-6F70ABB1D9F3}"/>
               </a:ext>
             </a:extLst>
           </p:cNvPr>
@@ -1732,6 +3194,9 @@
             <a:off x="839788" y="457200"/>
             <a:ext cx="3932237" cy="1600200"/>
           </a:xfrm>
+          <a:prstGeom prst="rect">
+            <a:avLst/>
+          </a:prstGeom>
         </p:spPr>
         <p:txBody>
           <a:bodyPr anchor="b"/>
@@ -1753,7 +3218,7 @@
           <p:cNvPr id="3" name="Picture Placeholder 2">
             <a:extLst>
               <a:ext uri="{FF2B5EF4-FFF2-40B4-BE49-F238E27FC236}">
-                <a16:creationId xmlns:a16="http://schemas.microsoft.com/office/drawing/2014/main" id="{B68408D7-61D1-185C-72B8-001F411FC6F7}"/>
+                <a16:creationId xmlns:a16="http://schemas.microsoft.com/office/drawing/2014/main" id="{3302DF14-CA9B-4C85-16D1-AE914D7EB7E7}"/>
               </a:ext>
             </a:extLst>
           </p:cNvPr>
@@ -1769,6 +3234,9 @@
             <a:off x="5183188" y="987425"/>
             <a:ext cx="6172200" cy="4873625"/>
           </a:xfrm>
+          <a:prstGeom prst="rect">
+            <a:avLst/>
+          </a:prstGeom>
         </p:spPr>
         <p:txBody>
           <a:bodyPr/>
@@ -1811,7 +3279,10 @@
             </a:lvl9pPr>
           </a:lstStyle>
           <a:p>
-            <a:endParaRPr lang="en-US"/>
+            <a:r>
+              <a:rPr lang="en-US"/>
+              <a:t>Click icon to add picture</a:t>
+            </a:r>
           </a:p>
         </p:txBody>
       </p:sp>
@@ -1820,7 +3291,7 @@
           <p:cNvPr id="4" name="Text Placeholder 3">
             <a:extLst>
               <a:ext uri="{FF2B5EF4-FFF2-40B4-BE49-F238E27FC236}">
-                <a16:creationId xmlns:a16="http://schemas.microsoft.com/office/drawing/2014/main" id="{390B86E7-BC7A-324F-5231-BB8844695F10}"/>
+                <a16:creationId xmlns:a16="http://schemas.microsoft.com/office/drawing/2014/main" id="{449386B6-C485-3496-A8CD-9C25B60A4255}"/>
               </a:ext>
             </a:extLst>
           </p:cNvPr>
@@ -1836,6 +3307,9 @@
             <a:off x="839788" y="2057400"/>
             <a:ext cx="3932237" cy="3811588"/>
           </a:xfrm>
+          <a:prstGeom prst="rect">
+            <a:avLst/>
+          </a:prstGeom>
         </p:spPr>
         <p:txBody>
           <a:bodyPr/>
@@ -1891,7 +3365,7 @@
           <p:cNvPr id="5" name="Date Placeholder 4">
             <a:extLst>
               <a:ext uri="{FF2B5EF4-FFF2-40B4-BE49-F238E27FC236}">
-                <a16:creationId xmlns:a16="http://schemas.microsoft.com/office/drawing/2014/main" id="{CA9F4411-F5FF-7DD9-8280-4EAE80811D9F}"/>
+                <a16:creationId xmlns:a16="http://schemas.microsoft.com/office/drawing/2014/main" id="{DBD5F565-8080-7E82-246E-1EDDAAC2C236}"/>
               </a:ext>
             </a:extLst>
           </p:cNvPr>
@@ -1902,14 +3376,22 @@
             <p:ph type="dt" sz="half" idx="10"/>
           </p:nvPr>
         </p:nvSpPr>
-        <p:spPr/>
+        <p:spPr>
+          <a:xfrm>
+            <a:off x="838200" y="6445249"/>
+            <a:ext cx="2743200" cy="365125"/>
+          </a:xfrm>
+          <a:prstGeom prst="rect">
+            <a:avLst/>
+          </a:prstGeom>
+        </p:spPr>
         <p:txBody>
           <a:bodyPr/>
           <a:lstStyle/>
           <a:p>
-            <a:fld id="{0D69348B-4620-44E9-BF3F-EACBA9EEF323}" type="datetimeFigureOut">
+            <a:fld id="{71087A05-F855-4434-8DDE-39A8542098A6}" type="datetimeFigureOut">
               <a:rPr lang="en-US" smtClean="0"/>
-              <a:t>6/13/2024</a:t>
+              <a:t>11/21/2024</a:t>
             </a:fld>
             <a:endParaRPr lang="en-US"/>
           </a:p>
@@ -1920,7 +3402,7 @@
           <p:cNvPr id="6" name="Footer Placeholder 5">
             <a:extLst>
               <a:ext uri="{FF2B5EF4-FFF2-40B4-BE49-F238E27FC236}">
-                <a16:creationId xmlns:a16="http://schemas.microsoft.com/office/drawing/2014/main" id="{BD00158C-2DC0-C40D-E476-8D815E2210E6}"/>
+                <a16:creationId xmlns:a16="http://schemas.microsoft.com/office/drawing/2014/main" id="{C9E12A3F-827C-0539-3AFC-062DDE283567}"/>
               </a:ext>
             </a:extLst>
           </p:cNvPr>
@@ -1931,7 +3413,15 @@
             <p:ph type="ftr" sz="quarter" idx="11"/>
           </p:nvPr>
         </p:nvSpPr>
-        <p:spPr/>
+        <p:spPr>
+          <a:xfrm>
+            <a:off x="4038600" y="6356350"/>
+            <a:ext cx="4114800" cy="365125"/>
+          </a:xfrm>
+          <a:prstGeom prst="rect">
+            <a:avLst/>
+          </a:prstGeom>
+        </p:spPr>
         <p:txBody>
           <a:bodyPr/>
           <a:lstStyle/>
@@ -1945,7 +3435,7 @@
           <p:cNvPr id="7" name="Slide Number Placeholder 6">
             <a:extLst>
               <a:ext uri="{FF2B5EF4-FFF2-40B4-BE49-F238E27FC236}">
-                <a16:creationId xmlns:a16="http://schemas.microsoft.com/office/drawing/2014/main" id="{E47CEA17-958B-3F11-0DD0-F3DB57410690}"/>
+                <a16:creationId xmlns:a16="http://schemas.microsoft.com/office/drawing/2014/main" id="{516B4C84-F522-0893-1790-EF8E720A114E}"/>
               </a:ext>
             </a:extLst>
           </p:cNvPr>
@@ -1956,12 +3446,20 @@
             <p:ph type="sldNum" sz="quarter" idx="12"/>
           </p:nvPr>
         </p:nvSpPr>
-        <p:spPr/>
+        <p:spPr>
+          <a:xfrm>
+            <a:off x="8610600" y="6356350"/>
+            <a:ext cx="2743200" cy="365125"/>
+          </a:xfrm>
+          <a:prstGeom prst="rect">
+            <a:avLst/>
+          </a:prstGeom>
+        </p:spPr>
         <p:txBody>
           <a:bodyPr/>
           <a:lstStyle/>
           <a:p>
-            <a:fld id="{986C47A0-D0C4-4E8A-BEE9-37B09C3712B2}" type="slidenum">
+            <a:fld id="{6C0014F0-3D1D-4459-A530-32E6C19AE461}" type="slidenum">
               <a:rPr lang="en-US" smtClean="0"/>
               <a:t>‹#›</a:t>
             </a:fld>
@@ -1972,1686 +3470,7 @@
     </p:spTree>
     <p:extLst>
       <p:ext uri="{BB962C8B-B14F-4D97-AF65-F5344CB8AC3E}">
-        <p14:creationId xmlns:p14="http://schemas.microsoft.com/office/powerpoint/2010/main" val="1801490617"/>
-      </p:ext>
-    </p:extLst>
-  </p:cSld>
-  <p:clrMapOvr>
-    <a:masterClrMapping/>
-  </p:clrMapOvr>
-</p:sldLayout>
-</file>
-
-<file path=ppt/slideLayouts/slideLayout16.xml><?xml version="1.0" encoding="utf-8"?>
-<p:sldLayout xmlns:a="http://schemas.openxmlformats.org/drawingml/2006/main" xmlns:r="http://schemas.openxmlformats.org/officeDocument/2006/relationships" xmlns:p="http://schemas.openxmlformats.org/presentationml/2006/main" type="vertTx" preserve="1">
-  <p:cSld name="Title and Vertical Text">
-    <p:spTree>
-      <p:nvGrpSpPr>
-        <p:cNvPr id="1" name=""/>
-        <p:cNvGrpSpPr/>
-        <p:nvPr/>
-      </p:nvGrpSpPr>
-      <p:grpSpPr>
-        <a:xfrm>
-          <a:off x="0" y="0"/>
-          <a:ext cx="0" cy="0"/>
-          <a:chOff x="0" y="0"/>
-          <a:chExt cx="0" cy="0"/>
-        </a:xfrm>
-      </p:grpSpPr>
-      <p:sp>
-        <p:nvSpPr>
-          <p:cNvPr id="2" name="Title 1">
-            <a:extLst>
-              <a:ext uri="{FF2B5EF4-FFF2-40B4-BE49-F238E27FC236}">
-                <a16:creationId xmlns:a16="http://schemas.microsoft.com/office/drawing/2014/main" id="{D6AD2E5E-D555-7E2B-7E3F-7520CC1D227E}"/>
-              </a:ext>
-            </a:extLst>
-          </p:cNvPr>
-          <p:cNvSpPr>
-            <a:spLocks noGrp="1"/>
-          </p:cNvSpPr>
-          <p:nvPr>
-            <p:ph type="title"/>
-          </p:nvPr>
-        </p:nvSpPr>
-        <p:spPr/>
-        <p:txBody>
-          <a:bodyPr/>
-          <a:lstStyle/>
-          <a:p>
-            <a:r>
-              <a:rPr lang="en-US"/>
-              <a:t>Click to edit Master title style</a:t>
-            </a:r>
-          </a:p>
-        </p:txBody>
-      </p:sp>
-      <p:sp>
-        <p:nvSpPr>
-          <p:cNvPr id="3" name="Vertical Text Placeholder 2">
-            <a:extLst>
-              <a:ext uri="{FF2B5EF4-FFF2-40B4-BE49-F238E27FC236}">
-                <a16:creationId xmlns:a16="http://schemas.microsoft.com/office/drawing/2014/main" id="{21BCA2AE-5C6A-0627-55FB-1213E6BA2F01}"/>
-              </a:ext>
-            </a:extLst>
-          </p:cNvPr>
-          <p:cNvSpPr>
-            <a:spLocks noGrp="1"/>
-          </p:cNvSpPr>
-          <p:nvPr>
-            <p:ph type="body" orient="vert" idx="1"/>
-          </p:nvPr>
-        </p:nvSpPr>
-        <p:spPr/>
-        <p:txBody>
-          <a:bodyPr vert="eaVert"/>
-          <a:lstStyle/>
-          <a:p>
-            <a:pPr lvl="0"/>
-            <a:r>
-              <a:rPr lang="en-US"/>
-              <a:t>Click to edit Master text styles</a:t>
-            </a:r>
-          </a:p>
-          <a:p>
-            <a:pPr lvl="1"/>
-            <a:r>
-              <a:rPr lang="en-US"/>
-              <a:t>Second level</a:t>
-            </a:r>
-          </a:p>
-          <a:p>
-            <a:pPr lvl="2"/>
-            <a:r>
-              <a:rPr lang="en-US"/>
-              <a:t>Third level</a:t>
-            </a:r>
-          </a:p>
-          <a:p>
-            <a:pPr lvl="3"/>
-            <a:r>
-              <a:rPr lang="en-US"/>
-              <a:t>Fourth level</a:t>
-            </a:r>
-          </a:p>
-          <a:p>
-            <a:pPr lvl="4"/>
-            <a:r>
-              <a:rPr lang="en-US"/>
-              <a:t>Fifth level</a:t>
-            </a:r>
-          </a:p>
-        </p:txBody>
-      </p:sp>
-      <p:sp>
-        <p:nvSpPr>
-          <p:cNvPr id="4" name="Date Placeholder 3">
-            <a:extLst>
-              <a:ext uri="{FF2B5EF4-FFF2-40B4-BE49-F238E27FC236}">
-                <a16:creationId xmlns:a16="http://schemas.microsoft.com/office/drawing/2014/main" id="{5107EDAF-37A2-AD0D-A11E-C6E412B7CD68}"/>
-              </a:ext>
-            </a:extLst>
-          </p:cNvPr>
-          <p:cNvSpPr>
-            <a:spLocks noGrp="1"/>
-          </p:cNvSpPr>
-          <p:nvPr>
-            <p:ph type="dt" sz="half" idx="10"/>
-          </p:nvPr>
-        </p:nvSpPr>
-        <p:spPr/>
-        <p:txBody>
-          <a:bodyPr/>
-          <a:lstStyle/>
-          <a:p>
-            <a:fld id="{0D69348B-4620-44E9-BF3F-EACBA9EEF323}" type="datetimeFigureOut">
-              <a:rPr lang="en-US" smtClean="0"/>
-              <a:t>6/13/2024</a:t>
-            </a:fld>
-            <a:endParaRPr lang="en-US"/>
-          </a:p>
-        </p:txBody>
-      </p:sp>
-      <p:sp>
-        <p:nvSpPr>
-          <p:cNvPr id="5" name="Footer Placeholder 4">
-            <a:extLst>
-              <a:ext uri="{FF2B5EF4-FFF2-40B4-BE49-F238E27FC236}">
-                <a16:creationId xmlns:a16="http://schemas.microsoft.com/office/drawing/2014/main" id="{17AABE0A-6316-1BFF-88AA-1E305E3595C5}"/>
-              </a:ext>
-            </a:extLst>
-          </p:cNvPr>
-          <p:cNvSpPr>
-            <a:spLocks noGrp="1"/>
-          </p:cNvSpPr>
-          <p:nvPr>
-            <p:ph type="ftr" sz="quarter" idx="11"/>
-          </p:nvPr>
-        </p:nvSpPr>
-        <p:spPr/>
-        <p:txBody>
-          <a:bodyPr/>
-          <a:lstStyle/>
-          <a:p>
-            <a:endParaRPr lang="en-US"/>
-          </a:p>
-        </p:txBody>
-      </p:sp>
-      <p:sp>
-        <p:nvSpPr>
-          <p:cNvPr id="6" name="Slide Number Placeholder 5">
-            <a:extLst>
-              <a:ext uri="{FF2B5EF4-FFF2-40B4-BE49-F238E27FC236}">
-                <a16:creationId xmlns:a16="http://schemas.microsoft.com/office/drawing/2014/main" id="{FC568FF5-9BB0-1800-E4BA-438F3408E54B}"/>
-              </a:ext>
-            </a:extLst>
-          </p:cNvPr>
-          <p:cNvSpPr>
-            <a:spLocks noGrp="1"/>
-          </p:cNvSpPr>
-          <p:nvPr>
-            <p:ph type="sldNum" sz="quarter" idx="12"/>
-          </p:nvPr>
-        </p:nvSpPr>
-        <p:spPr/>
-        <p:txBody>
-          <a:bodyPr/>
-          <a:lstStyle/>
-          <a:p>
-            <a:fld id="{986C47A0-D0C4-4E8A-BEE9-37B09C3712B2}" type="slidenum">
-              <a:rPr lang="en-US" smtClean="0"/>
-              <a:t>‹#›</a:t>
-            </a:fld>
-            <a:endParaRPr lang="en-US"/>
-          </a:p>
-        </p:txBody>
-      </p:sp>
-    </p:spTree>
-    <p:extLst>
-      <p:ext uri="{BB962C8B-B14F-4D97-AF65-F5344CB8AC3E}">
-        <p14:creationId xmlns:p14="http://schemas.microsoft.com/office/powerpoint/2010/main" val="246953702"/>
-      </p:ext>
-    </p:extLst>
-  </p:cSld>
-  <p:clrMapOvr>
-    <a:masterClrMapping/>
-  </p:clrMapOvr>
-</p:sldLayout>
-</file>
-
-<file path=ppt/slideLayouts/slideLayout17.xml><?xml version="1.0" encoding="utf-8"?>
-<p:sldLayout xmlns:a="http://schemas.openxmlformats.org/drawingml/2006/main" xmlns:r="http://schemas.openxmlformats.org/officeDocument/2006/relationships" xmlns:p="http://schemas.openxmlformats.org/presentationml/2006/main" type="vertTitleAndTx" preserve="1">
-  <p:cSld name="Vertical Title and Text">
-    <p:spTree>
-      <p:nvGrpSpPr>
-        <p:cNvPr id="1" name=""/>
-        <p:cNvGrpSpPr/>
-        <p:nvPr/>
-      </p:nvGrpSpPr>
-      <p:grpSpPr>
-        <a:xfrm>
-          <a:off x="0" y="0"/>
-          <a:ext cx="0" cy="0"/>
-          <a:chOff x="0" y="0"/>
-          <a:chExt cx="0" cy="0"/>
-        </a:xfrm>
-      </p:grpSpPr>
-      <p:sp>
-        <p:nvSpPr>
-          <p:cNvPr id="2" name="Vertical Title 1">
-            <a:extLst>
-              <a:ext uri="{FF2B5EF4-FFF2-40B4-BE49-F238E27FC236}">
-                <a16:creationId xmlns:a16="http://schemas.microsoft.com/office/drawing/2014/main" id="{AAE8DA51-17B9-3E3B-6597-C3149EC564E7}"/>
-              </a:ext>
-            </a:extLst>
-          </p:cNvPr>
-          <p:cNvSpPr>
-            <a:spLocks noGrp="1"/>
-          </p:cNvSpPr>
-          <p:nvPr>
-            <p:ph type="title" orient="vert"/>
-          </p:nvPr>
-        </p:nvSpPr>
-        <p:spPr>
-          <a:xfrm>
-            <a:off x="8724900" y="365125"/>
-            <a:ext cx="2628900" cy="5811838"/>
-          </a:xfrm>
-        </p:spPr>
-        <p:txBody>
-          <a:bodyPr vert="eaVert"/>
-          <a:lstStyle/>
-          <a:p>
-            <a:r>
-              <a:rPr lang="en-US"/>
-              <a:t>Click to edit Master title style</a:t>
-            </a:r>
-          </a:p>
-        </p:txBody>
-      </p:sp>
-      <p:sp>
-        <p:nvSpPr>
-          <p:cNvPr id="3" name="Vertical Text Placeholder 2">
-            <a:extLst>
-              <a:ext uri="{FF2B5EF4-FFF2-40B4-BE49-F238E27FC236}">
-                <a16:creationId xmlns:a16="http://schemas.microsoft.com/office/drawing/2014/main" id="{C43333B4-9DAF-48B6-30CB-E3B610BEF084}"/>
-              </a:ext>
-            </a:extLst>
-          </p:cNvPr>
-          <p:cNvSpPr>
-            <a:spLocks noGrp="1"/>
-          </p:cNvSpPr>
-          <p:nvPr>
-            <p:ph type="body" orient="vert" idx="1"/>
-          </p:nvPr>
-        </p:nvSpPr>
-        <p:spPr>
-          <a:xfrm>
-            <a:off x="838200" y="365125"/>
-            <a:ext cx="7734300" cy="5811838"/>
-          </a:xfrm>
-        </p:spPr>
-        <p:txBody>
-          <a:bodyPr vert="eaVert"/>
-          <a:lstStyle/>
-          <a:p>
-            <a:pPr lvl="0"/>
-            <a:r>
-              <a:rPr lang="en-US"/>
-              <a:t>Click to edit Master text styles</a:t>
-            </a:r>
-          </a:p>
-          <a:p>
-            <a:pPr lvl="1"/>
-            <a:r>
-              <a:rPr lang="en-US"/>
-              <a:t>Second level</a:t>
-            </a:r>
-          </a:p>
-          <a:p>
-            <a:pPr lvl="2"/>
-            <a:r>
-              <a:rPr lang="en-US"/>
-              <a:t>Third level</a:t>
-            </a:r>
-          </a:p>
-          <a:p>
-            <a:pPr lvl="3"/>
-            <a:r>
-              <a:rPr lang="en-US"/>
-              <a:t>Fourth level</a:t>
-            </a:r>
-          </a:p>
-          <a:p>
-            <a:pPr lvl="4"/>
-            <a:r>
-              <a:rPr lang="en-US"/>
-              <a:t>Fifth level</a:t>
-            </a:r>
-          </a:p>
-        </p:txBody>
-      </p:sp>
-      <p:sp>
-        <p:nvSpPr>
-          <p:cNvPr id="4" name="Date Placeholder 3">
-            <a:extLst>
-              <a:ext uri="{FF2B5EF4-FFF2-40B4-BE49-F238E27FC236}">
-                <a16:creationId xmlns:a16="http://schemas.microsoft.com/office/drawing/2014/main" id="{6086BDD1-83F5-3D7A-8DD5-DF362A8AD1E7}"/>
-              </a:ext>
-            </a:extLst>
-          </p:cNvPr>
-          <p:cNvSpPr>
-            <a:spLocks noGrp="1"/>
-          </p:cNvSpPr>
-          <p:nvPr>
-            <p:ph type="dt" sz="half" idx="10"/>
-          </p:nvPr>
-        </p:nvSpPr>
-        <p:spPr/>
-        <p:txBody>
-          <a:bodyPr/>
-          <a:lstStyle/>
-          <a:p>
-            <a:fld id="{0D69348B-4620-44E9-BF3F-EACBA9EEF323}" type="datetimeFigureOut">
-              <a:rPr lang="en-US" smtClean="0"/>
-              <a:t>6/13/2024</a:t>
-            </a:fld>
-            <a:endParaRPr lang="en-US"/>
-          </a:p>
-        </p:txBody>
-      </p:sp>
-      <p:sp>
-        <p:nvSpPr>
-          <p:cNvPr id="5" name="Footer Placeholder 4">
-            <a:extLst>
-              <a:ext uri="{FF2B5EF4-FFF2-40B4-BE49-F238E27FC236}">
-                <a16:creationId xmlns:a16="http://schemas.microsoft.com/office/drawing/2014/main" id="{4CD22109-0E78-0957-7BBE-F0B6D89EFBB0}"/>
-              </a:ext>
-            </a:extLst>
-          </p:cNvPr>
-          <p:cNvSpPr>
-            <a:spLocks noGrp="1"/>
-          </p:cNvSpPr>
-          <p:nvPr>
-            <p:ph type="ftr" sz="quarter" idx="11"/>
-          </p:nvPr>
-        </p:nvSpPr>
-        <p:spPr/>
-        <p:txBody>
-          <a:bodyPr/>
-          <a:lstStyle/>
-          <a:p>
-            <a:endParaRPr lang="en-US"/>
-          </a:p>
-        </p:txBody>
-      </p:sp>
-      <p:sp>
-        <p:nvSpPr>
-          <p:cNvPr id="6" name="Slide Number Placeholder 5">
-            <a:extLst>
-              <a:ext uri="{FF2B5EF4-FFF2-40B4-BE49-F238E27FC236}">
-                <a16:creationId xmlns:a16="http://schemas.microsoft.com/office/drawing/2014/main" id="{292DE250-FF35-6AD5-3A95-9CDBFE6C2373}"/>
-              </a:ext>
-            </a:extLst>
-          </p:cNvPr>
-          <p:cNvSpPr>
-            <a:spLocks noGrp="1"/>
-          </p:cNvSpPr>
-          <p:nvPr>
-            <p:ph type="sldNum" sz="quarter" idx="12"/>
-          </p:nvPr>
-        </p:nvSpPr>
-        <p:spPr/>
-        <p:txBody>
-          <a:bodyPr/>
-          <a:lstStyle/>
-          <a:p>
-            <a:fld id="{986C47A0-D0C4-4E8A-BEE9-37B09C3712B2}" type="slidenum">
-              <a:rPr lang="en-US" smtClean="0"/>
-              <a:t>‹#›</a:t>
-            </a:fld>
-            <a:endParaRPr lang="en-US"/>
-          </a:p>
-        </p:txBody>
-      </p:sp>
-    </p:spTree>
-    <p:extLst>
-      <p:ext uri="{BB962C8B-B14F-4D97-AF65-F5344CB8AC3E}">
-        <p14:creationId xmlns:p14="http://schemas.microsoft.com/office/powerpoint/2010/main" val="2492140018"/>
-      </p:ext>
-    </p:extLst>
-  </p:cSld>
-  <p:clrMapOvr>
-    <a:masterClrMapping/>
-  </p:clrMapOvr>
-</p:sldLayout>
-</file>
-
-<file path=ppt/slideLayouts/slideLayout18.xml><?xml version="1.0" encoding="utf-8"?>
-<p:sldLayout xmlns:a="http://schemas.openxmlformats.org/drawingml/2006/main" xmlns:r="http://schemas.openxmlformats.org/officeDocument/2006/relationships" xmlns:p="http://schemas.openxmlformats.org/presentationml/2006/main">
-  <p:cSld name="Contents slide layout">
-    <p:spTree>
-      <p:nvGrpSpPr>
-        <p:cNvPr id="1" name=""/>
-        <p:cNvGrpSpPr/>
-        <p:nvPr/>
-      </p:nvGrpSpPr>
-      <p:grpSpPr>
-        <a:xfrm>
-          <a:off x="0" y="0"/>
-          <a:ext cx="0" cy="0"/>
-          <a:chOff x="0" y="0"/>
-          <a:chExt cx="0" cy="0"/>
-        </a:xfrm>
-      </p:grpSpPr>
-      <p:sp>
-        <p:nvSpPr>
-          <p:cNvPr id="2" name="Text Placeholder 9">
-            <a:extLst>
-              <a:ext uri="{FF2B5EF4-FFF2-40B4-BE49-F238E27FC236}">
-                <a16:creationId xmlns:a16="http://schemas.microsoft.com/office/drawing/2014/main" id="{23DE32A5-6181-4C51-AD5C-3F1A448478A1}"/>
-              </a:ext>
-            </a:extLst>
-          </p:cNvPr>
-          <p:cNvSpPr>
-            <a:spLocks noGrp="1"/>
-          </p:cNvSpPr>
-          <p:nvPr>
-            <p:ph type="body" sz="quarter" idx="10" hasCustomPrompt="1"/>
-          </p:nvPr>
-        </p:nvSpPr>
-        <p:spPr>
-          <a:xfrm>
-            <a:off x="323529" y="339509"/>
-            <a:ext cx="11573197" cy="724247"/>
-          </a:xfrm>
-          <a:prstGeom prst="rect">
-            <a:avLst/>
-          </a:prstGeom>
-        </p:spPr>
-        <p:txBody>
-          <a:bodyPr anchor="ctr"/>
-          <a:lstStyle>
-            <a:lvl1pPr marL="0" indent="0" algn="ctr">
-              <a:buNone/>
-              <a:defRPr sz="5400" b="0" baseline="0">
-                <a:solidFill>
-                  <a:schemeClr val="tx1">
-                    <a:lumMod val="85000"/>
-                    <a:lumOff val="15000"/>
-                  </a:schemeClr>
-                </a:solidFill>
-                <a:latin typeface="+mj-lt"/>
-                <a:cs typeface="Arial" pitchFamily="34" charset="0"/>
-              </a:defRPr>
-            </a:lvl1pPr>
-          </a:lstStyle>
-          <a:p>
-            <a:pPr lvl="0"/>
-            <a:r>
-              <a:rPr lang="en-US" altLang="ko-KR" dirty="0"/>
-              <a:t>BASIC LAYOUT</a:t>
-            </a:r>
-          </a:p>
-        </p:txBody>
-      </p:sp>
-    </p:spTree>
-    <p:extLst>
-      <p:ext uri="{BB962C8B-B14F-4D97-AF65-F5344CB8AC3E}">
-        <p14:creationId xmlns:p14="http://schemas.microsoft.com/office/powerpoint/2010/main" val="2326417790"/>
-      </p:ext>
-    </p:extLst>
-  </p:cSld>
-  <p:clrMapOvr>
-    <a:masterClrMapping/>
-  </p:clrMapOvr>
-</p:sldLayout>
-</file>
-
-<file path=ppt/slideLayouts/slideLayout2.xml><?xml version="1.0" encoding="utf-8"?>
-<p:sldLayout xmlns:a="http://schemas.openxmlformats.org/drawingml/2006/main" xmlns:r="http://schemas.openxmlformats.org/officeDocument/2006/relationships" xmlns:p="http://schemas.openxmlformats.org/presentationml/2006/main" preserve="1">
-  <p:cSld name="Title Only">
-    <p:spTree>
-      <p:nvGrpSpPr>
-        <p:cNvPr id="1" name=""/>
-        <p:cNvGrpSpPr/>
-        <p:nvPr/>
-      </p:nvGrpSpPr>
-      <p:grpSpPr>
-        <a:xfrm>
-          <a:off x="0" y="0"/>
-          <a:ext cx="0" cy="0"/>
-          <a:chOff x="0" y="0"/>
-          <a:chExt cx="0" cy="0"/>
-        </a:xfrm>
-      </p:grpSpPr>
-      <p:cxnSp>
-        <p:nvCxnSpPr>
-          <p:cNvPr id="16" name="Straight Connector 15"/>
-          <p:cNvCxnSpPr/>
-          <p:nvPr/>
-        </p:nvCxnSpPr>
-        <p:spPr bwMode="auto">
-          <a:xfrm>
-            <a:off x="634999" y="983343"/>
-            <a:ext cx="10947401" cy="0"/>
-          </a:xfrm>
-          <a:prstGeom prst="line">
-            <a:avLst/>
-          </a:prstGeom>
-          <a:solidFill>
-            <a:schemeClr val="accent1"/>
-          </a:solidFill>
-          <a:ln w="3175" cap="flat" cmpd="sng" algn="ctr">
-            <a:solidFill>
-              <a:schemeClr val="bg1"/>
-            </a:solidFill>
-            <a:prstDash val="solid"/>
-            <a:round/>
-            <a:headEnd type="none" w="med" len="med"/>
-            <a:tailEnd type="none" w="med" len="med"/>
-          </a:ln>
-          <a:effectLst/>
-        </p:spPr>
-      </p:cxnSp>
-      <p:sp>
-        <p:nvSpPr>
-          <p:cNvPr id="17" name="Title 10"/>
-          <p:cNvSpPr>
-            <a:spLocks noGrp="1"/>
-          </p:cNvSpPr>
-          <p:nvPr>
-            <p:ph type="title" hasCustomPrompt="1"/>
-          </p:nvPr>
-        </p:nvSpPr>
-        <p:spPr>
-          <a:xfrm>
-            <a:off x="533400" y="76200"/>
-            <a:ext cx="11049000" cy="907143"/>
-          </a:xfrm>
-          <a:prstGeom prst="rect">
-            <a:avLst/>
-          </a:prstGeom>
-        </p:spPr>
-        <p:txBody>
-          <a:bodyPr anchor="ctr" anchorCtr="0"/>
-          <a:lstStyle>
-            <a:lvl1pPr>
-              <a:defRPr sz="2400"/>
-            </a:lvl1pPr>
-          </a:lstStyle>
-          <a:p>
-            <a:pPr>
-              <a:defRPr/>
-            </a:pPr>
-            <a:r>
-              <a:rPr lang="en-US" sz="2200" dirty="0"/>
-              <a:t>Slide Title</a:t>
-            </a:r>
-          </a:p>
-        </p:txBody>
-      </p:sp>
-    </p:spTree>
-    <p:extLst>
-      <p:ext uri="{BB962C8B-B14F-4D97-AF65-F5344CB8AC3E}">
-        <p14:creationId xmlns:p14="http://schemas.microsoft.com/office/powerpoint/2010/main" val="3703445315"/>
-      </p:ext>
-    </p:extLst>
-  </p:cSld>
-  <p:clrMapOvr>
-    <a:masterClrMapping/>
-  </p:clrMapOvr>
-  <p:transition>
-    <p:fade/>
-  </p:transition>
-</p:sldLayout>
-</file>
-
-<file path=ppt/slideLayouts/slideLayout3.xml><?xml version="1.0" encoding="utf-8"?>
-<p:sldLayout xmlns:a="http://schemas.openxmlformats.org/drawingml/2006/main" xmlns:r="http://schemas.openxmlformats.org/officeDocument/2006/relationships" xmlns:p="http://schemas.openxmlformats.org/presentationml/2006/main" type="blank">
-  <p:cSld name="Blank">
-    <p:spTree>
-      <p:nvGrpSpPr>
-        <p:cNvPr id="1" name=""/>
-        <p:cNvGrpSpPr/>
-        <p:nvPr/>
-      </p:nvGrpSpPr>
-      <p:grpSpPr>
-        <a:xfrm>
-          <a:off x="0" y="0"/>
-          <a:ext cx="0" cy="0"/>
-          <a:chOff x="0" y="0"/>
-          <a:chExt cx="0" cy="0"/>
-        </a:xfrm>
-      </p:grpSpPr>
-    </p:spTree>
-    <p:extLst>
-      <p:ext uri="{BB962C8B-B14F-4D97-AF65-F5344CB8AC3E}">
-        <p14:creationId xmlns:p14="http://schemas.microsoft.com/office/powerpoint/2010/main" val="2791655748"/>
-      </p:ext>
-    </p:extLst>
-  </p:cSld>
-  <p:clrMapOvr>
-    <a:masterClrMapping/>
-  </p:clrMapOvr>
-</p:sldLayout>
-</file>
-
-<file path=ppt/slideLayouts/slideLayout4.xml><?xml version="1.0" encoding="utf-8"?>
-<p:sldLayout xmlns:a="http://schemas.openxmlformats.org/drawingml/2006/main" xmlns:r="http://schemas.openxmlformats.org/officeDocument/2006/relationships" xmlns:p="http://schemas.openxmlformats.org/presentationml/2006/main" preserve="1">
-  <p:cSld name="Custom Layout">
-    <p:spTree>
-      <p:nvGrpSpPr>
-        <p:cNvPr id="1" name=""/>
-        <p:cNvGrpSpPr/>
-        <p:nvPr/>
-      </p:nvGrpSpPr>
-      <p:grpSpPr>
-        <a:xfrm>
-          <a:off x="0" y="0"/>
-          <a:ext cx="0" cy="0"/>
-          <a:chOff x="0" y="0"/>
-          <a:chExt cx="0" cy="0"/>
-        </a:xfrm>
-      </p:grpSpPr>
-      <p:sp>
-        <p:nvSpPr>
-          <p:cNvPr id="2" name="Title 1">
-            <a:extLst>
-              <a:ext uri="{FF2B5EF4-FFF2-40B4-BE49-F238E27FC236}">
-                <a16:creationId xmlns:a16="http://schemas.microsoft.com/office/drawing/2014/main" id="{EB95561D-B949-3649-8DE3-37913D11D197}"/>
-              </a:ext>
-            </a:extLst>
-          </p:cNvPr>
-          <p:cNvSpPr>
-            <a:spLocks noGrp="1"/>
-          </p:cNvSpPr>
-          <p:nvPr>
-            <p:ph type="title"/>
-          </p:nvPr>
-        </p:nvSpPr>
-        <p:spPr>
-          <a:xfrm>
-            <a:off x="838200" y="365125"/>
-            <a:ext cx="10515600" cy="1325563"/>
-          </a:xfrm>
-          <a:prstGeom prst="rect">
-            <a:avLst/>
-          </a:prstGeom>
-        </p:spPr>
-        <p:txBody>
-          <a:bodyPr/>
-          <a:lstStyle/>
-          <a:p>
-            <a:r>
-              <a:rPr lang="en-US"/>
-              <a:t>Click to edit Master title style</a:t>
-            </a:r>
-          </a:p>
-        </p:txBody>
-      </p:sp>
-    </p:spTree>
-    <p:extLst>
-      <p:ext uri="{BB962C8B-B14F-4D97-AF65-F5344CB8AC3E}">
-        <p14:creationId xmlns:p14="http://schemas.microsoft.com/office/powerpoint/2010/main" val="2177857422"/>
-      </p:ext>
-    </p:extLst>
-  </p:cSld>
-  <p:clrMapOvr>
-    <a:masterClrMapping/>
-  </p:clrMapOvr>
-  <p:transition>
-    <p:fade/>
-  </p:transition>
-</p:sldLayout>
-</file>
-
-<file path=ppt/slideLayouts/slideLayout5.xml><?xml version="1.0" encoding="utf-8"?>
-<p:sldLayout xmlns:a="http://schemas.openxmlformats.org/drawingml/2006/main" xmlns:r="http://schemas.openxmlformats.org/officeDocument/2006/relationships" xmlns:p="http://schemas.openxmlformats.org/presentationml/2006/main" type="title">
-  <p:cSld name="Title Slide">
-    <p:spTree>
-      <p:nvGrpSpPr>
-        <p:cNvPr id="1" name=""/>
-        <p:cNvGrpSpPr/>
-        <p:nvPr/>
-      </p:nvGrpSpPr>
-      <p:grpSpPr>
-        <a:xfrm>
-          <a:off x="0" y="0"/>
-          <a:ext cx="0" cy="0"/>
-          <a:chOff x="0" y="0"/>
-          <a:chExt cx="0" cy="0"/>
-        </a:xfrm>
-      </p:grpSpPr>
-      <p:sp>
-        <p:nvSpPr>
-          <p:cNvPr id="2" name="Title 1">
-            <a:extLst>
-              <a:ext uri="{FF2B5EF4-FFF2-40B4-BE49-F238E27FC236}">
-                <a16:creationId xmlns:a16="http://schemas.microsoft.com/office/drawing/2014/main" id="{13F663EF-3D40-7FF9-6390-00F17F7D89D2}"/>
-              </a:ext>
-            </a:extLst>
-          </p:cNvPr>
-          <p:cNvSpPr>
-            <a:spLocks noGrp="1"/>
-          </p:cNvSpPr>
-          <p:nvPr>
-            <p:ph type="ctrTitle"/>
-          </p:nvPr>
-        </p:nvSpPr>
-        <p:spPr>
-          <a:xfrm>
-            <a:off x="1524000" y="1122363"/>
-            <a:ext cx="9144000" cy="2387600"/>
-          </a:xfrm>
-        </p:spPr>
-        <p:txBody>
-          <a:bodyPr anchor="b"/>
-          <a:lstStyle>
-            <a:lvl1pPr algn="ctr">
-              <a:defRPr sz="6000"/>
-            </a:lvl1pPr>
-          </a:lstStyle>
-          <a:p>
-            <a:r>
-              <a:rPr lang="en-US"/>
-              <a:t>Click to edit Master title style</a:t>
-            </a:r>
-          </a:p>
-        </p:txBody>
-      </p:sp>
-      <p:sp>
-        <p:nvSpPr>
-          <p:cNvPr id="3" name="Subtitle 2">
-            <a:extLst>
-              <a:ext uri="{FF2B5EF4-FFF2-40B4-BE49-F238E27FC236}">
-                <a16:creationId xmlns:a16="http://schemas.microsoft.com/office/drawing/2014/main" id="{02392760-2C5B-A5E9-50CF-8E0F18C964D7}"/>
-              </a:ext>
-            </a:extLst>
-          </p:cNvPr>
-          <p:cNvSpPr>
-            <a:spLocks noGrp="1"/>
-          </p:cNvSpPr>
-          <p:nvPr>
-            <p:ph type="subTitle" idx="1"/>
-          </p:nvPr>
-        </p:nvSpPr>
-        <p:spPr>
-          <a:xfrm>
-            <a:off x="1524000" y="3602038"/>
-            <a:ext cx="9144000" cy="1655762"/>
-          </a:xfrm>
-        </p:spPr>
-        <p:txBody>
-          <a:bodyPr/>
-          <a:lstStyle>
-            <a:lvl1pPr marL="0" indent="0" algn="ctr">
-              <a:buNone/>
-              <a:defRPr sz="2400"/>
-            </a:lvl1pPr>
-            <a:lvl2pPr marL="457200" indent="0" algn="ctr">
-              <a:buNone/>
-              <a:defRPr sz="2000"/>
-            </a:lvl2pPr>
-            <a:lvl3pPr marL="914400" indent="0" algn="ctr">
-              <a:buNone/>
-              <a:defRPr sz="1800"/>
-            </a:lvl3pPr>
-            <a:lvl4pPr marL="1371600" indent="0" algn="ctr">
-              <a:buNone/>
-              <a:defRPr sz="1600"/>
-            </a:lvl4pPr>
-            <a:lvl5pPr marL="1828800" indent="0" algn="ctr">
-              <a:buNone/>
-              <a:defRPr sz="1600"/>
-            </a:lvl5pPr>
-            <a:lvl6pPr marL="2286000" indent="0" algn="ctr">
-              <a:buNone/>
-              <a:defRPr sz="1600"/>
-            </a:lvl6pPr>
-            <a:lvl7pPr marL="2743200" indent="0" algn="ctr">
-              <a:buNone/>
-              <a:defRPr sz="1600"/>
-            </a:lvl7pPr>
-            <a:lvl8pPr marL="3200400" indent="0" algn="ctr">
-              <a:buNone/>
-              <a:defRPr sz="1600"/>
-            </a:lvl8pPr>
-            <a:lvl9pPr marL="3657600" indent="0" algn="ctr">
-              <a:buNone/>
-              <a:defRPr sz="1600"/>
-            </a:lvl9pPr>
-          </a:lstStyle>
-          <a:p>
-            <a:r>
-              <a:rPr lang="en-US"/>
-              <a:t>Click to edit Master subtitle style</a:t>
-            </a:r>
-          </a:p>
-        </p:txBody>
-      </p:sp>
-      <p:sp>
-        <p:nvSpPr>
-          <p:cNvPr id="4" name="Date Placeholder 3">
-            <a:extLst>
-              <a:ext uri="{FF2B5EF4-FFF2-40B4-BE49-F238E27FC236}">
-                <a16:creationId xmlns:a16="http://schemas.microsoft.com/office/drawing/2014/main" id="{28E22313-72D3-BC48-B6C7-BD28A4B25912}"/>
-              </a:ext>
-            </a:extLst>
-          </p:cNvPr>
-          <p:cNvSpPr>
-            <a:spLocks noGrp="1"/>
-          </p:cNvSpPr>
-          <p:nvPr>
-            <p:ph type="dt" sz="half" idx="10"/>
-          </p:nvPr>
-        </p:nvSpPr>
-        <p:spPr/>
-        <p:txBody>
-          <a:bodyPr/>
-          <a:lstStyle/>
-          <a:p>
-            <a:fld id="{0BE24BAF-58C0-4D38-ABA0-4170CC92DC13}" type="datetimeFigureOut">
-              <a:rPr lang="en-US" smtClean="0"/>
-              <a:t>6/13/2024</a:t>
-            </a:fld>
-            <a:endParaRPr lang="en-US"/>
-          </a:p>
-        </p:txBody>
-      </p:sp>
-      <p:sp>
-        <p:nvSpPr>
-          <p:cNvPr id="5" name="Footer Placeholder 4">
-            <a:extLst>
-              <a:ext uri="{FF2B5EF4-FFF2-40B4-BE49-F238E27FC236}">
-                <a16:creationId xmlns:a16="http://schemas.microsoft.com/office/drawing/2014/main" id="{79A961C9-27D3-9627-AC42-42DA3AE02626}"/>
-              </a:ext>
-            </a:extLst>
-          </p:cNvPr>
-          <p:cNvSpPr>
-            <a:spLocks noGrp="1"/>
-          </p:cNvSpPr>
-          <p:nvPr>
-            <p:ph type="ftr" sz="quarter" idx="11"/>
-          </p:nvPr>
-        </p:nvSpPr>
-        <p:spPr/>
-        <p:txBody>
-          <a:bodyPr/>
-          <a:lstStyle/>
-          <a:p>
-            <a:endParaRPr lang="en-US"/>
-          </a:p>
-        </p:txBody>
-      </p:sp>
-      <p:sp>
-        <p:nvSpPr>
-          <p:cNvPr id="6" name="Slide Number Placeholder 5">
-            <a:extLst>
-              <a:ext uri="{FF2B5EF4-FFF2-40B4-BE49-F238E27FC236}">
-                <a16:creationId xmlns:a16="http://schemas.microsoft.com/office/drawing/2014/main" id="{87512D45-370E-D661-58AD-D3D45A41FCD2}"/>
-              </a:ext>
-            </a:extLst>
-          </p:cNvPr>
-          <p:cNvSpPr>
-            <a:spLocks noGrp="1"/>
-          </p:cNvSpPr>
-          <p:nvPr>
-            <p:ph type="sldNum" sz="quarter" idx="12"/>
-          </p:nvPr>
-        </p:nvSpPr>
-        <p:spPr/>
-        <p:txBody>
-          <a:bodyPr/>
-          <a:lstStyle/>
-          <a:p>
-            <a:fld id="{13D5471E-615E-4FAD-96CF-E230E8BB09F6}" type="slidenum">
-              <a:rPr lang="en-US" smtClean="0"/>
-              <a:t>‹#›</a:t>
-            </a:fld>
-            <a:endParaRPr lang="en-US"/>
-          </a:p>
-        </p:txBody>
-      </p:sp>
-    </p:spTree>
-    <p:extLst>
-      <p:ext uri="{BB962C8B-B14F-4D97-AF65-F5344CB8AC3E}">
-        <p14:creationId xmlns:p14="http://schemas.microsoft.com/office/powerpoint/2010/main" val="3594575308"/>
-      </p:ext>
-    </p:extLst>
-  </p:cSld>
-  <p:clrMapOvr>
-    <a:masterClrMapping/>
-  </p:clrMapOvr>
-</p:sldLayout>
-</file>
-
-<file path=ppt/slideLayouts/slideLayout6.xml><?xml version="1.0" encoding="utf-8"?>
-<p:sldLayout xmlns:a="http://schemas.openxmlformats.org/drawingml/2006/main" xmlns:r="http://schemas.openxmlformats.org/officeDocument/2006/relationships" xmlns:p="http://schemas.openxmlformats.org/presentationml/2006/main">
-  <p:cSld name="Contents slide layout">
-    <p:spTree>
-      <p:nvGrpSpPr>
-        <p:cNvPr id="1" name=""/>
-        <p:cNvGrpSpPr/>
-        <p:nvPr/>
-      </p:nvGrpSpPr>
-      <p:grpSpPr>
-        <a:xfrm>
-          <a:off x="0" y="0"/>
-          <a:ext cx="0" cy="0"/>
-          <a:chOff x="0" y="0"/>
-          <a:chExt cx="0" cy="0"/>
-        </a:xfrm>
-      </p:grpSpPr>
-      <p:sp>
-        <p:nvSpPr>
-          <p:cNvPr id="2" name="Text Placeholder 9">
-            <a:extLst>
-              <a:ext uri="{FF2B5EF4-FFF2-40B4-BE49-F238E27FC236}">
-                <a16:creationId xmlns:a16="http://schemas.microsoft.com/office/drawing/2014/main" id="{23DE32A5-6181-4C51-AD5C-3F1A448478A1}"/>
-              </a:ext>
-            </a:extLst>
-          </p:cNvPr>
-          <p:cNvSpPr>
-            <a:spLocks noGrp="1"/>
-          </p:cNvSpPr>
-          <p:nvPr>
-            <p:ph type="body" sz="quarter" idx="10" hasCustomPrompt="1"/>
-          </p:nvPr>
-        </p:nvSpPr>
-        <p:spPr>
-          <a:xfrm>
-            <a:off x="323529" y="339509"/>
-            <a:ext cx="11573197" cy="724247"/>
-          </a:xfrm>
-          <a:prstGeom prst="rect">
-            <a:avLst/>
-          </a:prstGeom>
-        </p:spPr>
-        <p:txBody>
-          <a:bodyPr anchor="ctr"/>
-          <a:lstStyle>
-            <a:lvl1pPr marL="0" indent="0" algn="ctr">
-              <a:buNone/>
-              <a:defRPr sz="5400" b="0" baseline="0">
-                <a:solidFill>
-                  <a:schemeClr val="tx1">
-                    <a:lumMod val="85000"/>
-                    <a:lumOff val="15000"/>
-                  </a:schemeClr>
-                </a:solidFill>
-                <a:latin typeface="+mj-lt"/>
-                <a:cs typeface="Arial" pitchFamily="34" charset="0"/>
-              </a:defRPr>
-            </a:lvl1pPr>
-          </a:lstStyle>
-          <a:p>
-            <a:pPr lvl="0"/>
-            <a:r>
-              <a:rPr lang="en-US" altLang="ko-KR" dirty="0"/>
-              <a:t>BASIC LAYOUT</a:t>
-            </a:r>
-          </a:p>
-        </p:txBody>
-      </p:sp>
-    </p:spTree>
-    <p:extLst>
-      <p:ext uri="{BB962C8B-B14F-4D97-AF65-F5344CB8AC3E}">
-        <p14:creationId xmlns:p14="http://schemas.microsoft.com/office/powerpoint/2010/main" val="1992043631"/>
-      </p:ext>
-    </p:extLst>
-  </p:cSld>
-  <p:clrMapOvr>
-    <a:masterClrMapping/>
-  </p:clrMapOvr>
-</p:sldLayout>
-</file>
-
-<file path=ppt/slideLayouts/slideLayout7.xml><?xml version="1.0" encoding="utf-8"?>
-<p:sldLayout xmlns:a="http://schemas.openxmlformats.org/drawingml/2006/main" xmlns:r="http://schemas.openxmlformats.org/officeDocument/2006/relationships" xmlns:p="http://schemas.openxmlformats.org/presentationml/2006/main" type="title" preserve="1">
-  <p:cSld name="Title Slide">
-    <p:spTree>
-      <p:nvGrpSpPr>
-        <p:cNvPr id="1" name=""/>
-        <p:cNvGrpSpPr/>
-        <p:nvPr/>
-      </p:nvGrpSpPr>
-      <p:grpSpPr>
-        <a:xfrm>
-          <a:off x="0" y="0"/>
-          <a:ext cx="0" cy="0"/>
-          <a:chOff x="0" y="0"/>
-          <a:chExt cx="0" cy="0"/>
-        </a:xfrm>
-      </p:grpSpPr>
-      <p:sp>
-        <p:nvSpPr>
-          <p:cNvPr id="2" name="Title 1">
-            <a:extLst>
-              <a:ext uri="{FF2B5EF4-FFF2-40B4-BE49-F238E27FC236}">
-                <a16:creationId xmlns:a16="http://schemas.microsoft.com/office/drawing/2014/main" id="{DD581941-0C9F-2373-780E-9153E7306EE0}"/>
-              </a:ext>
-            </a:extLst>
-          </p:cNvPr>
-          <p:cNvSpPr>
-            <a:spLocks noGrp="1"/>
-          </p:cNvSpPr>
-          <p:nvPr>
-            <p:ph type="ctrTitle"/>
-          </p:nvPr>
-        </p:nvSpPr>
-        <p:spPr>
-          <a:xfrm>
-            <a:off x="1524000" y="1122363"/>
-            <a:ext cx="9144000" cy="2387600"/>
-          </a:xfrm>
-        </p:spPr>
-        <p:txBody>
-          <a:bodyPr anchor="b"/>
-          <a:lstStyle>
-            <a:lvl1pPr algn="ctr">
-              <a:defRPr sz="6000"/>
-            </a:lvl1pPr>
-          </a:lstStyle>
-          <a:p>
-            <a:r>
-              <a:rPr lang="en-US"/>
-              <a:t>Click to edit Master title style</a:t>
-            </a:r>
-          </a:p>
-        </p:txBody>
-      </p:sp>
-      <p:sp>
-        <p:nvSpPr>
-          <p:cNvPr id="3" name="Subtitle 2">
-            <a:extLst>
-              <a:ext uri="{FF2B5EF4-FFF2-40B4-BE49-F238E27FC236}">
-                <a16:creationId xmlns:a16="http://schemas.microsoft.com/office/drawing/2014/main" id="{FC927A9A-3EED-7C12-0FFF-384113480AA1}"/>
-              </a:ext>
-            </a:extLst>
-          </p:cNvPr>
-          <p:cNvSpPr>
-            <a:spLocks noGrp="1"/>
-          </p:cNvSpPr>
-          <p:nvPr>
-            <p:ph type="subTitle" idx="1"/>
-          </p:nvPr>
-        </p:nvSpPr>
-        <p:spPr>
-          <a:xfrm>
-            <a:off x="1524000" y="3602038"/>
-            <a:ext cx="9144000" cy="1655762"/>
-          </a:xfrm>
-        </p:spPr>
-        <p:txBody>
-          <a:bodyPr/>
-          <a:lstStyle>
-            <a:lvl1pPr marL="0" indent="0" algn="ctr">
-              <a:buNone/>
-              <a:defRPr sz="2400"/>
-            </a:lvl1pPr>
-            <a:lvl2pPr marL="457200" indent="0" algn="ctr">
-              <a:buNone/>
-              <a:defRPr sz="2000"/>
-            </a:lvl2pPr>
-            <a:lvl3pPr marL="914400" indent="0" algn="ctr">
-              <a:buNone/>
-              <a:defRPr sz="1800"/>
-            </a:lvl3pPr>
-            <a:lvl4pPr marL="1371600" indent="0" algn="ctr">
-              <a:buNone/>
-              <a:defRPr sz="1600"/>
-            </a:lvl4pPr>
-            <a:lvl5pPr marL="1828800" indent="0" algn="ctr">
-              <a:buNone/>
-              <a:defRPr sz="1600"/>
-            </a:lvl5pPr>
-            <a:lvl6pPr marL="2286000" indent="0" algn="ctr">
-              <a:buNone/>
-              <a:defRPr sz="1600"/>
-            </a:lvl6pPr>
-            <a:lvl7pPr marL="2743200" indent="0" algn="ctr">
-              <a:buNone/>
-              <a:defRPr sz="1600"/>
-            </a:lvl7pPr>
-            <a:lvl8pPr marL="3200400" indent="0" algn="ctr">
-              <a:buNone/>
-              <a:defRPr sz="1600"/>
-            </a:lvl8pPr>
-            <a:lvl9pPr marL="3657600" indent="0" algn="ctr">
-              <a:buNone/>
-              <a:defRPr sz="1600"/>
-            </a:lvl9pPr>
-          </a:lstStyle>
-          <a:p>
-            <a:r>
-              <a:rPr lang="en-US"/>
-              <a:t>Click to edit Master subtitle style</a:t>
-            </a:r>
-          </a:p>
-        </p:txBody>
-      </p:sp>
-      <p:sp>
-        <p:nvSpPr>
-          <p:cNvPr id="4" name="Date Placeholder 3">
-            <a:extLst>
-              <a:ext uri="{FF2B5EF4-FFF2-40B4-BE49-F238E27FC236}">
-                <a16:creationId xmlns:a16="http://schemas.microsoft.com/office/drawing/2014/main" id="{E43FE0D7-D5FB-3326-9483-F15495075853}"/>
-              </a:ext>
-            </a:extLst>
-          </p:cNvPr>
-          <p:cNvSpPr>
-            <a:spLocks noGrp="1"/>
-          </p:cNvSpPr>
-          <p:nvPr>
-            <p:ph type="dt" sz="half" idx="10"/>
-          </p:nvPr>
-        </p:nvSpPr>
-        <p:spPr/>
-        <p:txBody>
-          <a:bodyPr/>
-          <a:lstStyle/>
-          <a:p>
-            <a:fld id="{0BE24BAF-58C0-4D38-ABA0-4170CC92DC13}" type="datetimeFigureOut">
-              <a:rPr lang="en-US" smtClean="0"/>
-              <a:t>6/13/2024</a:t>
-            </a:fld>
-            <a:endParaRPr lang="en-US"/>
-          </a:p>
-        </p:txBody>
-      </p:sp>
-      <p:sp>
-        <p:nvSpPr>
-          <p:cNvPr id="5" name="Footer Placeholder 4">
-            <a:extLst>
-              <a:ext uri="{FF2B5EF4-FFF2-40B4-BE49-F238E27FC236}">
-                <a16:creationId xmlns:a16="http://schemas.microsoft.com/office/drawing/2014/main" id="{AAEBCD6E-6B69-E7FF-A8EA-F8E294BDA7E7}"/>
-              </a:ext>
-            </a:extLst>
-          </p:cNvPr>
-          <p:cNvSpPr>
-            <a:spLocks noGrp="1"/>
-          </p:cNvSpPr>
-          <p:nvPr>
-            <p:ph type="ftr" sz="quarter" idx="11"/>
-          </p:nvPr>
-        </p:nvSpPr>
-        <p:spPr/>
-        <p:txBody>
-          <a:bodyPr/>
-          <a:lstStyle/>
-          <a:p>
-            <a:endParaRPr lang="en-US"/>
-          </a:p>
-        </p:txBody>
-      </p:sp>
-      <p:sp>
-        <p:nvSpPr>
-          <p:cNvPr id="6" name="Slide Number Placeholder 5">
-            <a:extLst>
-              <a:ext uri="{FF2B5EF4-FFF2-40B4-BE49-F238E27FC236}">
-                <a16:creationId xmlns:a16="http://schemas.microsoft.com/office/drawing/2014/main" id="{FF22DB5A-E75D-49DD-123C-37B6BC85E903}"/>
-              </a:ext>
-            </a:extLst>
-          </p:cNvPr>
-          <p:cNvSpPr>
-            <a:spLocks noGrp="1"/>
-          </p:cNvSpPr>
-          <p:nvPr>
-            <p:ph type="sldNum" sz="quarter" idx="12"/>
-          </p:nvPr>
-        </p:nvSpPr>
-        <p:spPr/>
-        <p:txBody>
-          <a:bodyPr/>
-          <a:lstStyle/>
-          <a:p>
-            <a:fld id="{13D5471E-615E-4FAD-96CF-E230E8BB09F6}" type="slidenum">
-              <a:rPr lang="en-US" smtClean="0"/>
-              <a:t>‹#›</a:t>
-            </a:fld>
-            <a:endParaRPr lang="en-US"/>
-          </a:p>
-        </p:txBody>
-      </p:sp>
-    </p:spTree>
-    <p:extLst>
-      <p:ext uri="{BB962C8B-B14F-4D97-AF65-F5344CB8AC3E}">
-        <p14:creationId xmlns:p14="http://schemas.microsoft.com/office/powerpoint/2010/main" val="267940307"/>
-      </p:ext>
-    </p:extLst>
-  </p:cSld>
-  <p:clrMapOvr>
-    <a:masterClrMapping/>
-  </p:clrMapOvr>
-</p:sldLayout>
-</file>
-
-<file path=ppt/slideLayouts/slideLayout8.xml><?xml version="1.0" encoding="utf-8"?>
-<p:sldLayout xmlns:a="http://schemas.openxmlformats.org/drawingml/2006/main" xmlns:r="http://schemas.openxmlformats.org/officeDocument/2006/relationships" xmlns:p="http://schemas.openxmlformats.org/presentationml/2006/main" type="obj" preserve="1">
-  <p:cSld name="Title and Content">
-    <p:spTree>
-      <p:nvGrpSpPr>
-        <p:cNvPr id="1" name=""/>
-        <p:cNvGrpSpPr/>
-        <p:nvPr/>
-      </p:nvGrpSpPr>
-      <p:grpSpPr>
-        <a:xfrm>
-          <a:off x="0" y="0"/>
-          <a:ext cx="0" cy="0"/>
-          <a:chOff x="0" y="0"/>
-          <a:chExt cx="0" cy="0"/>
-        </a:xfrm>
-      </p:grpSpPr>
-      <p:sp>
-        <p:nvSpPr>
-          <p:cNvPr id="2" name="Title 1">
-            <a:extLst>
-              <a:ext uri="{FF2B5EF4-FFF2-40B4-BE49-F238E27FC236}">
-                <a16:creationId xmlns:a16="http://schemas.microsoft.com/office/drawing/2014/main" id="{9B53F3F8-E052-488D-90D0-D947B99C4AE2}"/>
-              </a:ext>
-            </a:extLst>
-          </p:cNvPr>
-          <p:cNvSpPr>
-            <a:spLocks noGrp="1"/>
-          </p:cNvSpPr>
-          <p:nvPr>
-            <p:ph type="title"/>
-          </p:nvPr>
-        </p:nvSpPr>
-        <p:spPr/>
-        <p:txBody>
-          <a:bodyPr/>
-          <a:lstStyle/>
-          <a:p>
-            <a:r>
-              <a:rPr lang="en-US"/>
-              <a:t>Click to edit Master title style</a:t>
-            </a:r>
-          </a:p>
-        </p:txBody>
-      </p:sp>
-      <p:sp>
-        <p:nvSpPr>
-          <p:cNvPr id="3" name="Content Placeholder 2">
-            <a:extLst>
-              <a:ext uri="{FF2B5EF4-FFF2-40B4-BE49-F238E27FC236}">
-                <a16:creationId xmlns:a16="http://schemas.microsoft.com/office/drawing/2014/main" id="{EDD73720-466D-068E-61C9-BDF9BF686AF3}"/>
-              </a:ext>
-            </a:extLst>
-          </p:cNvPr>
-          <p:cNvSpPr>
-            <a:spLocks noGrp="1"/>
-          </p:cNvSpPr>
-          <p:nvPr>
-            <p:ph idx="1"/>
-          </p:nvPr>
-        </p:nvSpPr>
-        <p:spPr/>
-        <p:txBody>
-          <a:bodyPr/>
-          <a:lstStyle/>
-          <a:p>
-            <a:pPr lvl="0"/>
-            <a:r>
-              <a:rPr lang="en-US"/>
-              <a:t>Click to edit Master text styles</a:t>
-            </a:r>
-          </a:p>
-          <a:p>
-            <a:pPr lvl="1"/>
-            <a:r>
-              <a:rPr lang="en-US"/>
-              <a:t>Second level</a:t>
-            </a:r>
-          </a:p>
-          <a:p>
-            <a:pPr lvl="2"/>
-            <a:r>
-              <a:rPr lang="en-US"/>
-              <a:t>Third level</a:t>
-            </a:r>
-          </a:p>
-          <a:p>
-            <a:pPr lvl="3"/>
-            <a:r>
-              <a:rPr lang="en-US"/>
-              <a:t>Fourth level</a:t>
-            </a:r>
-          </a:p>
-          <a:p>
-            <a:pPr lvl="4"/>
-            <a:r>
-              <a:rPr lang="en-US"/>
-              <a:t>Fifth level</a:t>
-            </a:r>
-          </a:p>
-        </p:txBody>
-      </p:sp>
-      <p:sp>
-        <p:nvSpPr>
-          <p:cNvPr id="4" name="Date Placeholder 3">
-            <a:extLst>
-              <a:ext uri="{FF2B5EF4-FFF2-40B4-BE49-F238E27FC236}">
-                <a16:creationId xmlns:a16="http://schemas.microsoft.com/office/drawing/2014/main" id="{86D8B675-57D5-D89F-01F5-209268AB9E4B}"/>
-              </a:ext>
-            </a:extLst>
-          </p:cNvPr>
-          <p:cNvSpPr>
-            <a:spLocks noGrp="1"/>
-          </p:cNvSpPr>
-          <p:nvPr>
-            <p:ph type="dt" sz="half" idx="10"/>
-          </p:nvPr>
-        </p:nvSpPr>
-        <p:spPr/>
-        <p:txBody>
-          <a:bodyPr/>
-          <a:lstStyle/>
-          <a:p>
-            <a:fld id="{0D69348B-4620-44E9-BF3F-EACBA9EEF323}" type="datetimeFigureOut">
-              <a:rPr lang="en-US" smtClean="0"/>
-              <a:t>6/13/2024</a:t>
-            </a:fld>
-            <a:endParaRPr lang="en-US"/>
-          </a:p>
-        </p:txBody>
-      </p:sp>
-      <p:sp>
-        <p:nvSpPr>
-          <p:cNvPr id="5" name="Footer Placeholder 4">
-            <a:extLst>
-              <a:ext uri="{FF2B5EF4-FFF2-40B4-BE49-F238E27FC236}">
-                <a16:creationId xmlns:a16="http://schemas.microsoft.com/office/drawing/2014/main" id="{7053F998-E2CB-02E4-49BF-97696F865F45}"/>
-              </a:ext>
-            </a:extLst>
-          </p:cNvPr>
-          <p:cNvSpPr>
-            <a:spLocks noGrp="1"/>
-          </p:cNvSpPr>
-          <p:nvPr>
-            <p:ph type="ftr" sz="quarter" idx="11"/>
-          </p:nvPr>
-        </p:nvSpPr>
-        <p:spPr/>
-        <p:txBody>
-          <a:bodyPr/>
-          <a:lstStyle/>
-          <a:p>
-            <a:endParaRPr lang="en-US"/>
-          </a:p>
-        </p:txBody>
-      </p:sp>
-      <p:sp>
-        <p:nvSpPr>
-          <p:cNvPr id="6" name="Slide Number Placeholder 5">
-            <a:extLst>
-              <a:ext uri="{FF2B5EF4-FFF2-40B4-BE49-F238E27FC236}">
-                <a16:creationId xmlns:a16="http://schemas.microsoft.com/office/drawing/2014/main" id="{FED59867-B8CC-A6E9-DDC7-43729DA70B76}"/>
-              </a:ext>
-            </a:extLst>
-          </p:cNvPr>
-          <p:cNvSpPr>
-            <a:spLocks noGrp="1"/>
-          </p:cNvSpPr>
-          <p:nvPr>
-            <p:ph type="sldNum" sz="quarter" idx="12"/>
-          </p:nvPr>
-        </p:nvSpPr>
-        <p:spPr/>
-        <p:txBody>
-          <a:bodyPr/>
-          <a:lstStyle/>
-          <a:p>
-            <a:fld id="{986C47A0-D0C4-4E8A-BEE9-37B09C3712B2}" type="slidenum">
-              <a:rPr lang="en-US" smtClean="0"/>
-              <a:t>‹#›</a:t>
-            </a:fld>
-            <a:endParaRPr lang="en-US"/>
-          </a:p>
-        </p:txBody>
-      </p:sp>
-    </p:spTree>
-    <p:extLst>
-      <p:ext uri="{BB962C8B-B14F-4D97-AF65-F5344CB8AC3E}">
-        <p14:creationId xmlns:p14="http://schemas.microsoft.com/office/powerpoint/2010/main" val="1773732037"/>
-      </p:ext>
-    </p:extLst>
-  </p:cSld>
-  <p:clrMapOvr>
-    <a:masterClrMapping/>
-  </p:clrMapOvr>
-</p:sldLayout>
-</file>
-
-<file path=ppt/slideLayouts/slideLayout9.xml><?xml version="1.0" encoding="utf-8"?>
-<p:sldLayout xmlns:a="http://schemas.openxmlformats.org/drawingml/2006/main" xmlns:r="http://schemas.openxmlformats.org/officeDocument/2006/relationships" xmlns:p="http://schemas.openxmlformats.org/presentationml/2006/main" type="secHead" preserve="1">
-  <p:cSld name="Section Header">
-    <p:spTree>
-      <p:nvGrpSpPr>
-        <p:cNvPr id="1" name=""/>
-        <p:cNvGrpSpPr/>
-        <p:nvPr/>
-      </p:nvGrpSpPr>
-      <p:grpSpPr>
-        <a:xfrm>
-          <a:off x="0" y="0"/>
-          <a:ext cx="0" cy="0"/>
-          <a:chOff x="0" y="0"/>
-          <a:chExt cx="0" cy="0"/>
-        </a:xfrm>
-      </p:grpSpPr>
-      <p:sp>
-        <p:nvSpPr>
-          <p:cNvPr id="2" name="Title 1">
-            <a:extLst>
-              <a:ext uri="{FF2B5EF4-FFF2-40B4-BE49-F238E27FC236}">
-                <a16:creationId xmlns:a16="http://schemas.microsoft.com/office/drawing/2014/main" id="{24562E59-A35F-2B41-2BE7-EC4592347134}"/>
-              </a:ext>
-            </a:extLst>
-          </p:cNvPr>
-          <p:cNvSpPr>
-            <a:spLocks noGrp="1"/>
-          </p:cNvSpPr>
-          <p:nvPr>
-            <p:ph type="title"/>
-          </p:nvPr>
-        </p:nvSpPr>
-        <p:spPr>
-          <a:xfrm>
-            <a:off x="831850" y="1709738"/>
-            <a:ext cx="10515600" cy="2852737"/>
-          </a:xfrm>
-        </p:spPr>
-        <p:txBody>
-          <a:bodyPr anchor="b"/>
-          <a:lstStyle>
-            <a:lvl1pPr>
-              <a:defRPr sz="6000"/>
-            </a:lvl1pPr>
-          </a:lstStyle>
-          <a:p>
-            <a:r>
-              <a:rPr lang="en-US"/>
-              <a:t>Click to edit Master title style</a:t>
-            </a:r>
-          </a:p>
-        </p:txBody>
-      </p:sp>
-      <p:sp>
-        <p:nvSpPr>
-          <p:cNvPr id="3" name="Text Placeholder 2">
-            <a:extLst>
-              <a:ext uri="{FF2B5EF4-FFF2-40B4-BE49-F238E27FC236}">
-                <a16:creationId xmlns:a16="http://schemas.microsoft.com/office/drawing/2014/main" id="{6CB88CFD-8D25-CDFD-1F9A-6A5BAFD86DD9}"/>
-              </a:ext>
-            </a:extLst>
-          </p:cNvPr>
-          <p:cNvSpPr>
-            <a:spLocks noGrp="1"/>
-          </p:cNvSpPr>
-          <p:nvPr>
-            <p:ph type="body" idx="1"/>
-          </p:nvPr>
-        </p:nvSpPr>
-        <p:spPr>
-          <a:xfrm>
-            <a:off x="831850" y="4589463"/>
-            <a:ext cx="10515600" cy="1500187"/>
-          </a:xfrm>
-        </p:spPr>
-        <p:txBody>
-          <a:bodyPr/>
-          <a:lstStyle>
-            <a:lvl1pPr marL="0" indent="0">
-              <a:buNone/>
-              <a:defRPr sz="2400">
-                <a:solidFill>
-                  <a:schemeClr val="tx1">
-                    <a:tint val="75000"/>
-                  </a:schemeClr>
-                </a:solidFill>
-              </a:defRPr>
-            </a:lvl1pPr>
-            <a:lvl2pPr marL="457200" indent="0">
-              <a:buNone/>
-              <a:defRPr sz="2000">
-                <a:solidFill>
-                  <a:schemeClr val="tx1">
-                    <a:tint val="75000"/>
-                  </a:schemeClr>
-                </a:solidFill>
-              </a:defRPr>
-            </a:lvl2pPr>
-            <a:lvl3pPr marL="914400" indent="0">
-              <a:buNone/>
-              <a:defRPr sz="1800">
-                <a:solidFill>
-                  <a:schemeClr val="tx1">
-                    <a:tint val="75000"/>
-                  </a:schemeClr>
-                </a:solidFill>
-              </a:defRPr>
-            </a:lvl3pPr>
-            <a:lvl4pPr marL="1371600" indent="0">
-              <a:buNone/>
-              <a:defRPr sz="1600">
-                <a:solidFill>
-                  <a:schemeClr val="tx1">
-                    <a:tint val="75000"/>
-                  </a:schemeClr>
-                </a:solidFill>
-              </a:defRPr>
-            </a:lvl4pPr>
-            <a:lvl5pPr marL="1828800" indent="0">
-              <a:buNone/>
-              <a:defRPr sz="1600">
-                <a:solidFill>
-                  <a:schemeClr val="tx1">
-                    <a:tint val="75000"/>
-                  </a:schemeClr>
-                </a:solidFill>
-              </a:defRPr>
-            </a:lvl5pPr>
-            <a:lvl6pPr marL="2286000" indent="0">
-              <a:buNone/>
-              <a:defRPr sz="1600">
-                <a:solidFill>
-                  <a:schemeClr val="tx1">
-                    <a:tint val="75000"/>
-                  </a:schemeClr>
-                </a:solidFill>
-              </a:defRPr>
-            </a:lvl6pPr>
-            <a:lvl7pPr marL="2743200" indent="0">
-              <a:buNone/>
-              <a:defRPr sz="1600">
-                <a:solidFill>
-                  <a:schemeClr val="tx1">
-                    <a:tint val="75000"/>
-                  </a:schemeClr>
-                </a:solidFill>
-              </a:defRPr>
-            </a:lvl7pPr>
-            <a:lvl8pPr marL="3200400" indent="0">
-              <a:buNone/>
-              <a:defRPr sz="1600">
-                <a:solidFill>
-                  <a:schemeClr val="tx1">
-                    <a:tint val="75000"/>
-                  </a:schemeClr>
-                </a:solidFill>
-              </a:defRPr>
-            </a:lvl8pPr>
-            <a:lvl9pPr marL="3657600" indent="0">
-              <a:buNone/>
-              <a:defRPr sz="1600">
-                <a:solidFill>
-                  <a:schemeClr val="tx1">
-                    <a:tint val="75000"/>
-                  </a:schemeClr>
-                </a:solidFill>
-              </a:defRPr>
-            </a:lvl9pPr>
-          </a:lstStyle>
-          <a:p>
-            <a:pPr lvl="0"/>
-            <a:r>
-              <a:rPr lang="en-US"/>
-              <a:t>Click to edit Master text styles</a:t>
-            </a:r>
-          </a:p>
-        </p:txBody>
-      </p:sp>
-      <p:sp>
-        <p:nvSpPr>
-          <p:cNvPr id="4" name="Date Placeholder 3">
-            <a:extLst>
-              <a:ext uri="{FF2B5EF4-FFF2-40B4-BE49-F238E27FC236}">
-                <a16:creationId xmlns:a16="http://schemas.microsoft.com/office/drawing/2014/main" id="{5DC2235C-EA94-C1E9-D4DB-83056BF4C68F}"/>
-              </a:ext>
-            </a:extLst>
-          </p:cNvPr>
-          <p:cNvSpPr>
-            <a:spLocks noGrp="1"/>
-          </p:cNvSpPr>
-          <p:nvPr>
-            <p:ph type="dt" sz="half" idx="10"/>
-          </p:nvPr>
-        </p:nvSpPr>
-        <p:spPr/>
-        <p:txBody>
-          <a:bodyPr/>
-          <a:lstStyle/>
-          <a:p>
-            <a:fld id="{0D69348B-4620-44E9-BF3F-EACBA9EEF323}" type="datetimeFigureOut">
-              <a:rPr lang="en-US" smtClean="0"/>
-              <a:t>6/13/2024</a:t>
-            </a:fld>
-            <a:endParaRPr lang="en-US"/>
-          </a:p>
-        </p:txBody>
-      </p:sp>
-      <p:sp>
-        <p:nvSpPr>
-          <p:cNvPr id="5" name="Footer Placeholder 4">
-            <a:extLst>
-              <a:ext uri="{FF2B5EF4-FFF2-40B4-BE49-F238E27FC236}">
-                <a16:creationId xmlns:a16="http://schemas.microsoft.com/office/drawing/2014/main" id="{E178E07A-E8A4-2767-2911-D824C588F20D}"/>
-              </a:ext>
-            </a:extLst>
-          </p:cNvPr>
-          <p:cNvSpPr>
-            <a:spLocks noGrp="1"/>
-          </p:cNvSpPr>
-          <p:nvPr>
-            <p:ph type="ftr" sz="quarter" idx="11"/>
-          </p:nvPr>
-        </p:nvSpPr>
-        <p:spPr/>
-        <p:txBody>
-          <a:bodyPr/>
-          <a:lstStyle/>
-          <a:p>
-            <a:endParaRPr lang="en-US"/>
-          </a:p>
-        </p:txBody>
-      </p:sp>
-      <p:sp>
-        <p:nvSpPr>
-          <p:cNvPr id="6" name="Slide Number Placeholder 5">
-            <a:extLst>
-              <a:ext uri="{FF2B5EF4-FFF2-40B4-BE49-F238E27FC236}">
-                <a16:creationId xmlns:a16="http://schemas.microsoft.com/office/drawing/2014/main" id="{6D865987-67F3-82BA-9FFE-7A512551887E}"/>
-              </a:ext>
-            </a:extLst>
-          </p:cNvPr>
-          <p:cNvSpPr>
-            <a:spLocks noGrp="1"/>
-          </p:cNvSpPr>
-          <p:nvPr>
-            <p:ph type="sldNum" sz="quarter" idx="12"/>
-          </p:nvPr>
-        </p:nvSpPr>
-        <p:spPr/>
-        <p:txBody>
-          <a:bodyPr/>
-          <a:lstStyle/>
-          <a:p>
-            <a:fld id="{986C47A0-D0C4-4E8A-BEE9-37B09C3712B2}" type="slidenum">
-              <a:rPr lang="en-US" smtClean="0"/>
-              <a:t>‹#›</a:t>
-            </a:fld>
-            <a:endParaRPr lang="en-US"/>
-          </a:p>
-        </p:txBody>
-      </p:sp>
-    </p:spTree>
-    <p:extLst>
-      <p:ext uri="{BB962C8B-B14F-4D97-AF65-F5344CB8AC3E}">
-        <p14:creationId xmlns:p14="http://schemas.microsoft.com/office/powerpoint/2010/main" val="3968263454"/>
+        <p14:creationId xmlns:p14="http://schemas.microsoft.com/office/powerpoint/2010/main" val="2266235175"/>
       </p:ext>
     </p:extLst>
   </p:cSld>
@@ -3662,720 +3481,6 @@
 </file>
 
 <file path=ppt/slideMasters/slideMaster1.xml><?xml version="1.0" encoding="utf-8"?>
-<p:sldMaster xmlns:a="http://schemas.openxmlformats.org/drawingml/2006/main" xmlns:r="http://schemas.openxmlformats.org/officeDocument/2006/relationships" xmlns:p="http://schemas.openxmlformats.org/presentationml/2006/main" preserve="1">
-  <p:cSld>
-    <p:bg>
-      <p:bgPr>
-        <a:solidFill>
-          <a:schemeClr val="bg1"/>
-        </a:solidFill>
-        <a:effectLst/>
-      </p:bgPr>
-    </p:bg>
-    <p:spTree>
-      <p:nvGrpSpPr>
-        <p:cNvPr id="1" name=""/>
-        <p:cNvGrpSpPr/>
-        <p:nvPr/>
-      </p:nvGrpSpPr>
-      <p:grpSpPr>
-        <a:xfrm>
-          <a:off x="0" y="0"/>
-          <a:ext cx="0" cy="0"/>
-          <a:chOff x="0" y="0"/>
-          <a:chExt cx="0" cy="0"/>
-        </a:xfrm>
-      </p:grpSpPr>
-      <p:pic>
-        <p:nvPicPr>
-          <p:cNvPr id="1026" name="Picture 4"/>
-          <p:cNvPicPr>
-            <a:picLocks noChangeAspect="1"/>
-          </p:cNvPicPr>
-          <p:nvPr/>
-        </p:nvPicPr>
-        <p:blipFill>
-          <a:blip r:embed="rId8">
-            <a:extLst>
-              <a:ext uri="{28A0092B-C50C-407E-A947-70E740481C1C}">
-                <a14:useLocalDpi xmlns:a14="http://schemas.microsoft.com/office/drawing/2010/main"/>
-              </a:ext>
-            </a:extLst>
-          </a:blip>
-          <a:stretch>
-            <a:fillRect/>
-          </a:stretch>
-        </p:blipFill>
-        <p:spPr bwMode="auto">
-          <a:xfrm>
-            <a:off x="0" y="0"/>
-            <a:ext cx="12192000" cy="6858000"/>
-          </a:xfrm>
-          <a:prstGeom prst="rect">
-            <a:avLst/>
-          </a:prstGeom>
-          <a:noFill/>
-          <a:ln>
-            <a:noFill/>
-          </a:ln>
-          <a:extLst>
-            <a:ext uri="{909E8E84-426E-40dd-AFC4-6F175D3DCCD1}">
-              <a14:hiddenFill xmlns:a14="http://schemas.microsoft.com/office/drawing/2010/main" xmlns="">
-                <a:solidFill>
-                  <a:srgbClr val="FFFFFF"/>
-                </a:solidFill>
-              </a14:hiddenFill>
-            </a:ext>
-            <a:ext uri="{91240B29-F687-4f45-9708-019B960494DF}">
-              <a14:hiddenLine xmlns:a14="http://schemas.microsoft.com/office/drawing/2010/main" xmlns="" w="9525">
-                <a:solidFill>
-                  <a:srgbClr val="000000"/>
-                </a:solidFill>
-                <a:miter lim="800000"/>
-                <a:headEnd/>
-                <a:tailEnd/>
-              </a14:hiddenLine>
-            </a:ext>
-          </a:extLst>
-        </p:spPr>
-      </p:pic>
-      <p:sp>
-        <p:nvSpPr>
-          <p:cNvPr id="5" name="Rectangle 4"/>
-          <p:cNvSpPr/>
-          <p:nvPr/>
-        </p:nvSpPr>
-        <p:spPr>
-          <a:xfrm>
-            <a:off x="0" y="6219260"/>
-            <a:ext cx="638629" cy="638740"/>
-          </a:xfrm>
-          <a:prstGeom prst="rect">
-            <a:avLst/>
-          </a:prstGeom>
-          <a:solidFill>
-            <a:schemeClr val="tx1"/>
-          </a:solidFill>
-          <a:ln w="3175">
-            <a:noFill/>
-          </a:ln>
-          <a:effectLst>
-            <a:glow rad="635000">
-              <a:srgbClr val="0071B1">
-                <a:alpha val="10000"/>
-              </a:srgbClr>
-            </a:glow>
-            <a:outerShdw blurRad="40000" dist="23000" dir="5400000" rotWithShape="0">
-              <a:srgbClr val="000000">
-                <a:alpha val="10000"/>
-              </a:srgbClr>
-            </a:outerShdw>
-          </a:effectLst>
-        </p:spPr>
-        <p:style>
-          <a:lnRef idx="1">
-            <a:schemeClr val="accent1"/>
-          </a:lnRef>
-          <a:fillRef idx="3">
-            <a:schemeClr val="accent1"/>
-          </a:fillRef>
-          <a:effectRef idx="2">
-            <a:schemeClr val="accent1"/>
-          </a:effectRef>
-          <a:fontRef idx="minor">
-            <a:schemeClr val="lt1"/>
-          </a:fontRef>
-        </p:style>
-        <p:txBody>
-          <a:bodyPr lIns="121917" tIns="60958" rIns="121917" bIns="60958" rtlCol="0" anchor="ctr"/>
-          <a:lstStyle/>
-          <a:p>
-            <a:pPr algn="ctr"/>
-            <a:endParaRPr lang="en-US"/>
-          </a:p>
-        </p:txBody>
-      </p:sp>
-      <p:pic>
-        <p:nvPicPr>
-          <p:cNvPr id="6" name="Picture 5" descr="2.5 in monogram white.eps"/>
-          <p:cNvPicPr>
-            <a:picLocks noChangeAspect="1"/>
-          </p:cNvPicPr>
-          <p:nvPr/>
-        </p:nvPicPr>
-        <p:blipFill>
-          <a:blip r:embed="rId9" cstate="screen">
-            <a:extLst>
-              <a:ext uri="{28A0092B-C50C-407E-A947-70E740481C1C}">
-                <a14:useLocalDpi xmlns:a14="http://schemas.microsoft.com/office/drawing/2010/main"/>
-              </a:ext>
-            </a:extLst>
-          </a:blip>
-          <a:stretch>
-            <a:fillRect/>
-          </a:stretch>
-        </p:blipFill>
-        <p:spPr>
-          <a:xfrm>
-            <a:off x="132619" y="6419125"/>
-            <a:ext cx="375028" cy="216493"/>
-          </a:xfrm>
-          <a:prstGeom prst="rect">
-            <a:avLst/>
-          </a:prstGeom>
-          <a:effectLst/>
-        </p:spPr>
-      </p:pic>
-      <p:sp>
-        <p:nvSpPr>
-          <p:cNvPr id="7" name="TextBox 6"/>
-          <p:cNvSpPr txBox="1"/>
-          <p:nvPr/>
-        </p:nvSpPr>
-        <p:spPr>
-          <a:xfrm>
-            <a:off x="9448800" y="6400800"/>
-            <a:ext cx="2050822" cy="215444"/>
-          </a:xfrm>
-          <a:prstGeom prst="rect">
-            <a:avLst/>
-          </a:prstGeom>
-          <a:noFill/>
-        </p:spPr>
-        <p:txBody>
-          <a:bodyPr wrap="square" rtlCol="0">
-            <a:spAutoFit/>
-          </a:bodyPr>
-          <a:lstStyle/>
-          <a:p>
-            <a:pPr marL="0" marR="0" indent="0" algn="r" defTabSz="914400" rtl="0" eaLnBrk="0" fontAlgn="base" latinLnBrk="0" hangingPunct="0">
-              <a:lnSpc>
-                <a:spcPct val="100000"/>
-              </a:lnSpc>
-              <a:spcBef>
-                <a:spcPct val="0"/>
-              </a:spcBef>
-              <a:spcAft>
-                <a:spcPct val="0"/>
-              </a:spcAft>
-              <a:buClrTx/>
-              <a:buSzTx/>
-              <a:buFontTx/>
-              <a:buNone/>
-              <a:tabLst/>
-              <a:defRPr/>
-            </a:pPr>
-            <a:r>
-              <a:rPr lang="en-US" sz="800" dirty="0">
-                <a:solidFill>
-                  <a:srgbClr val="FFFFFF"/>
-                </a:solidFill>
-              </a:rPr>
-              <a:t>© Brigham Young University-Idaho</a:t>
-            </a:r>
-          </a:p>
-        </p:txBody>
-      </p:sp>
-      <p:sp>
-        <p:nvSpPr>
-          <p:cNvPr id="2" name="TextBox 1"/>
-          <p:cNvSpPr txBox="1"/>
-          <p:nvPr/>
-        </p:nvSpPr>
-        <p:spPr>
-          <a:xfrm>
-            <a:off x="11582400" y="6352401"/>
-            <a:ext cx="457200" cy="276999"/>
-          </a:xfrm>
-          <a:prstGeom prst="rect">
-            <a:avLst/>
-          </a:prstGeom>
-          <a:noFill/>
-        </p:spPr>
-        <p:txBody>
-          <a:bodyPr wrap="square" rtlCol="0">
-            <a:spAutoFit/>
-          </a:bodyPr>
-          <a:lstStyle/>
-          <a:p>
-            <a:fld id="{2E941A2C-A4B7-174C-86AB-EEB99EBDE1CD}" type="slidenum">
-              <a:rPr lang="en-US" sz="1200" smtClean="0">
-                <a:solidFill>
-                  <a:schemeClr val="bg1"/>
-                </a:solidFill>
-              </a:rPr>
-              <a:t>‹#›</a:t>
-            </a:fld>
-            <a:endParaRPr lang="en-US" sz="1200" dirty="0">
-              <a:solidFill>
-                <a:schemeClr val="bg1"/>
-              </a:solidFill>
-            </a:endParaRPr>
-          </a:p>
-        </p:txBody>
-      </p:sp>
-    </p:spTree>
-    <p:extLst>
-      <p:ext uri="{BB962C8B-B14F-4D97-AF65-F5344CB8AC3E}">
-        <p14:creationId xmlns:p14="http://schemas.microsoft.com/office/powerpoint/2010/main" val="1606318753"/>
-      </p:ext>
-    </p:extLst>
-  </p:cSld>
-  <p:clrMap bg1="lt1" tx1="dk1" bg2="lt2" tx2="dk2" accent1="accent1" accent2="accent2" accent3="accent3" accent4="accent4" accent5="accent5" accent6="accent6" hlink="hlink" folHlink="folHlink"/>
-  <p:sldLayoutIdLst>
-    <p:sldLayoutId id="2147483662" r:id="rId1"/>
-    <p:sldLayoutId id="2147483663" r:id="rId2"/>
-    <p:sldLayoutId id="2147483664" r:id="rId3"/>
-    <p:sldLayoutId id="2147483665" r:id="rId4"/>
-    <p:sldLayoutId id="2147483666" r:id="rId5"/>
-    <p:sldLayoutId id="2147483667" r:id="rId6"/>
-  </p:sldLayoutIdLst>
-  <p:transition>
-    <p:fade/>
-  </p:transition>
-  <p:txStyles>
-    <p:titleStyle>
-      <a:lvl1pPr algn="l" rtl="0" eaLnBrk="1" fontAlgn="base" hangingPunct="1">
-        <a:spcBef>
-          <a:spcPct val="0"/>
-        </a:spcBef>
-        <a:spcAft>
-          <a:spcPct val="0"/>
-        </a:spcAft>
-        <a:defRPr sz="2400">
-          <a:solidFill>
-            <a:schemeClr val="bg1"/>
-          </a:solidFill>
-          <a:latin typeface="+mj-lt"/>
-          <a:ea typeface="ＭＳ Ｐゴシック" charset="0"/>
-          <a:cs typeface="MS PGothic" charset="0"/>
-        </a:defRPr>
-      </a:lvl1pPr>
-      <a:lvl2pPr algn="l" rtl="0" eaLnBrk="1" fontAlgn="base" hangingPunct="1">
-        <a:spcBef>
-          <a:spcPct val="0"/>
-        </a:spcBef>
-        <a:spcAft>
-          <a:spcPct val="0"/>
-        </a:spcAft>
-        <a:defRPr sz="2400">
-          <a:solidFill>
-            <a:schemeClr val="bg1"/>
-          </a:solidFill>
-          <a:latin typeface="Arial" pitchFamily="44" charset="0"/>
-          <a:ea typeface="ＭＳ Ｐゴシック" charset="0"/>
-          <a:cs typeface="MS PGothic" charset="0"/>
-        </a:defRPr>
-      </a:lvl2pPr>
-      <a:lvl3pPr algn="l" rtl="0" eaLnBrk="1" fontAlgn="base" hangingPunct="1">
-        <a:spcBef>
-          <a:spcPct val="0"/>
-        </a:spcBef>
-        <a:spcAft>
-          <a:spcPct val="0"/>
-        </a:spcAft>
-        <a:defRPr sz="2400">
-          <a:solidFill>
-            <a:schemeClr val="bg1"/>
-          </a:solidFill>
-          <a:latin typeface="Arial" pitchFamily="44" charset="0"/>
-          <a:ea typeface="ＭＳ Ｐゴシック" charset="0"/>
-          <a:cs typeface="MS PGothic" charset="0"/>
-        </a:defRPr>
-      </a:lvl3pPr>
-      <a:lvl4pPr algn="l" rtl="0" eaLnBrk="1" fontAlgn="base" hangingPunct="1">
-        <a:spcBef>
-          <a:spcPct val="0"/>
-        </a:spcBef>
-        <a:spcAft>
-          <a:spcPct val="0"/>
-        </a:spcAft>
-        <a:defRPr sz="2400">
-          <a:solidFill>
-            <a:schemeClr val="bg1"/>
-          </a:solidFill>
-          <a:latin typeface="Arial" pitchFamily="44" charset="0"/>
-          <a:ea typeface="ＭＳ Ｐゴシック" charset="0"/>
-          <a:cs typeface="MS PGothic" charset="0"/>
-        </a:defRPr>
-      </a:lvl4pPr>
-      <a:lvl5pPr algn="l" rtl="0" eaLnBrk="1" fontAlgn="base" hangingPunct="1">
-        <a:spcBef>
-          <a:spcPct val="0"/>
-        </a:spcBef>
-        <a:spcAft>
-          <a:spcPct val="0"/>
-        </a:spcAft>
-        <a:defRPr sz="2400">
-          <a:solidFill>
-            <a:schemeClr val="bg1"/>
-          </a:solidFill>
-          <a:latin typeface="Arial" pitchFamily="44" charset="0"/>
-          <a:ea typeface="ＭＳ Ｐゴシック" charset="0"/>
-          <a:cs typeface="MS PGothic" charset="0"/>
-        </a:defRPr>
-      </a:lvl5pPr>
-      <a:lvl6pPr marL="457200" algn="l" rtl="0" eaLnBrk="1" fontAlgn="base" hangingPunct="1">
-        <a:spcBef>
-          <a:spcPct val="0"/>
-        </a:spcBef>
-        <a:spcAft>
-          <a:spcPct val="0"/>
-        </a:spcAft>
-        <a:defRPr sz="2400">
-          <a:solidFill>
-            <a:schemeClr val="bg1"/>
-          </a:solidFill>
-          <a:latin typeface="Arial" pitchFamily="44" charset="0"/>
-          <a:ea typeface="ＭＳ Ｐゴシック" pitchFamily="44" charset="-128"/>
-          <a:cs typeface="ＭＳ Ｐゴシック" pitchFamily="44" charset="-128"/>
-        </a:defRPr>
-      </a:lvl6pPr>
-      <a:lvl7pPr marL="914400" algn="l" rtl="0" eaLnBrk="1" fontAlgn="base" hangingPunct="1">
-        <a:spcBef>
-          <a:spcPct val="0"/>
-        </a:spcBef>
-        <a:spcAft>
-          <a:spcPct val="0"/>
-        </a:spcAft>
-        <a:defRPr sz="2400">
-          <a:solidFill>
-            <a:schemeClr val="bg1"/>
-          </a:solidFill>
-          <a:latin typeface="Arial" pitchFamily="44" charset="0"/>
-          <a:ea typeface="ＭＳ Ｐゴシック" pitchFamily="44" charset="-128"/>
-          <a:cs typeface="ＭＳ Ｐゴシック" pitchFamily="44" charset="-128"/>
-        </a:defRPr>
-      </a:lvl7pPr>
-      <a:lvl8pPr marL="1371600" algn="l" rtl="0" eaLnBrk="1" fontAlgn="base" hangingPunct="1">
-        <a:spcBef>
-          <a:spcPct val="0"/>
-        </a:spcBef>
-        <a:spcAft>
-          <a:spcPct val="0"/>
-        </a:spcAft>
-        <a:defRPr sz="2400">
-          <a:solidFill>
-            <a:schemeClr val="bg1"/>
-          </a:solidFill>
-          <a:latin typeface="Arial" pitchFamily="44" charset="0"/>
-          <a:ea typeface="ＭＳ Ｐゴシック" pitchFamily="44" charset="-128"/>
-          <a:cs typeface="ＭＳ Ｐゴシック" pitchFamily="44" charset="-128"/>
-        </a:defRPr>
-      </a:lvl8pPr>
-      <a:lvl9pPr marL="1828800" algn="l" rtl="0" eaLnBrk="1" fontAlgn="base" hangingPunct="1">
-        <a:spcBef>
-          <a:spcPct val="0"/>
-        </a:spcBef>
-        <a:spcAft>
-          <a:spcPct val="0"/>
-        </a:spcAft>
-        <a:defRPr sz="2400">
-          <a:solidFill>
-            <a:schemeClr val="bg1"/>
-          </a:solidFill>
-          <a:latin typeface="Arial" pitchFamily="44" charset="0"/>
-          <a:ea typeface="ＭＳ Ｐゴシック" pitchFamily="44" charset="-128"/>
-          <a:cs typeface="ＭＳ Ｐゴシック" pitchFamily="44" charset="-128"/>
-        </a:defRPr>
-      </a:lvl9pPr>
-    </p:titleStyle>
-    <p:bodyStyle>
-      <a:lvl1pPr marL="342900" indent="-342900" algn="l" rtl="0" eaLnBrk="1" fontAlgn="base" hangingPunct="1">
-        <a:spcBef>
-          <a:spcPct val="20000"/>
-        </a:spcBef>
-        <a:spcAft>
-          <a:spcPct val="0"/>
-        </a:spcAft>
-        <a:buClr>
-          <a:srgbClr val="606060"/>
-        </a:buClr>
-        <a:buSzPct val="80000"/>
-        <a:buFont typeface="Times" charset="0"/>
-        <a:buChar char="•"/>
-        <a:defRPr sz="2400">
-          <a:solidFill>
-            <a:srgbClr val="FFFFFF"/>
-          </a:solidFill>
-          <a:latin typeface="+mn-lt"/>
-          <a:ea typeface="ＭＳ Ｐゴシック" charset="0"/>
-          <a:cs typeface="MS PGothic" charset="0"/>
-        </a:defRPr>
-      </a:lvl1pPr>
-      <a:lvl2pPr marL="742950" indent="-285750" algn="l" rtl="0" eaLnBrk="1" fontAlgn="base" hangingPunct="1">
-        <a:spcBef>
-          <a:spcPct val="20000"/>
-        </a:spcBef>
-        <a:spcAft>
-          <a:spcPct val="0"/>
-        </a:spcAft>
-        <a:buClr>
-          <a:srgbClr val="606060"/>
-        </a:buClr>
-        <a:buSzPct val="80000"/>
-        <a:buFont typeface="Times" charset="0"/>
-        <a:buChar char="•"/>
-        <a:defRPr sz="2400">
-          <a:solidFill>
-            <a:srgbClr val="FFFFFF"/>
-          </a:solidFill>
-          <a:latin typeface="+mn-lt"/>
-          <a:ea typeface="MS PGothic" panose="020B0600070205080204" pitchFamily="34" charset="-128"/>
-          <a:cs typeface="MS PGothic" charset="0"/>
-        </a:defRPr>
-      </a:lvl2pPr>
-      <a:lvl3pPr marL="1143000" indent="-228600" algn="l" rtl="0" eaLnBrk="1" fontAlgn="base" hangingPunct="1">
-        <a:spcBef>
-          <a:spcPct val="20000"/>
-        </a:spcBef>
-        <a:spcAft>
-          <a:spcPct val="0"/>
-        </a:spcAft>
-        <a:buClr>
-          <a:srgbClr val="606060"/>
-        </a:buClr>
-        <a:buSzPct val="80000"/>
-        <a:buFont typeface="Times" charset="0"/>
-        <a:buChar char="•"/>
-        <a:defRPr sz="2400">
-          <a:solidFill>
-            <a:srgbClr val="FFFFFF"/>
-          </a:solidFill>
-          <a:latin typeface="+mn-lt"/>
-          <a:ea typeface="MS PGothic" panose="020B0600070205080204" pitchFamily="34" charset="-128"/>
-          <a:cs typeface="MS PGothic" charset="0"/>
-        </a:defRPr>
-      </a:lvl3pPr>
-      <a:lvl4pPr marL="1600200" indent="-228600" algn="l" rtl="0" eaLnBrk="1" fontAlgn="base" hangingPunct="1">
-        <a:spcBef>
-          <a:spcPct val="20000"/>
-        </a:spcBef>
-        <a:spcAft>
-          <a:spcPct val="0"/>
-        </a:spcAft>
-        <a:buClr>
-          <a:srgbClr val="606060"/>
-        </a:buClr>
-        <a:buSzPct val="80000"/>
-        <a:buFont typeface="Times" charset="0"/>
-        <a:buChar char="•"/>
-        <a:defRPr sz="2400">
-          <a:solidFill>
-            <a:srgbClr val="FFFFFF"/>
-          </a:solidFill>
-          <a:latin typeface="+mn-lt"/>
-          <a:ea typeface="MS PGothic" panose="020B0600070205080204" pitchFamily="34" charset="-128"/>
-          <a:cs typeface="MS PGothic" charset="0"/>
-        </a:defRPr>
-      </a:lvl4pPr>
-      <a:lvl5pPr marL="2057400" indent="-228600" algn="l" rtl="0" eaLnBrk="1" fontAlgn="base" hangingPunct="1">
-        <a:spcBef>
-          <a:spcPct val="20000"/>
-        </a:spcBef>
-        <a:spcAft>
-          <a:spcPct val="0"/>
-        </a:spcAft>
-        <a:buClr>
-          <a:srgbClr val="606060"/>
-        </a:buClr>
-        <a:buSzPct val="80000"/>
-        <a:buFont typeface="Times" charset="0"/>
-        <a:buChar char="•"/>
-        <a:defRPr sz="2400">
-          <a:solidFill>
-            <a:srgbClr val="FFFFFF"/>
-          </a:solidFill>
-          <a:latin typeface="+mn-lt"/>
-          <a:ea typeface="MS PGothic" panose="020B0600070205080204" pitchFamily="34" charset="-128"/>
-          <a:cs typeface="MS PGothic" charset="0"/>
-        </a:defRPr>
-      </a:lvl5pPr>
-      <a:lvl6pPr marL="2514600" indent="-228600" algn="l" rtl="0" eaLnBrk="1" fontAlgn="base" hangingPunct="1">
-        <a:spcBef>
-          <a:spcPct val="20000"/>
-        </a:spcBef>
-        <a:spcAft>
-          <a:spcPct val="0"/>
-        </a:spcAft>
-        <a:buClr>
-          <a:srgbClr val="1C5696"/>
-        </a:buClr>
-        <a:buSzPct val="80000"/>
-        <a:buFont typeface="Times" pitchFamily="44" charset="0"/>
-        <a:buChar char="•"/>
-        <a:defRPr sz="2400">
-          <a:solidFill>
-            <a:schemeClr val="tx1"/>
-          </a:solidFill>
-          <a:latin typeface="+mn-lt"/>
-          <a:ea typeface="+mn-ea"/>
-        </a:defRPr>
-      </a:lvl6pPr>
-      <a:lvl7pPr marL="2971800" indent="-228600" algn="l" rtl="0" eaLnBrk="1" fontAlgn="base" hangingPunct="1">
-        <a:spcBef>
-          <a:spcPct val="20000"/>
-        </a:spcBef>
-        <a:spcAft>
-          <a:spcPct val="0"/>
-        </a:spcAft>
-        <a:buClr>
-          <a:srgbClr val="1C5696"/>
-        </a:buClr>
-        <a:buSzPct val="80000"/>
-        <a:buFont typeface="Times" pitchFamily="44" charset="0"/>
-        <a:buChar char="•"/>
-        <a:defRPr sz="2400">
-          <a:solidFill>
-            <a:schemeClr val="tx1"/>
-          </a:solidFill>
-          <a:latin typeface="+mn-lt"/>
-          <a:ea typeface="+mn-ea"/>
-        </a:defRPr>
-      </a:lvl7pPr>
-      <a:lvl8pPr marL="3429000" indent="-228600" algn="l" rtl="0" eaLnBrk="1" fontAlgn="base" hangingPunct="1">
-        <a:spcBef>
-          <a:spcPct val="20000"/>
-        </a:spcBef>
-        <a:spcAft>
-          <a:spcPct val="0"/>
-        </a:spcAft>
-        <a:buClr>
-          <a:srgbClr val="1C5696"/>
-        </a:buClr>
-        <a:buSzPct val="80000"/>
-        <a:buFont typeface="Times" pitchFamily="44" charset="0"/>
-        <a:buChar char="•"/>
-        <a:defRPr sz="2400">
-          <a:solidFill>
-            <a:schemeClr val="tx1"/>
-          </a:solidFill>
-          <a:latin typeface="+mn-lt"/>
-          <a:ea typeface="+mn-ea"/>
-        </a:defRPr>
-      </a:lvl8pPr>
-      <a:lvl9pPr marL="3886200" indent="-228600" algn="l" rtl="0" eaLnBrk="1" fontAlgn="base" hangingPunct="1">
-        <a:spcBef>
-          <a:spcPct val="20000"/>
-        </a:spcBef>
-        <a:spcAft>
-          <a:spcPct val="0"/>
-        </a:spcAft>
-        <a:buClr>
-          <a:srgbClr val="1C5696"/>
-        </a:buClr>
-        <a:buSzPct val="80000"/>
-        <a:buFont typeface="Times" pitchFamily="44" charset="0"/>
-        <a:buChar char="•"/>
-        <a:defRPr sz="2400">
-          <a:solidFill>
-            <a:schemeClr val="tx1"/>
-          </a:solidFill>
-          <a:latin typeface="+mn-lt"/>
-          <a:ea typeface="+mn-ea"/>
-        </a:defRPr>
-      </a:lvl9pPr>
-    </p:bodyStyle>
-    <p:otherStyle>
-      <a:defPPr>
-        <a:defRPr lang="en-US"/>
-      </a:defPPr>
-      <a:lvl1pPr marL="0" algn="l" defTabSz="457200" rtl="0" eaLnBrk="1" latinLnBrk="0" hangingPunct="1">
-        <a:defRPr sz="1800" kern="1200">
-          <a:solidFill>
-            <a:schemeClr val="tx1"/>
-          </a:solidFill>
-          <a:latin typeface="+mn-lt"/>
-          <a:ea typeface="+mn-ea"/>
-          <a:cs typeface="+mn-cs"/>
-        </a:defRPr>
-      </a:lvl1pPr>
-      <a:lvl2pPr marL="457200" algn="l" defTabSz="457200" rtl="0" eaLnBrk="1" latinLnBrk="0" hangingPunct="1">
-        <a:defRPr sz="1800" kern="1200">
-          <a:solidFill>
-            <a:schemeClr val="tx1"/>
-          </a:solidFill>
-          <a:latin typeface="+mn-lt"/>
-          <a:ea typeface="+mn-ea"/>
-          <a:cs typeface="+mn-cs"/>
-        </a:defRPr>
-      </a:lvl2pPr>
-      <a:lvl3pPr marL="914400" algn="l" defTabSz="457200" rtl="0" eaLnBrk="1" latinLnBrk="0" hangingPunct="1">
-        <a:defRPr sz="1800" kern="1200">
-          <a:solidFill>
-            <a:schemeClr val="tx1"/>
-          </a:solidFill>
-          <a:latin typeface="+mn-lt"/>
-          <a:ea typeface="+mn-ea"/>
-          <a:cs typeface="+mn-cs"/>
-        </a:defRPr>
-      </a:lvl3pPr>
-      <a:lvl4pPr marL="1371600" algn="l" defTabSz="457200" rtl="0" eaLnBrk="1" latinLnBrk="0" hangingPunct="1">
-        <a:defRPr sz="1800" kern="1200">
-          <a:solidFill>
-            <a:schemeClr val="tx1"/>
-          </a:solidFill>
-          <a:latin typeface="+mn-lt"/>
-          <a:ea typeface="+mn-ea"/>
-          <a:cs typeface="+mn-cs"/>
-        </a:defRPr>
-      </a:lvl4pPr>
-      <a:lvl5pPr marL="1828800" algn="l" defTabSz="457200" rtl="0" eaLnBrk="1" latinLnBrk="0" hangingPunct="1">
-        <a:defRPr sz="1800" kern="1200">
-          <a:solidFill>
-            <a:schemeClr val="tx1"/>
-          </a:solidFill>
-          <a:latin typeface="+mn-lt"/>
-          <a:ea typeface="+mn-ea"/>
-          <a:cs typeface="+mn-cs"/>
-        </a:defRPr>
-      </a:lvl5pPr>
-      <a:lvl6pPr marL="2286000" algn="l" defTabSz="457200" rtl="0" eaLnBrk="1" latinLnBrk="0" hangingPunct="1">
-        <a:defRPr sz="1800" kern="1200">
-          <a:solidFill>
-            <a:schemeClr val="tx1"/>
-          </a:solidFill>
-          <a:latin typeface="+mn-lt"/>
-          <a:ea typeface="+mn-ea"/>
-          <a:cs typeface="+mn-cs"/>
-        </a:defRPr>
-      </a:lvl6pPr>
-      <a:lvl7pPr marL="2743200" algn="l" defTabSz="457200" rtl="0" eaLnBrk="1" latinLnBrk="0" hangingPunct="1">
-        <a:defRPr sz="1800" kern="1200">
-          <a:solidFill>
-            <a:schemeClr val="tx1"/>
-          </a:solidFill>
-          <a:latin typeface="+mn-lt"/>
-          <a:ea typeface="+mn-ea"/>
-          <a:cs typeface="+mn-cs"/>
-        </a:defRPr>
-      </a:lvl7pPr>
-      <a:lvl8pPr marL="3200400" algn="l" defTabSz="457200" rtl="0" eaLnBrk="1" latinLnBrk="0" hangingPunct="1">
-        <a:defRPr sz="1800" kern="1200">
-          <a:solidFill>
-            <a:schemeClr val="tx1"/>
-          </a:solidFill>
-          <a:latin typeface="+mn-lt"/>
-          <a:ea typeface="+mn-ea"/>
-          <a:cs typeface="+mn-cs"/>
-        </a:defRPr>
-      </a:lvl8pPr>
-      <a:lvl9pPr marL="3657600" algn="l" defTabSz="457200" rtl="0" eaLnBrk="1" latinLnBrk="0" hangingPunct="1">
-        <a:defRPr sz="1800" kern="1200">
-          <a:solidFill>
-            <a:schemeClr val="tx1"/>
-          </a:solidFill>
-          <a:latin typeface="+mn-lt"/>
-          <a:ea typeface="+mn-ea"/>
-          <a:cs typeface="+mn-cs"/>
-        </a:defRPr>
-      </a:lvl9pPr>
-    </p:otherStyle>
-  </p:txStyles>
-</p:sldMaster>
-</file>
-
-<file path=ppt/slideMasters/slideMaster2.xml><?xml version="1.0" encoding="utf-8"?>
 <p:sldMaster xmlns:a="http://schemas.openxmlformats.org/drawingml/2006/main" xmlns:r="http://schemas.openxmlformats.org/officeDocument/2006/relationships" xmlns:p="http://schemas.openxmlformats.org/presentationml/2006/main">
   <p:cSld>
     <p:bg>
@@ -4397,244 +3502,131 @@
           <a:chExt cx="0" cy="0"/>
         </a:xfrm>
       </p:grpSpPr>
-      <p:sp>
-        <p:nvSpPr>
-          <p:cNvPr id="2" name="Title Placeholder 1">
-            <a:extLst>
-              <a:ext uri="{FF2B5EF4-FFF2-40B4-BE49-F238E27FC236}">
-                <a16:creationId xmlns:a16="http://schemas.microsoft.com/office/drawing/2014/main" id="{DADBBF7B-0A87-603A-6F96-ED995D2876BC}"/>
-              </a:ext>
-            </a:extLst>
-          </p:cNvPr>
-          <p:cNvSpPr>
-            <a:spLocks noGrp="1"/>
-          </p:cNvSpPr>
-          <p:nvPr>
-            <p:ph type="title"/>
-          </p:nvPr>
-        </p:nvSpPr>
-        <p:spPr>
-          <a:xfrm>
-            <a:off x="838200" y="365125"/>
-            <a:ext cx="10515600" cy="1325563"/>
+      <p:pic>
+        <p:nvPicPr>
+          <p:cNvPr id="7" name="Picture 6">
+            <a:extLst>
+              <a:ext uri="{FF2B5EF4-FFF2-40B4-BE49-F238E27FC236}">
+                <a16:creationId xmlns:a16="http://schemas.microsoft.com/office/drawing/2014/main" id="{AEB2CF3C-8982-A5D5-05DB-5BF3F09E24AE}"/>
+              </a:ext>
+              <a:ext uri="{C183D7F6-B498-43B3-948B-1728B52AA6E4}">
+                <adec:decorative xmlns:adec="http://schemas.microsoft.com/office/drawing/2017/decorative" val="1"/>
+              </a:ext>
+            </a:extLst>
+          </p:cNvPr>
+          <p:cNvPicPr>
+            <a:picLocks noChangeAspect="1"/>
+          </p:cNvPicPr>
+          <p:nvPr userDrawn="1"/>
+        </p:nvPicPr>
+        <p:blipFill>
+          <a:blip r:embed="rId15">
+            <a:extLst>
+              <a:ext uri="{28A0092B-C50C-407E-A947-70E740481C1C}">
+                <a14:useLocalDpi xmlns:a14="http://schemas.microsoft.com/office/drawing/2010/main" val="0"/>
+              </a:ext>
+            </a:extLst>
+          </a:blip>
+          <a:stretch>
+            <a:fillRect/>
+          </a:stretch>
+        </p:blipFill>
+        <p:spPr>
+          <a:xfrm>
+            <a:off x="212436" y="236453"/>
+            <a:ext cx="11767127" cy="787737"/>
           </a:xfrm>
           <a:prstGeom prst="rect">
             <a:avLst/>
           </a:prstGeom>
         </p:spPr>
-        <p:txBody>
-          <a:bodyPr vert="horz" lIns="91440" tIns="45720" rIns="91440" bIns="45720" rtlCol="0" anchor="ctr">
-            <a:normAutofit/>
-          </a:bodyPr>
-          <a:lstStyle/>
-          <a:p>
-            <a:r>
-              <a:rPr lang="en-US"/>
-              <a:t>Click to edit Master title style</a:t>
-            </a:r>
-          </a:p>
-        </p:txBody>
-      </p:sp>
-      <p:sp>
-        <p:nvSpPr>
-          <p:cNvPr id="3" name="Text Placeholder 2">
-            <a:extLst>
-              <a:ext uri="{FF2B5EF4-FFF2-40B4-BE49-F238E27FC236}">
-                <a16:creationId xmlns:a16="http://schemas.microsoft.com/office/drawing/2014/main" id="{1EBB9990-0CBB-2977-C631-37F97EB6D7A7}"/>
-              </a:ext>
-            </a:extLst>
-          </p:cNvPr>
-          <p:cNvSpPr>
-            <a:spLocks noGrp="1"/>
-          </p:cNvSpPr>
-          <p:nvPr>
-            <p:ph type="body" idx="1"/>
-          </p:nvPr>
-        </p:nvSpPr>
-        <p:spPr>
-          <a:xfrm>
-            <a:off x="838200" y="1825625"/>
-            <a:ext cx="10515600" cy="4351338"/>
+      </p:pic>
+      <p:cxnSp>
+        <p:nvCxnSpPr>
+          <p:cNvPr id="9" name="Straight Connector 8">
+            <a:extLst>
+              <a:ext uri="{FF2B5EF4-FFF2-40B4-BE49-F238E27FC236}">
+                <a16:creationId xmlns:a16="http://schemas.microsoft.com/office/drawing/2014/main" id="{DE7FEFD9-5638-352F-A6ED-06F1FDE322D4}"/>
+              </a:ext>
+            </a:extLst>
+          </p:cNvPr>
+          <p:cNvCxnSpPr>
+            <a:cxnSpLocks/>
+          </p:cNvCxnSpPr>
+          <p:nvPr userDrawn="1"/>
+        </p:nvCxnSpPr>
+        <p:spPr>
+          <a:xfrm>
+            <a:off x="175490" y="1099127"/>
+            <a:ext cx="11841020" cy="0"/>
+          </a:xfrm>
+          <a:prstGeom prst="line">
+            <a:avLst/>
+          </a:prstGeom>
+          <a:ln w="38100">
+            <a:solidFill>
+              <a:srgbClr val="A13C39"/>
+            </a:solidFill>
+          </a:ln>
+        </p:spPr>
+        <p:style>
+          <a:lnRef idx="2">
+            <a:schemeClr val="accent1"/>
+          </a:lnRef>
+          <a:fillRef idx="0">
+            <a:schemeClr val="accent1"/>
+          </a:fillRef>
+          <a:effectRef idx="1">
+            <a:schemeClr val="accent1"/>
+          </a:effectRef>
+          <a:fontRef idx="minor">
+            <a:schemeClr val="tx1"/>
+          </a:fontRef>
+        </p:style>
+      </p:cxnSp>
+      <p:sp>
+        <p:nvSpPr>
+          <p:cNvPr id="11" name="Rectangle 10">
+            <a:extLst>
+              <a:ext uri="{FF2B5EF4-FFF2-40B4-BE49-F238E27FC236}">
+                <a16:creationId xmlns:a16="http://schemas.microsoft.com/office/drawing/2014/main" id="{910C5C32-408D-8072-82C8-297384424B54}"/>
+              </a:ext>
+            </a:extLst>
+          </p:cNvPr>
+          <p:cNvSpPr/>
+          <p:nvPr userDrawn="1"/>
+        </p:nvSpPr>
+        <p:spPr>
+          <a:xfrm>
+            <a:off x="175492" y="184727"/>
+            <a:ext cx="11841018" cy="6493164"/>
           </a:xfrm>
           <a:prstGeom prst="rect">
             <a:avLst/>
           </a:prstGeom>
-        </p:spPr>
-        <p:txBody>
-          <a:bodyPr vert="horz" lIns="91440" tIns="45720" rIns="91440" bIns="45720" rtlCol="0">
-            <a:normAutofit/>
-          </a:bodyPr>
-          <a:lstStyle/>
-          <a:p>
-            <a:pPr lvl="0"/>
-            <a:r>
-              <a:rPr lang="en-US"/>
-              <a:t>Click to edit Master text styles</a:t>
-            </a:r>
-          </a:p>
-          <a:p>
-            <a:pPr lvl="1"/>
-            <a:r>
-              <a:rPr lang="en-US"/>
-              <a:t>Second level</a:t>
-            </a:r>
-          </a:p>
-          <a:p>
-            <a:pPr lvl="2"/>
-            <a:r>
-              <a:rPr lang="en-US"/>
-              <a:t>Third level</a:t>
-            </a:r>
-          </a:p>
-          <a:p>
-            <a:pPr lvl="3"/>
-            <a:r>
-              <a:rPr lang="en-US"/>
-              <a:t>Fourth level</a:t>
-            </a:r>
-          </a:p>
-          <a:p>
-            <a:pPr lvl="4"/>
-            <a:r>
-              <a:rPr lang="en-US"/>
-              <a:t>Fifth level</a:t>
-            </a:r>
-          </a:p>
-        </p:txBody>
-      </p:sp>
-      <p:sp>
-        <p:nvSpPr>
-          <p:cNvPr id="4" name="Date Placeholder 3">
-            <a:extLst>
-              <a:ext uri="{FF2B5EF4-FFF2-40B4-BE49-F238E27FC236}">
-                <a16:creationId xmlns:a16="http://schemas.microsoft.com/office/drawing/2014/main" id="{F336638E-F817-1BC9-ECB7-18071DC44D12}"/>
-              </a:ext>
-            </a:extLst>
-          </p:cNvPr>
-          <p:cNvSpPr>
-            <a:spLocks noGrp="1"/>
-          </p:cNvSpPr>
-          <p:nvPr>
-            <p:ph type="dt" sz="half" idx="2"/>
-          </p:nvPr>
-        </p:nvSpPr>
-        <p:spPr>
-          <a:xfrm>
-            <a:off x="838200" y="6356350"/>
-            <a:ext cx="2743200" cy="365125"/>
-          </a:xfrm>
-          <a:prstGeom prst="rect">
-            <a:avLst/>
-          </a:prstGeom>
-        </p:spPr>
-        <p:txBody>
-          <a:bodyPr vert="horz" lIns="91440" tIns="45720" rIns="91440" bIns="45720" rtlCol="0" anchor="ctr"/>
-          <a:lstStyle>
-            <a:lvl1pPr algn="l">
-              <a:defRPr sz="1200">
-                <a:solidFill>
-                  <a:schemeClr val="tx1">
-                    <a:tint val="75000"/>
-                  </a:schemeClr>
-                </a:solidFill>
-              </a:defRPr>
-            </a:lvl1pPr>
-          </a:lstStyle>
-          <a:p>
-            <a:fld id="{0D69348B-4620-44E9-BF3F-EACBA9EEF323}" type="datetimeFigureOut">
-              <a:rPr lang="en-US" smtClean="0"/>
-              <a:t>6/13/2024</a:t>
-            </a:fld>
-            <a:endParaRPr lang="en-US"/>
-          </a:p>
-        </p:txBody>
-      </p:sp>
-      <p:sp>
-        <p:nvSpPr>
-          <p:cNvPr id="5" name="Footer Placeholder 4">
-            <a:extLst>
-              <a:ext uri="{FF2B5EF4-FFF2-40B4-BE49-F238E27FC236}">
-                <a16:creationId xmlns:a16="http://schemas.microsoft.com/office/drawing/2014/main" id="{60C57151-F515-08FA-FD9F-F59EDF1B6581}"/>
-              </a:ext>
-            </a:extLst>
-          </p:cNvPr>
-          <p:cNvSpPr>
-            <a:spLocks noGrp="1"/>
-          </p:cNvSpPr>
-          <p:nvPr>
-            <p:ph type="ftr" sz="quarter" idx="3"/>
-          </p:nvPr>
-        </p:nvSpPr>
-        <p:spPr>
-          <a:xfrm>
-            <a:off x="4038600" y="6356350"/>
-            <a:ext cx="4114800" cy="365125"/>
-          </a:xfrm>
-          <a:prstGeom prst="rect">
-            <a:avLst/>
-          </a:prstGeom>
-        </p:spPr>
-        <p:txBody>
-          <a:bodyPr vert="horz" lIns="91440" tIns="45720" rIns="91440" bIns="45720" rtlCol="0" anchor="ctr"/>
-          <a:lstStyle>
-            <a:lvl1pPr algn="ctr">
-              <a:defRPr sz="1200">
-                <a:solidFill>
-                  <a:schemeClr val="tx1">
-                    <a:tint val="75000"/>
-                  </a:schemeClr>
-                </a:solidFill>
-              </a:defRPr>
-            </a:lvl1pPr>
-          </a:lstStyle>
-          <a:p>
-            <a:endParaRPr lang="en-US"/>
-          </a:p>
-        </p:txBody>
-      </p:sp>
-      <p:sp>
-        <p:nvSpPr>
-          <p:cNvPr id="6" name="Slide Number Placeholder 5">
-            <a:extLst>
-              <a:ext uri="{FF2B5EF4-FFF2-40B4-BE49-F238E27FC236}">
-                <a16:creationId xmlns:a16="http://schemas.microsoft.com/office/drawing/2014/main" id="{F7D361D9-183D-9DF9-C01C-5B530B1CB880}"/>
-              </a:ext>
-            </a:extLst>
-          </p:cNvPr>
-          <p:cNvSpPr>
-            <a:spLocks noGrp="1"/>
-          </p:cNvSpPr>
-          <p:nvPr>
-            <p:ph type="sldNum" sz="quarter" idx="4"/>
-          </p:nvPr>
-        </p:nvSpPr>
-        <p:spPr>
-          <a:xfrm>
-            <a:off x="8610600" y="6356350"/>
-            <a:ext cx="2743200" cy="365125"/>
-          </a:xfrm>
-          <a:prstGeom prst="rect">
-            <a:avLst/>
-          </a:prstGeom>
-        </p:spPr>
-        <p:txBody>
-          <a:bodyPr vert="horz" lIns="91440" tIns="45720" rIns="91440" bIns="45720" rtlCol="0" anchor="ctr"/>
-          <a:lstStyle>
-            <a:lvl1pPr algn="r">
-              <a:defRPr sz="1200">
-                <a:solidFill>
-                  <a:schemeClr val="tx1">
-                    <a:tint val="75000"/>
-                  </a:schemeClr>
-                </a:solidFill>
-              </a:defRPr>
-            </a:lvl1pPr>
-          </a:lstStyle>
-          <a:p>
-            <a:fld id="{986C47A0-D0C4-4E8A-BEE9-37B09C3712B2}" type="slidenum">
-              <a:rPr lang="en-US" smtClean="0"/>
-              <a:t>‹#›</a:t>
-            </a:fld>
+          <a:noFill/>
+        </p:spPr>
+        <p:style>
+          <a:lnRef idx="2">
+            <a:schemeClr val="accent1">
+              <a:shade val="15000"/>
+            </a:schemeClr>
+          </a:lnRef>
+          <a:fillRef idx="1">
+            <a:schemeClr val="accent1"/>
+          </a:fillRef>
+          <a:effectRef idx="0">
+            <a:schemeClr val="accent1"/>
+          </a:effectRef>
+          <a:fontRef idx="minor">
+            <a:schemeClr val="lt1"/>
+          </a:fontRef>
+        </p:style>
+        <p:txBody>
+          <a:bodyPr rtlCol="0" anchor="ctr"/>
+          <a:lstStyle/>
+          <a:p>
+            <a:pPr algn="ctr"/>
             <a:endParaRPr lang="en-US"/>
           </a:p>
         </p:txBody>
@@ -4642,28 +3634,29 @@
     </p:spTree>
     <p:extLst>
       <p:ext uri="{BB962C8B-B14F-4D97-AF65-F5344CB8AC3E}">
-        <p14:creationId xmlns:p14="http://schemas.microsoft.com/office/powerpoint/2010/main" val="3136267371"/>
+        <p14:creationId xmlns:p14="http://schemas.microsoft.com/office/powerpoint/2010/main" val="466850387"/>
       </p:ext>
     </p:extLst>
   </p:cSld>
   <p:clrMap bg1="lt1" tx1="dk1" bg2="lt2" tx2="dk2" accent1="accent1" accent2="accent2" accent3="accent3" accent4="accent4" accent5="accent5" accent6="accent6" hlink="hlink" folHlink="folHlink"/>
   <p:sldLayoutIdLst>
-    <p:sldLayoutId id="2147483682" r:id="rId1"/>
-    <p:sldLayoutId id="2147483683" r:id="rId2"/>
-    <p:sldLayoutId id="2147483684" r:id="rId3"/>
-    <p:sldLayoutId id="2147483685" r:id="rId4"/>
-    <p:sldLayoutId id="2147483686" r:id="rId5"/>
-    <p:sldLayoutId id="2147483687" r:id="rId6"/>
-    <p:sldLayoutId id="2147483688" r:id="rId7"/>
-    <p:sldLayoutId id="2147483689" r:id="rId8"/>
-    <p:sldLayoutId id="2147483690" r:id="rId9"/>
-    <p:sldLayoutId id="2147483691" r:id="rId10"/>
-    <p:sldLayoutId id="2147483692" r:id="rId11"/>
-    <p:sldLayoutId id="2147483693" r:id="rId12"/>
+    <p:sldLayoutId id="2147483649" r:id="rId1"/>
+    <p:sldLayoutId id="2147483650" r:id="rId2"/>
+    <p:sldLayoutId id="2147483651" r:id="rId3"/>
+    <p:sldLayoutId id="2147483652" r:id="rId4"/>
+    <p:sldLayoutId id="2147483653" r:id="rId5"/>
+    <p:sldLayoutId id="2147483654" r:id="rId6"/>
+    <p:sldLayoutId id="2147483655" r:id="rId7"/>
+    <p:sldLayoutId id="2147483656" r:id="rId8"/>
+    <p:sldLayoutId id="2147483657" r:id="rId9"/>
+    <p:sldLayoutId id="2147483658" r:id="rId10"/>
+    <p:sldLayoutId id="2147483659" r:id="rId11"/>
+    <p:sldLayoutId id="2147483660" r:id="rId12"/>
+    <p:sldLayoutId id="2147483661" r:id="rId13"/>
   </p:sldLayoutIdLst>
   <p:txStyles>
     <p:titleStyle>
-      <a:lvl1pPr algn="l" defTabSz="914400" rtl="0" eaLnBrk="1" latinLnBrk="0" hangingPunct="1">
+      <a:lvl1pPr algn="ctr" defTabSz="914400" rtl="0" eaLnBrk="1" latinLnBrk="0" hangingPunct="1">
         <a:lnSpc>
           <a:spcPct val="90000"/>
         </a:lnSpc>
@@ -4977,7 +3970,12 @@
             <p:ph type="ctrTitle"/>
           </p:nvPr>
         </p:nvSpPr>
-        <p:spPr/>
+        <p:spPr>
+          <a:xfrm>
+            <a:off x="1524000" y="1719263"/>
+            <a:ext cx="9144000" cy="2387600"/>
+          </a:xfrm>
+        </p:spPr>
         <p:txBody>
           <a:bodyPr/>
           <a:lstStyle/>
@@ -5005,7 +4003,12 @@
             <p:ph type="subTitle" idx="1"/>
           </p:nvPr>
         </p:nvSpPr>
-        <p:spPr/>
+        <p:spPr>
+          <a:xfrm>
+            <a:off x="1524000" y="4164013"/>
+            <a:ext cx="9144000" cy="1655762"/>
+          </a:xfrm>
+        </p:spPr>
         <p:txBody>
           <a:bodyPr/>
           <a:lstStyle/>
@@ -5063,10 +4066,15 @@
             <p:ph type="body" sz="quarter" idx="10"/>
           </p:nvPr>
         </p:nvSpPr>
-        <p:spPr/>
+        <p:spPr>
+          <a:xfrm>
+            <a:off x="323529" y="1225334"/>
+            <a:ext cx="11573197" cy="724247"/>
+          </a:xfrm>
+        </p:spPr>
         <p:txBody>
           <a:bodyPr>
-            <a:normAutofit fontScale="92500" lnSpcReduction="10000"/>
+            <a:normAutofit fontScale="92500" lnSpcReduction="20000"/>
           </a:bodyPr>
           <a:lstStyle/>
           <a:p>
@@ -5092,7 +4100,7 @@
         </p:nvSpPr>
         <p:spPr>
           <a:xfrm>
-            <a:off x="1268392" y="1064888"/>
+            <a:off x="1282524" y="1893563"/>
             <a:ext cx="9655207" cy="4708981"/>
           </a:xfrm>
           <a:prstGeom prst="rect">
@@ -5304,10 +4312,15 @@
             <p:ph type="body" sz="quarter" idx="10"/>
           </p:nvPr>
         </p:nvSpPr>
-        <p:spPr/>
+        <p:spPr>
+          <a:xfrm>
+            <a:off x="323529" y="1234859"/>
+            <a:ext cx="11573197" cy="724247"/>
+          </a:xfrm>
+        </p:spPr>
         <p:txBody>
           <a:bodyPr>
-            <a:normAutofit fontScale="92500" lnSpcReduction="10000"/>
+            <a:normAutofit fontScale="92500" lnSpcReduction="20000"/>
           </a:bodyPr>
           <a:lstStyle/>
           <a:p>
@@ -5333,8 +4346,8 @@
         </p:nvSpPr>
         <p:spPr>
           <a:xfrm>
-            <a:off x="1268392" y="1064888"/>
-            <a:ext cx="9655207" cy="4708981"/>
+            <a:off x="1282524" y="2026913"/>
+            <a:ext cx="9655207" cy="4401205"/>
           </a:xfrm>
           <a:prstGeom prst="rect">
             <a:avLst/>
@@ -5368,13 +4381,6 @@
             </a:r>
           </a:p>
           <a:p>
-            <a:pPr marL="342900" indent="-342900">
-              <a:buFont typeface="Arial" panose="020B0604020202020204" pitchFamily="34" charset="0"/>
-              <a:buChar char="•"/>
-            </a:pPr>
-            <a:endParaRPr lang="en-US" sz="2000" dirty="0"/>
-          </a:p>
-          <a:p>
             <a:endParaRPr lang="en-US" sz="2000" dirty="0"/>
           </a:p>
           <a:p>
@@ -5422,12 +4428,8 @@
               <a:t>IPrintable</a:t>
             </a:r>
             <a:r>
-              <a:rPr lang="en-US" sz="2000" i="1"/>
-              <a:t> and implements </a:t>
-            </a:r>
-            <a:r>
               <a:rPr lang="en-US" sz="2000" i="1" dirty="0"/>
-              <a:t>its methods,</a:t>
+              <a:t> and implements its methods,</a:t>
             </a:r>
           </a:p>
           <a:p>
@@ -5485,10 +4487,15 @@
             <p:ph type="body" sz="quarter" idx="10"/>
           </p:nvPr>
         </p:nvSpPr>
-        <p:spPr/>
+        <p:spPr>
+          <a:xfrm>
+            <a:off x="323529" y="1244384"/>
+            <a:ext cx="11573197" cy="724247"/>
+          </a:xfrm>
+        </p:spPr>
         <p:txBody>
           <a:bodyPr>
-            <a:normAutofit fontScale="92500" lnSpcReduction="10000"/>
+            <a:normAutofit fontScale="92500" lnSpcReduction="20000"/>
           </a:bodyPr>
           <a:lstStyle/>
           <a:p>
@@ -5513,8 +4520,8 @@
         </p:nvSpPr>
         <p:spPr>
           <a:xfrm>
-            <a:off x="1268392" y="1054728"/>
-            <a:ext cx="9655207" cy="5016758"/>
+            <a:off x="1282524" y="1892928"/>
+            <a:ext cx="9655207" cy="4770537"/>
           </a:xfrm>
           <a:prstGeom prst="rect">
             <a:avLst/>
@@ -5532,15 +4539,15 @@
               <a:buChar char="•"/>
             </a:pPr>
             <a:r>
-              <a:rPr lang="en-US" sz="2000" dirty="0"/>
+              <a:rPr lang="en-US" sz="1900" dirty="0"/>
               <a:t>Organize related data and code together into a structured object </a:t>
             </a:r>
             <a:r>
-              <a:rPr lang="en-US" sz="2000" b="1" i="1" dirty="0"/>
+              <a:rPr lang="en-US" sz="1900" b="1" i="1" dirty="0"/>
               <a:t>instance</a:t>
             </a:r>
             <a:r>
-              <a:rPr lang="en-US" sz="2000" dirty="0"/>
+              <a:rPr lang="en-US" sz="1900" dirty="0"/>
               <a:t>.</a:t>
             </a:r>
           </a:p>
@@ -5550,15 +4557,15 @@
               <a:buChar char="•"/>
             </a:pPr>
             <a:r>
-              <a:rPr lang="en-US" sz="2000" dirty="0"/>
+              <a:rPr lang="en-US" sz="1900" dirty="0"/>
               <a:t>For each data field inside an object, we will call it a </a:t>
             </a:r>
             <a:r>
-              <a:rPr lang="en-US" sz="2000" b="1" i="1" dirty="0"/>
+              <a:rPr lang="en-US" sz="1900" b="1" i="1" dirty="0"/>
               <a:t>property</a:t>
             </a:r>
             <a:r>
-              <a:rPr lang="en-US" sz="2000" dirty="0"/>
+              <a:rPr lang="en-US" sz="1900" dirty="0"/>
               <a:t>.</a:t>
             </a:r>
           </a:p>
@@ -5568,15 +4575,15 @@
               <a:buChar char="•"/>
             </a:pPr>
             <a:r>
-              <a:rPr lang="en-US" sz="2000" dirty="0"/>
+              <a:rPr lang="en-US" sz="1900" dirty="0"/>
               <a:t>For each coded function of an object, we will call it a </a:t>
             </a:r>
             <a:r>
-              <a:rPr lang="en-US" sz="2000" b="1" i="1" dirty="0"/>
+              <a:rPr lang="en-US" sz="1900" b="1" i="1" dirty="0"/>
               <a:t>method</a:t>
             </a:r>
             <a:r>
-              <a:rPr lang="en-US" sz="2000" dirty="0"/>
+              <a:rPr lang="en-US" sz="1900" dirty="0"/>
               <a:t>.</a:t>
             </a:r>
           </a:p>
@@ -5586,15 +4593,15 @@
               <a:buChar char="•"/>
             </a:pPr>
             <a:r>
-              <a:rPr lang="en-US" sz="2000" dirty="0"/>
+              <a:rPr lang="en-US" sz="1900" dirty="0"/>
               <a:t>We will also refer to a property or method as a </a:t>
             </a:r>
             <a:r>
-              <a:rPr lang="en-US" sz="2000" b="1" i="1" dirty="0"/>
+              <a:rPr lang="en-US" sz="1900" b="1" i="1" dirty="0"/>
               <a:t>member</a:t>
             </a:r>
             <a:r>
-              <a:rPr lang="en-US" sz="2000" dirty="0"/>
+              <a:rPr lang="en-US" sz="1900" dirty="0"/>
               <a:t> of the object.</a:t>
             </a:r>
           </a:p>
@@ -5604,15 +4611,15 @@
               <a:buChar char="•"/>
             </a:pPr>
             <a:r>
-              <a:rPr lang="en-US" sz="2000" dirty="0"/>
+              <a:rPr lang="en-US" sz="1900" dirty="0"/>
               <a:t>To get at the data or execute the code contained inside of an object, other software will send the object a </a:t>
             </a:r>
             <a:r>
-              <a:rPr lang="en-US" sz="2000" b="1" i="1" dirty="0"/>
+              <a:rPr lang="en-US" sz="1900" b="1" i="1" dirty="0"/>
               <a:t>message</a:t>
             </a:r>
             <a:r>
-              <a:rPr lang="en-US" sz="2000" dirty="0"/>
+              <a:rPr lang="en-US" sz="1900" dirty="0"/>
               <a:t>.</a:t>
             </a:r>
           </a:p>
@@ -5621,7 +4628,7 @@
               <a:buFont typeface="Arial" panose="020B0604020202020204" pitchFamily="34" charset="0"/>
               <a:buChar char="•"/>
             </a:pPr>
-            <a:endParaRPr lang="en-US" sz="2000" dirty="0"/>
+            <a:endParaRPr lang="en-US" sz="1900" dirty="0"/>
           </a:p>
           <a:p>
             <a:pPr marL="342900" indent="-342900">
@@ -5629,7 +4636,7 @@
               <a:buChar char="•"/>
             </a:pPr>
             <a:r>
-              <a:rPr lang="en-US" sz="2000" dirty="0"/>
+              <a:rPr lang="en-US" sz="1900" dirty="0"/>
               <a:t>Example: in the I-Plan “grad planner,” each course is a structured object. This course has at least three properties: its name is “Advanced Scripting,” its code is “CYBER 360,” and its credit hours are “3.” It also appears to have at least two methods: you can schedule it into (or un-schedule it from) a particular semester.</a:t>
             </a:r>
           </a:p>
@@ -5638,7 +4645,7 @@
               <a:buFont typeface="Arial" panose="020B0604020202020204" pitchFamily="34" charset="0"/>
               <a:buChar char="•"/>
             </a:pPr>
-            <a:endParaRPr lang="en-US" sz="2000" dirty="0"/>
+            <a:endParaRPr lang="en-US" sz="1900" dirty="0"/>
           </a:p>
           <a:p>
             <a:pPr marL="800100" lvl="1" indent="-342900">
@@ -5646,7 +4653,7 @@
               <a:buChar char="•"/>
             </a:pPr>
             <a:r>
-              <a:rPr lang="en-US" sz="2000" i="1" dirty="0"/>
+              <a:rPr lang="en-US" sz="1900" i="1" dirty="0"/>
               <a:t>(Aside: encapsulation also refers to an object’s “rules of engagement,” where some members are “public” so that other software may interact with them, and others are “private” internal details, kept hidden from other software. For our course’s purposes, this aspect of encapsulation won’t yet be important.)</a:t>
             </a:r>
           </a:p>
@@ -5698,10 +4705,15 @@
             <p:ph type="body" sz="quarter" idx="10"/>
           </p:nvPr>
         </p:nvSpPr>
-        <p:spPr/>
+        <p:spPr>
+          <a:xfrm>
+            <a:off x="323529" y="1263434"/>
+            <a:ext cx="11573197" cy="724247"/>
+          </a:xfrm>
+        </p:spPr>
         <p:txBody>
           <a:bodyPr>
-            <a:normAutofit fontScale="92500" lnSpcReduction="10000"/>
+            <a:normAutofit fontScale="92500" lnSpcReduction="20000"/>
           </a:bodyPr>
           <a:lstStyle/>
           <a:p>
@@ -5726,7 +4738,7 @@
         </p:nvSpPr>
         <p:spPr>
           <a:xfrm>
-            <a:off x="1268392" y="1054728"/>
+            <a:off x="1282524" y="2454903"/>
             <a:ext cx="9655207" cy="4093428"/>
           </a:xfrm>
           <a:prstGeom prst="rect">
@@ -5790,15 +4802,7 @@
             </a:pPr>
             <a:r>
               <a:rPr lang="en-US" sz="2000" dirty="0"/>
-              <a:t>Two objects of the same class may contain different data values, but as far as other software is concerned, each object of </a:t>
-            </a:r>
-            <a:r>
-              <a:rPr lang="en-US" sz="2000"/>
-              <a:t>a class </a:t>
-            </a:r>
-            <a:r>
-              <a:rPr lang="en-US" sz="2000" dirty="0"/>
-              <a:t>interacts the same way.</a:t>
+              <a:t>Two objects of the same class may contain different data values, but as far as other software is concerned, each object of a class interacts the same way.</a:t>
             </a:r>
           </a:p>
           <a:p>
@@ -5922,10 +4926,15 @@
             <p:ph type="body" sz="quarter" idx="10"/>
           </p:nvPr>
         </p:nvSpPr>
-        <p:spPr/>
+        <p:spPr>
+          <a:xfrm>
+            <a:off x="323529" y="1272959"/>
+            <a:ext cx="11573197" cy="724247"/>
+          </a:xfrm>
+        </p:spPr>
         <p:txBody>
           <a:bodyPr>
-            <a:normAutofit fontScale="92500" lnSpcReduction="10000"/>
+            <a:normAutofit fontScale="92500" lnSpcReduction="20000"/>
           </a:bodyPr>
           <a:lstStyle/>
           <a:p>
@@ -5950,7 +4959,7 @@
         </p:nvSpPr>
         <p:spPr>
           <a:xfrm>
-            <a:off x="1268392" y="1054728"/>
+            <a:off x="1282524" y="2197728"/>
             <a:ext cx="9655207" cy="4401205"/>
           </a:xfrm>
           <a:prstGeom prst="rect">
@@ -6141,10 +5150,15 @@
             <p:ph type="body" sz="quarter" idx="10"/>
           </p:nvPr>
         </p:nvSpPr>
-        <p:spPr/>
+        <p:spPr>
+          <a:xfrm>
+            <a:off x="323529" y="1263434"/>
+            <a:ext cx="11573197" cy="724247"/>
+          </a:xfrm>
+        </p:spPr>
         <p:txBody>
           <a:bodyPr>
-            <a:normAutofit fontScale="92500" lnSpcReduction="10000"/>
+            <a:normAutofit fontScale="92500" lnSpcReduction="20000"/>
           </a:bodyPr>
           <a:lstStyle/>
           <a:p>
@@ -6169,7 +5183,7 @@
         </p:nvSpPr>
         <p:spPr>
           <a:xfrm>
-            <a:off x="1268392" y="1054728"/>
+            <a:off x="1282524" y="1931028"/>
             <a:ext cx="9655207" cy="4708981"/>
           </a:xfrm>
           <a:prstGeom prst="rect">
@@ -6360,10 +5374,15 @@
             <p:ph type="body" sz="quarter" idx="10"/>
           </p:nvPr>
         </p:nvSpPr>
-        <p:spPr/>
+        <p:spPr>
+          <a:xfrm>
+            <a:off x="323529" y="1253909"/>
+            <a:ext cx="11573197" cy="724247"/>
+          </a:xfrm>
+        </p:spPr>
         <p:txBody>
           <a:bodyPr>
-            <a:normAutofit fontScale="92500" lnSpcReduction="10000"/>
+            <a:normAutofit fontScale="92500" lnSpcReduction="20000"/>
           </a:bodyPr>
           <a:lstStyle/>
           <a:p>
@@ -6388,7 +5407,7 @@
         </p:nvSpPr>
         <p:spPr>
           <a:xfrm>
-            <a:off x="1268392" y="1054728"/>
+            <a:off x="1282524" y="1892928"/>
             <a:ext cx="9655207" cy="4708981"/>
           </a:xfrm>
           <a:prstGeom prst="rect">
@@ -6599,10 +5618,15 @@
             <p:ph type="body" sz="quarter" idx="10"/>
           </p:nvPr>
         </p:nvSpPr>
-        <p:spPr/>
+        <p:spPr>
+          <a:xfrm>
+            <a:off x="323529" y="1187234"/>
+            <a:ext cx="11573197" cy="724247"/>
+          </a:xfrm>
+        </p:spPr>
         <p:txBody>
           <a:bodyPr>
-            <a:normAutofit fontScale="92500" lnSpcReduction="10000"/>
+            <a:normAutofit fontScale="92500" lnSpcReduction="20000"/>
           </a:bodyPr>
           <a:lstStyle/>
           <a:p>
@@ -6627,8 +5651,8 @@
         </p:nvSpPr>
         <p:spPr>
           <a:xfrm>
-            <a:off x="1268392" y="1054728"/>
-            <a:ext cx="9655207" cy="5632311"/>
+            <a:off x="880907" y="1892431"/>
+            <a:ext cx="10458440" cy="4801314"/>
           </a:xfrm>
           <a:prstGeom prst="rect">
             <a:avLst/>
@@ -6646,7 +5670,7 @@
               <a:buChar char="•"/>
             </a:pPr>
             <a:r>
-              <a:rPr lang="en-US" sz="2000" dirty="0"/>
+              <a:rPr lang="en-US" dirty="0"/>
               <a:t>Simulate a software audio player.</a:t>
             </a:r>
           </a:p>
@@ -6656,7 +5680,7 @@
               <a:buChar char="•"/>
             </a:pPr>
             <a:r>
-              <a:rPr lang="en-US" sz="2000" dirty="0"/>
+              <a:rPr lang="en-US" dirty="0"/>
               <a:t>Encapsulation: Properties: the name of a media file that can be opened and played, and references to speaker devices that can be used for sound output. Methods: Open(), Play(), Pause(), Rewind(), Skip(), Eject().</a:t>
             </a:r>
           </a:p>
@@ -6666,7 +5690,7 @@
               <a:buChar char="•"/>
             </a:pPr>
             <a:r>
-              <a:rPr lang="en-US" sz="2000" dirty="0"/>
+              <a:rPr lang="en-US" dirty="0"/>
               <a:t>Abstraction: different audio player objects act independently.</a:t>
             </a:r>
           </a:p>
@@ -6676,7 +5700,7 @@
               <a:buChar char="•"/>
             </a:pPr>
             <a:r>
-              <a:rPr lang="en-US" sz="2000" dirty="0"/>
+              <a:rPr lang="en-US" dirty="0"/>
               <a:t>Inheritance: a specialized video player subclass that adds a video screen as an additional output device.</a:t>
             </a:r>
           </a:p>
@@ -6686,7 +5710,7 @@
               <a:buChar char="•"/>
             </a:pPr>
             <a:r>
-              <a:rPr lang="en-US" sz="2000" dirty="0"/>
+              <a:rPr lang="en-US" dirty="0"/>
               <a:t>Polymorphism: depending on whether the opened file is video or audio, the video player behaves differently.</a:t>
             </a:r>
           </a:p>
@@ -6696,7 +5720,7 @@
               <a:buChar char="•"/>
             </a:pPr>
             <a:r>
-              <a:rPr lang="en-US" sz="2000" dirty="0"/>
+              <a:rPr lang="en-US" dirty="0"/>
               <a:t>Number variables.</a:t>
             </a:r>
           </a:p>
@@ -6706,7 +5730,7 @@
               <a:buChar char="•"/>
             </a:pPr>
             <a:r>
-              <a:rPr lang="en-US" sz="2000" dirty="0"/>
+              <a:rPr lang="en-US" dirty="0"/>
               <a:t>Encapsulation: one property (numeric value), and lots of methods: arithmetic, assignment, comparison, etc.</a:t>
             </a:r>
           </a:p>
@@ -6716,7 +5740,7 @@
               <a:buChar char="•"/>
             </a:pPr>
             <a:r>
-              <a:rPr lang="en-US" sz="2000" dirty="0"/>
+              <a:rPr lang="en-US" dirty="0"/>
               <a:t>Abstraction: accurate calculations, no matter what the numbers’ values are.</a:t>
             </a:r>
           </a:p>
@@ -6726,27 +5750,27 @@
               <a:buChar char="•"/>
             </a:pPr>
             <a:r>
-              <a:rPr lang="en-US" sz="2000" dirty="0"/>
+              <a:rPr lang="en-US" dirty="0"/>
               <a:t>Inheritance: specialized number types: </a:t>
             </a:r>
             <a:r>
-              <a:rPr lang="en-US" sz="2000" dirty="0">
+              <a:rPr lang="en-US" dirty="0">
                 <a:latin typeface="Lucida Console" panose="020B0609040504020204" pitchFamily="49" charset="0"/>
               </a:rPr>
               <a:t>int</a:t>
             </a:r>
             <a:r>
-              <a:rPr lang="en-US" sz="2000" dirty="0"/>
+              <a:rPr lang="en-US" dirty="0"/>
               <a:t> for integers, </a:t>
             </a:r>
             <a:r>
-              <a:rPr lang="en-US" sz="2000" dirty="0">
+              <a:rPr lang="en-US" dirty="0">
                 <a:latin typeface="Lucida Console" panose="020B0609040504020204" pitchFamily="49" charset="0"/>
               </a:rPr>
               <a:t>float</a:t>
             </a:r>
             <a:r>
-              <a:rPr lang="en-US" sz="2000" dirty="0"/>
+              <a:rPr lang="en-US" dirty="0"/>
               <a:t> for numbers that can have fractional parts after a decimal point or radix.</a:t>
             </a:r>
           </a:p>
@@ -6756,49 +5780,41 @@
               <a:buChar char="•"/>
             </a:pPr>
             <a:r>
-              <a:rPr lang="en-US" sz="2000" dirty="0"/>
+              <a:rPr lang="en-US" dirty="0"/>
               <a:t>Polymorphism: division with </a:t>
             </a:r>
             <a:r>
-              <a:rPr lang="en-US" sz="2000" dirty="0">
+              <a:rPr lang="en-US" dirty="0">
                 <a:latin typeface="Lucida Console" panose="020B0609040504020204" pitchFamily="49" charset="0"/>
               </a:rPr>
               <a:t>float</a:t>
             </a:r>
             <a:r>
-              <a:rPr lang="en-US" sz="2000" dirty="0"/>
-              <a:t>s would calculate or estimate fractional values </a:t>
-            </a:r>
-            <a:r>
-              <a:rPr lang="en-US" sz="2000"/>
-              <a:t>as expected. </a:t>
-            </a:r>
-            <a:r>
-              <a:rPr lang="en-US" sz="2000" dirty="0"/>
-              <a:t>Division with </a:t>
-            </a:r>
-            <a:r>
-              <a:rPr lang="en-US" sz="2000" dirty="0" err="1">
+              <a:rPr lang="en-US" dirty="0"/>
+              <a:t>s would calculate or estimate fractional values as expected. Division with </a:t>
+            </a:r>
+            <a:r>
+              <a:rPr lang="en-US" dirty="0" err="1">
                 <a:latin typeface="Lucida Console" panose="020B0609040504020204" pitchFamily="49" charset="0"/>
               </a:rPr>
               <a:t>int</a:t>
             </a:r>
             <a:r>
-              <a:rPr lang="en-US" sz="2000" dirty="0" err="1"/>
+              <a:rPr lang="en-US" dirty="0" err="1"/>
               <a:t>s</a:t>
             </a:r>
             <a:r>
-              <a:rPr lang="en-US" sz="2000" dirty="0"/>
+              <a:rPr lang="en-US" dirty="0"/>
               <a:t> must either convert to </a:t>
             </a:r>
             <a:r>
-              <a:rPr lang="en-US" sz="2000" dirty="0">
+              <a:rPr lang="en-US" dirty="0">
                 <a:latin typeface="Lucida Console" panose="020B0609040504020204" pitchFamily="49" charset="0"/>
               </a:rPr>
               <a:t>float</a:t>
             </a:r>
             <a:r>
-              <a:rPr lang="en-US" sz="2000" dirty="0"/>
+              <a:rPr lang="en-US" dirty="0"/>
               <a:t>s or discard remainders.</a:t>
             </a:r>
           </a:p>
@@ -6850,10 +5866,15 @@
             <p:ph type="body" sz="quarter" idx="10"/>
           </p:nvPr>
         </p:nvSpPr>
-        <p:spPr/>
+        <p:spPr>
+          <a:xfrm>
+            <a:off x="323529" y="1215809"/>
+            <a:ext cx="11573197" cy="724247"/>
+          </a:xfrm>
+        </p:spPr>
         <p:txBody>
           <a:bodyPr>
-            <a:normAutofit fontScale="92500" lnSpcReduction="10000"/>
+            <a:normAutofit fontScale="92500" lnSpcReduction="20000"/>
           </a:bodyPr>
           <a:lstStyle/>
           <a:p>
@@ -6878,8 +5899,8 @@
         </p:nvSpPr>
         <p:spPr>
           <a:xfrm>
-            <a:off x="1268396" y="1074509"/>
-            <a:ext cx="9655207" cy="5016758"/>
+            <a:off x="1282524" y="1969859"/>
+            <a:ext cx="9655207" cy="4478149"/>
           </a:xfrm>
           <a:prstGeom prst="rect">
             <a:avLst/>
@@ -6893,7 +5914,7 @@
           <a:lstStyle/>
           <a:p>
             <a:r>
-              <a:rPr lang="en-US" sz="2000" dirty="0"/>
+              <a:rPr lang="en-US" sz="1900" dirty="0"/>
               <a:t>Exercises, with a partner.</a:t>
             </a:r>
           </a:p>
@@ -6903,7 +5924,7 @@
               <a:buChar char="•"/>
             </a:pPr>
             <a:r>
-              <a:rPr lang="en-US" sz="2000" dirty="0"/>
+              <a:rPr lang="en-US" sz="1900" dirty="0"/>
               <a:t>How might you simulate one of the following in software using OO?</a:t>
             </a:r>
           </a:p>
@@ -6913,7 +5934,7 @@
               <a:buChar char="•"/>
             </a:pPr>
             <a:r>
-              <a:rPr lang="en-US" sz="2000" dirty="0"/>
+              <a:rPr lang="en-US" sz="1900" dirty="0"/>
               <a:t>Administration of Church units (wards, stakes, branches, mission districts)</a:t>
             </a:r>
           </a:p>
@@ -6923,7 +5944,7 @@
               <a:buChar char="•"/>
             </a:pPr>
             <a:r>
-              <a:rPr lang="en-US" sz="2000" dirty="0"/>
+              <a:rPr lang="en-US" sz="1900" dirty="0"/>
               <a:t>Geometric shapes (squares, circles, cubes, cylinders, spheres) with coded methods that can calculate their own areas or volumes</a:t>
             </a:r>
           </a:p>
@@ -6933,7 +5954,7 @@
               <a:buChar char="•"/>
             </a:pPr>
             <a:r>
-              <a:rPr lang="en-US" sz="2000" dirty="0"/>
+              <a:rPr lang="en-US" sz="1900" dirty="0"/>
               <a:t>“Charismatic megafauna” exhibits (monkeys, lions, giraffes, bears) at a zoo</a:t>
             </a:r>
           </a:p>
@@ -6943,7 +5964,7 @@
               <a:buChar char="•"/>
             </a:pPr>
             <a:r>
-              <a:rPr lang="en-US" sz="2000" dirty="0"/>
+              <a:rPr lang="en-US" sz="1900" dirty="0"/>
               <a:t>Ground transportation: Cars, Trucks, Vans, SUVs, Mopeds</a:t>
             </a:r>
           </a:p>
@@ -6953,7 +5974,7 @@
               <a:buChar char="•"/>
             </a:pPr>
             <a:r>
-              <a:rPr lang="en-US" sz="2000" dirty="0"/>
+              <a:rPr lang="en-US" sz="1900" dirty="0"/>
               <a:t>Fashion carry-accessories: bags, purses, backpacks, briefcases, etc.</a:t>
             </a:r>
           </a:p>
@@ -6963,17 +5984,17 @@
               <a:buChar char="•"/>
             </a:pPr>
             <a:r>
-              <a:rPr lang="en-US" sz="2000" dirty="0"/>
+              <a:rPr lang="en-US" sz="1900" dirty="0"/>
               <a:t>Computer network devices: workstations, servers, routers, switches, etc.</a:t>
             </a:r>
           </a:p>
           <a:p>
             <a:pPr lvl="1"/>
-            <a:endParaRPr lang="en-US" sz="2000" dirty="0"/>
-          </a:p>
-          <a:p>
-            <a:r>
-              <a:rPr lang="en-US" sz="2000" dirty="0"/>
+            <a:endParaRPr lang="en-US" sz="1900" dirty="0"/>
+          </a:p>
+          <a:p>
+            <a:r>
+              <a:rPr lang="en-US" sz="1900" dirty="0"/>
               <a:t>As you work, try to imagine how each of the OO principles might apply to your examples:</a:t>
             </a:r>
           </a:p>
@@ -6983,7 +6004,7 @@
               <a:buChar char="•"/>
             </a:pPr>
             <a:r>
-              <a:rPr lang="en-US" sz="2000" dirty="0"/>
+              <a:rPr lang="en-US" sz="1900" dirty="0"/>
               <a:t>Encapsulations</a:t>
             </a:r>
           </a:p>
@@ -6993,7 +6014,7 @@
               <a:buChar char="•"/>
             </a:pPr>
             <a:r>
-              <a:rPr lang="en-US" sz="2000" dirty="0"/>
+              <a:rPr lang="en-US" sz="1900" dirty="0"/>
               <a:t>Abstractions</a:t>
             </a:r>
           </a:p>
@@ -7003,7 +6024,7 @@
               <a:buChar char="•"/>
             </a:pPr>
             <a:r>
-              <a:rPr lang="en-US" sz="2000" dirty="0"/>
+              <a:rPr lang="en-US" sz="1900" dirty="0"/>
               <a:t>Inheritance</a:t>
             </a:r>
           </a:p>
@@ -7013,7 +6034,7 @@
               <a:buChar char="•"/>
             </a:pPr>
             <a:r>
-              <a:rPr lang="en-US" sz="2000" dirty="0"/>
+              <a:rPr lang="en-US" sz="1900" dirty="0"/>
               <a:t>Polymorphism (if applicable)</a:t>
             </a:r>
           </a:p>
@@ -7065,10 +6086,15 @@
             <p:ph type="body" sz="quarter" idx="10"/>
           </p:nvPr>
         </p:nvSpPr>
-        <p:spPr/>
+        <p:spPr>
+          <a:xfrm>
+            <a:off x="323529" y="1234859"/>
+            <a:ext cx="11573197" cy="724247"/>
+          </a:xfrm>
+        </p:spPr>
         <p:txBody>
           <a:bodyPr>
-            <a:normAutofit fontScale="92500" lnSpcReduction="10000"/>
+            <a:normAutofit fontScale="92500" lnSpcReduction="20000"/>
           </a:bodyPr>
           <a:lstStyle/>
           <a:p>
@@ -7094,7 +6120,7 @@
         </p:nvSpPr>
         <p:spPr>
           <a:xfrm>
-            <a:off x="1268392" y="1054728"/>
+            <a:off x="1282524" y="2131053"/>
             <a:ext cx="9655207" cy="4093428"/>
           </a:xfrm>
           <a:prstGeom prst="rect">
@@ -7176,854 +6202,6 @@
 </file>
 
 <file path=ppt/theme/theme1.xml><?xml version="1.0" encoding="utf-8"?>
-<a:theme xmlns:a="http://schemas.openxmlformats.org/drawingml/2006/main" name="Blue Background Theme">
-  <a:themeElements>
-    <a:clrScheme name="Office">
-      <a:dk1>
-        <a:sysClr val="windowText" lastClr="000000"/>
-      </a:dk1>
-      <a:lt1>
-        <a:sysClr val="window" lastClr="FFFFFF"/>
-      </a:lt1>
-      <a:dk2>
-        <a:srgbClr val="44546A"/>
-      </a:dk2>
-      <a:lt2>
-        <a:srgbClr val="E7E6E6"/>
-      </a:lt2>
-      <a:accent1>
-        <a:srgbClr val="4472C4"/>
-      </a:accent1>
-      <a:accent2>
-        <a:srgbClr val="ED7D31"/>
-      </a:accent2>
-      <a:accent3>
-        <a:srgbClr val="A5A5A5"/>
-      </a:accent3>
-      <a:accent4>
-        <a:srgbClr val="FFC000"/>
-      </a:accent4>
-      <a:accent5>
-        <a:srgbClr val="5B9BD5"/>
-      </a:accent5>
-      <a:accent6>
-        <a:srgbClr val="70AD47"/>
-      </a:accent6>
-      <a:hlink>
-        <a:srgbClr val="0563C1"/>
-      </a:hlink>
-      <a:folHlink>
-        <a:srgbClr val="954F72"/>
-      </a:folHlink>
-    </a:clrScheme>
-    <a:fontScheme name="Blank Presentation">
-      <a:majorFont>
-        <a:latin typeface="Arial"/>
-        <a:ea typeface="ＭＳ Ｐゴシック"/>
-        <a:cs typeface="ＭＳ Ｐゴシック"/>
-      </a:majorFont>
-      <a:minorFont>
-        <a:latin typeface="Arial"/>
-        <a:ea typeface="ＭＳ Ｐゴシック"/>
-        <a:cs typeface="ＭＳ Ｐゴシック"/>
-      </a:minorFont>
-    </a:fontScheme>
-    <a:fmtScheme name="Office">
-      <a:fillStyleLst>
-        <a:solidFill>
-          <a:schemeClr val="phClr"/>
-        </a:solidFill>
-        <a:gradFill rotWithShape="1">
-          <a:gsLst>
-            <a:gs pos="0">
-              <a:schemeClr val="phClr">
-                <a:tint val="50000"/>
-                <a:satMod val="300000"/>
-              </a:schemeClr>
-            </a:gs>
-            <a:gs pos="35000">
-              <a:schemeClr val="phClr">
-                <a:tint val="37000"/>
-                <a:satMod val="300000"/>
-              </a:schemeClr>
-            </a:gs>
-            <a:gs pos="100000">
-              <a:schemeClr val="phClr">
-                <a:tint val="15000"/>
-                <a:satMod val="350000"/>
-              </a:schemeClr>
-            </a:gs>
-          </a:gsLst>
-          <a:lin ang="16200000" scaled="1"/>
-        </a:gradFill>
-        <a:gradFill rotWithShape="1">
-          <a:gsLst>
-            <a:gs pos="0">
-              <a:schemeClr val="phClr">
-                <a:tint val="100000"/>
-                <a:shade val="100000"/>
-                <a:satMod val="130000"/>
-              </a:schemeClr>
-            </a:gs>
-            <a:gs pos="100000">
-              <a:schemeClr val="phClr">
-                <a:tint val="50000"/>
-                <a:shade val="100000"/>
-                <a:satMod val="350000"/>
-              </a:schemeClr>
-            </a:gs>
-          </a:gsLst>
-          <a:lin ang="16200000" scaled="0"/>
-        </a:gradFill>
-      </a:fillStyleLst>
-      <a:lnStyleLst>
-        <a:ln w="9525" cap="flat" cmpd="sng" algn="ctr">
-          <a:solidFill>
-            <a:schemeClr val="phClr">
-              <a:shade val="95000"/>
-              <a:satMod val="105000"/>
-            </a:schemeClr>
-          </a:solidFill>
-          <a:prstDash val="solid"/>
-        </a:ln>
-        <a:ln w="25400" cap="flat" cmpd="sng" algn="ctr">
-          <a:solidFill>
-            <a:schemeClr val="phClr"/>
-          </a:solidFill>
-          <a:prstDash val="solid"/>
-        </a:ln>
-        <a:ln w="38100" cap="flat" cmpd="sng" algn="ctr">
-          <a:solidFill>
-            <a:schemeClr val="phClr"/>
-          </a:solidFill>
-          <a:prstDash val="solid"/>
-        </a:ln>
-      </a:lnStyleLst>
-      <a:effectStyleLst>
-        <a:effectStyle>
-          <a:effectLst>
-            <a:outerShdw blurRad="40000" dist="20000" dir="5400000" rotWithShape="0">
-              <a:srgbClr val="000000">
-                <a:alpha val="38000"/>
-              </a:srgbClr>
-            </a:outerShdw>
-          </a:effectLst>
-        </a:effectStyle>
-        <a:effectStyle>
-          <a:effectLst>
-            <a:outerShdw blurRad="40000" dist="23000" dir="5400000" rotWithShape="0">
-              <a:srgbClr val="000000">
-                <a:alpha val="35000"/>
-              </a:srgbClr>
-            </a:outerShdw>
-          </a:effectLst>
-        </a:effectStyle>
-        <a:effectStyle>
-          <a:effectLst>
-            <a:outerShdw blurRad="40000" dist="23000" dir="5400000" rotWithShape="0">
-              <a:srgbClr val="000000">
-                <a:alpha val="35000"/>
-              </a:srgbClr>
-            </a:outerShdw>
-          </a:effectLst>
-          <a:scene3d>
-            <a:camera prst="orthographicFront">
-              <a:rot lat="0" lon="0" rev="0"/>
-            </a:camera>
-            <a:lightRig rig="threePt" dir="t">
-              <a:rot lat="0" lon="0" rev="1200000"/>
-            </a:lightRig>
-          </a:scene3d>
-          <a:sp3d>
-            <a:bevelT w="63500" h="25400"/>
-          </a:sp3d>
-        </a:effectStyle>
-      </a:effectStyleLst>
-      <a:bgFillStyleLst>
-        <a:solidFill>
-          <a:schemeClr val="phClr"/>
-        </a:solidFill>
-        <a:gradFill rotWithShape="1">
-          <a:gsLst>
-            <a:gs pos="0">
-              <a:schemeClr val="phClr">
-                <a:tint val="40000"/>
-                <a:satMod val="350000"/>
-              </a:schemeClr>
-            </a:gs>
-            <a:gs pos="40000">
-              <a:schemeClr val="phClr">
-                <a:tint val="45000"/>
-                <a:shade val="99000"/>
-                <a:satMod val="350000"/>
-              </a:schemeClr>
-            </a:gs>
-            <a:gs pos="100000">
-              <a:schemeClr val="phClr">
-                <a:shade val="20000"/>
-                <a:satMod val="255000"/>
-              </a:schemeClr>
-            </a:gs>
-          </a:gsLst>
-          <a:path path="circle">
-            <a:fillToRect l="50000" t="-80000" r="50000" b="180000"/>
-          </a:path>
-        </a:gradFill>
-        <a:gradFill rotWithShape="1">
-          <a:gsLst>
-            <a:gs pos="0">
-              <a:schemeClr val="phClr">
-                <a:tint val="80000"/>
-                <a:satMod val="300000"/>
-              </a:schemeClr>
-            </a:gs>
-            <a:gs pos="100000">
-              <a:schemeClr val="phClr">
-                <a:shade val="30000"/>
-                <a:satMod val="200000"/>
-              </a:schemeClr>
-            </a:gs>
-          </a:gsLst>
-          <a:path path="circle">
-            <a:fillToRect l="50000" t="50000" r="50000" b="50000"/>
-          </a:path>
-        </a:gradFill>
-      </a:bgFillStyleLst>
-    </a:fmtScheme>
-  </a:themeElements>
-  <a:objectDefaults>
-    <a:spDef>
-      <a:spPr bwMode="auto">
-        <a:xfrm>
-          <a:off x="0" y="0"/>
-          <a:ext cx="1" cy="1"/>
-        </a:xfrm>
-        <a:custGeom>
-          <a:avLst/>
-          <a:gdLst/>
-          <a:ahLst/>
-          <a:cxnLst/>
-          <a:rect l="0" t="0" r="0" b="0"/>
-          <a:pathLst/>
-        </a:custGeom>
-        <a:solidFill>
-          <a:schemeClr val="accent1"/>
-        </a:solidFill>
-        <a:ln w="9525" cap="flat" cmpd="sng" algn="ctr">
-          <a:solidFill>
-            <a:schemeClr val="tx1"/>
-          </a:solidFill>
-          <a:prstDash val="solid"/>
-          <a:round/>
-          <a:headEnd type="none" w="med" len="med"/>
-          <a:tailEnd type="none" w="med" len="med"/>
-        </a:ln>
-        <a:effectLst/>
-      </a:spPr>
-      <a:bodyPr vert="horz" wrap="square" lIns="91440" tIns="45720" rIns="91440" bIns="45720" numCol="1" anchor="t" anchorCtr="0" compatLnSpc="1">
-        <a:prstTxWarp prst="textNoShape">
-          <a:avLst/>
-        </a:prstTxWarp>
-      </a:bodyPr>
-      <a:lstStyle>
-        <a:defPPr marL="0" marR="0" indent="0" algn="l" defTabSz="914400" rtl="0" eaLnBrk="0" fontAlgn="base" latinLnBrk="0" hangingPunct="0">
-          <a:lnSpc>
-            <a:spcPct val="100000"/>
-          </a:lnSpc>
-          <a:spcBef>
-            <a:spcPct val="0"/>
-          </a:spcBef>
-          <a:spcAft>
-            <a:spcPct val="0"/>
-          </a:spcAft>
-          <a:buClrTx/>
-          <a:buSzTx/>
-          <a:buFontTx/>
-          <a:buNone/>
-          <a:tabLst/>
-          <a:defRPr kumimoji="0" lang="en-US" sz="2400" b="0" i="0" u="none" strike="noStrike" cap="none" normalizeH="0" baseline="0">
-            <a:ln>
-              <a:noFill/>
-            </a:ln>
-            <a:solidFill>
-              <a:schemeClr val="tx1"/>
-            </a:solidFill>
-            <a:effectLst/>
-            <a:latin typeface="Arial" pitchFamily="44" charset="0"/>
-            <a:ea typeface="ＭＳ Ｐゴシック" pitchFamily="44" charset="-128"/>
-            <a:cs typeface="ＭＳ Ｐゴシック" pitchFamily="44" charset="-128"/>
-          </a:defRPr>
-        </a:defPPr>
-      </a:lstStyle>
-    </a:spDef>
-    <a:lnDef>
-      <a:spPr bwMode="auto">
-        <a:xfrm>
-          <a:off x="0" y="0"/>
-          <a:ext cx="1" cy="1"/>
-        </a:xfrm>
-        <a:custGeom>
-          <a:avLst/>
-          <a:gdLst/>
-          <a:ahLst/>
-          <a:cxnLst/>
-          <a:rect l="0" t="0" r="0" b="0"/>
-          <a:pathLst/>
-        </a:custGeom>
-        <a:solidFill>
-          <a:schemeClr val="accent1"/>
-        </a:solidFill>
-        <a:ln w="9525" cap="flat" cmpd="sng" algn="ctr">
-          <a:solidFill>
-            <a:schemeClr val="tx1"/>
-          </a:solidFill>
-          <a:prstDash val="solid"/>
-          <a:round/>
-          <a:headEnd type="none" w="med" len="med"/>
-          <a:tailEnd type="none" w="med" len="med"/>
-        </a:ln>
-        <a:effectLst/>
-      </a:spPr>
-      <a:bodyPr vert="horz" wrap="square" lIns="91440" tIns="45720" rIns="91440" bIns="45720" numCol="1" anchor="t" anchorCtr="0" compatLnSpc="1">
-        <a:prstTxWarp prst="textNoShape">
-          <a:avLst/>
-        </a:prstTxWarp>
-      </a:bodyPr>
-      <a:lstStyle>
-        <a:defPPr marL="0" marR="0" indent="0" algn="l" defTabSz="914400" rtl="0" eaLnBrk="0" fontAlgn="base" latinLnBrk="0" hangingPunct="0">
-          <a:lnSpc>
-            <a:spcPct val="100000"/>
-          </a:lnSpc>
-          <a:spcBef>
-            <a:spcPct val="0"/>
-          </a:spcBef>
-          <a:spcAft>
-            <a:spcPct val="0"/>
-          </a:spcAft>
-          <a:buClrTx/>
-          <a:buSzTx/>
-          <a:buFontTx/>
-          <a:buNone/>
-          <a:tabLst/>
-          <a:defRPr kumimoji="0" lang="en-US" sz="2400" b="0" i="0" u="none" strike="noStrike" cap="none" normalizeH="0" baseline="0">
-            <a:ln>
-              <a:noFill/>
-            </a:ln>
-            <a:solidFill>
-              <a:schemeClr val="tx1"/>
-            </a:solidFill>
-            <a:effectLst/>
-            <a:latin typeface="Arial" pitchFamily="44" charset="0"/>
-            <a:ea typeface="ＭＳ Ｐゴシック" pitchFamily="44" charset="-128"/>
-            <a:cs typeface="ＭＳ Ｐゴシック" pitchFamily="44" charset="-128"/>
-          </a:defRPr>
-        </a:defPPr>
-      </a:lstStyle>
-    </a:lnDef>
-  </a:objectDefaults>
-  <a:extraClrSchemeLst>
-    <a:extraClrScheme>
-      <a:clrScheme name="Blank Presentation 1">
-        <a:dk1>
-          <a:srgbClr val="000000"/>
-        </a:dk1>
-        <a:lt1>
-          <a:srgbClr val="FFFFFF"/>
-        </a:lt1>
-        <a:dk2>
-          <a:srgbClr val="000000"/>
-        </a:dk2>
-        <a:lt2>
-          <a:srgbClr val="808080"/>
-        </a:lt2>
-        <a:accent1>
-          <a:srgbClr val="BBE0E3"/>
-        </a:accent1>
-        <a:accent2>
-          <a:srgbClr val="333399"/>
-        </a:accent2>
-        <a:accent3>
-          <a:srgbClr val="FFFFFF"/>
-        </a:accent3>
-        <a:accent4>
-          <a:srgbClr val="000000"/>
-        </a:accent4>
-        <a:accent5>
-          <a:srgbClr val="DAEDEF"/>
-        </a:accent5>
-        <a:accent6>
-          <a:srgbClr val="2D2D8A"/>
-        </a:accent6>
-        <a:hlink>
-          <a:srgbClr val="009999"/>
-        </a:hlink>
-        <a:folHlink>
-          <a:srgbClr val="99CC00"/>
-        </a:folHlink>
-      </a:clrScheme>
-      <a:clrMap bg1="lt1" tx1="dk1" bg2="lt2" tx2="dk2" accent1="accent1" accent2="accent2" accent3="accent3" accent4="accent4" accent5="accent5" accent6="accent6" hlink="hlink" folHlink="folHlink"/>
-    </a:extraClrScheme>
-    <a:extraClrScheme>
-      <a:clrScheme name="Blank Presentation 2">
-        <a:dk1>
-          <a:srgbClr val="000000"/>
-        </a:dk1>
-        <a:lt1>
-          <a:srgbClr val="FFFFFF"/>
-        </a:lt1>
-        <a:dk2>
-          <a:srgbClr val="000000"/>
-        </a:dk2>
-        <a:lt2>
-          <a:srgbClr val="969696"/>
-        </a:lt2>
-        <a:accent1>
-          <a:srgbClr val="FBDF53"/>
-        </a:accent1>
-        <a:accent2>
-          <a:srgbClr val="FF9966"/>
-        </a:accent2>
-        <a:accent3>
-          <a:srgbClr val="FFFFFF"/>
-        </a:accent3>
-        <a:accent4>
-          <a:srgbClr val="000000"/>
-        </a:accent4>
-        <a:accent5>
-          <a:srgbClr val="FDECB3"/>
-        </a:accent5>
-        <a:accent6>
-          <a:srgbClr val="E78A5C"/>
-        </a:accent6>
-        <a:hlink>
-          <a:srgbClr val="CC3300"/>
-        </a:hlink>
-        <a:folHlink>
-          <a:srgbClr val="996600"/>
-        </a:folHlink>
-      </a:clrScheme>
-      <a:clrMap bg1="lt1" tx1="dk1" bg2="lt2" tx2="dk2" accent1="accent1" accent2="accent2" accent3="accent3" accent4="accent4" accent5="accent5" accent6="accent6" hlink="hlink" folHlink="folHlink"/>
-    </a:extraClrScheme>
-    <a:extraClrScheme>
-      <a:clrScheme name="Blank Presentation 3">
-        <a:dk1>
-          <a:srgbClr val="000000"/>
-        </a:dk1>
-        <a:lt1>
-          <a:srgbClr val="FFFFFF"/>
-        </a:lt1>
-        <a:dk2>
-          <a:srgbClr val="000000"/>
-        </a:dk2>
-        <a:lt2>
-          <a:srgbClr val="808080"/>
-        </a:lt2>
-        <a:accent1>
-          <a:srgbClr val="99CCFF"/>
-        </a:accent1>
-        <a:accent2>
-          <a:srgbClr val="CCCCFF"/>
-        </a:accent2>
-        <a:accent3>
-          <a:srgbClr val="FFFFFF"/>
-        </a:accent3>
-        <a:accent4>
-          <a:srgbClr val="000000"/>
-        </a:accent4>
-        <a:accent5>
-          <a:srgbClr val="CAE2FF"/>
-        </a:accent5>
-        <a:accent6>
-          <a:srgbClr val="B9B9E7"/>
-        </a:accent6>
-        <a:hlink>
-          <a:srgbClr val="3333CC"/>
-        </a:hlink>
-        <a:folHlink>
-          <a:srgbClr val="AF67FF"/>
-        </a:folHlink>
-      </a:clrScheme>
-      <a:clrMap bg1="lt1" tx1="dk1" bg2="lt2" tx2="dk2" accent1="accent1" accent2="accent2" accent3="accent3" accent4="accent4" accent5="accent5" accent6="accent6" hlink="hlink" folHlink="folHlink"/>
-    </a:extraClrScheme>
-    <a:extraClrScheme>
-      <a:clrScheme name="Blank Presentation 4">
-        <a:dk1>
-          <a:srgbClr val="000000"/>
-        </a:dk1>
-        <a:lt1>
-          <a:srgbClr val="DEF6F1"/>
-        </a:lt1>
-        <a:dk2>
-          <a:srgbClr val="000000"/>
-        </a:dk2>
-        <a:lt2>
-          <a:srgbClr val="969696"/>
-        </a:lt2>
-        <a:accent1>
-          <a:srgbClr val="FFFFFF"/>
-        </a:accent1>
-        <a:accent2>
-          <a:srgbClr val="8DC6FF"/>
-        </a:accent2>
-        <a:accent3>
-          <a:srgbClr val="ECFAF7"/>
-        </a:accent3>
-        <a:accent4>
-          <a:srgbClr val="000000"/>
-        </a:accent4>
-        <a:accent5>
-          <a:srgbClr val="FFFFFF"/>
-        </a:accent5>
-        <a:accent6>
-          <a:srgbClr val="7FB3E7"/>
-        </a:accent6>
-        <a:hlink>
-          <a:srgbClr val="0066CC"/>
-        </a:hlink>
-        <a:folHlink>
-          <a:srgbClr val="00A800"/>
-        </a:folHlink>
-      </a:clrScheme>
-      <a:clrMap bg1="lt1" tx1="dk1" bg2="lt2" tx2="dk2" accent1="accent1" accent2="accent2" accent3="accent3" accent4="accent4" accent5="accent5" accent6="accent6" hlink="hlink" folHlink="folHlink"/>
-    </a:extraClrScheme>
-    <a:extraClrScheme>
-      <a:clrScheme name="Blank Presentation 5">
-        <a:dk1>
-          <a:srgbClr val="000000"/>
-        </a:dk1>
-        <a:lt1>
-          <a:srgbClr val="FFFFD9"/>
-        </a:lt1>
-        <a:dk2>
-          <a:srgbClr val="000000"/>
-        </a:dk2>
-        <a:lt2>
-          <a:srgbClr val="777777"/>
-        </a:lt2>
-        <a:accent1>
-          <a:srgbClr val="FFFFF7"/>
-        </a:accent1>
-        <a:accent2>
-          <a:srgbClr val="33CCCC"/>
-        </a:accent2>
-        <a:accent3>
-          <a:srgbClr val="FFFFE9"/>
-        </a:accent3>
-        <a:accent4>
-          <a:srgbClr val="000000"/>
-        </a:accent4>
-        <a:accent5>
-          <a:srgbClr val="FFFFFA"/>
-        </a:accent5>
-        <a:accent6>
-          <a:srgbClr val="2DB9B9"/>
-        </a:accent6>
-        <a:hlink>
-          <a:srgbClr val="FF5050"/>
-        </a:hlink>
-        <a:folHlink>
-          <a:srgbClr val="FF9900"/>
-        </a:folHlink>
-      </a:clrScheme>
-      <a:clrMap bg1="lt1" tx1="dk1" bg2="lt2" tx2="dk2" accent1="accent1" accent2="accent2" accent3="accent3" accent4="accent4" accent5="accent5" accent6="accent6" hlink="hlink" folHlink="folHlink"/>
-    </a:extraClrScheme>
-    <a:extraClrScheme>
-      <a:clrScheme name="Blank Presentation 6">
-        <a:dk1>
-          <a:srgbClr val="005A58"/>
-        </a:dk1>
-        <a:lt1>
-          <a:srgbClr val="FFFFFF"/>
-        </a:lt1>
-        <a:dk2>
-          <a:srgbClr val="008080"/>
-        </a:dk2>
-        <a:lt2>
-          <a:srgbClr val="FFFF99"/>
-        </a:lt2>
-        <a:accent1>
-          <a:srgbClr val="006462"/>
-        </a:accent1>
-        <a:accent2>
-          <a:srgbClr val="6D6FC7"/>
-        </a:accent2>
-        <a:accent3>
-          <a:srgbClr val="AAC0C0"/>
-        </a:accent3>
-        <a:accent4>
-          <a:srgbClr val="DADADA"/>
-        </a:accent4>
-        <a:accent5>
-          <a:srgbClr val="AAB8B7"/>
-        </a:accent5>
-        <a:accent6>
-          <a:srgbClr val="6264B4"/>
-        </a:accent6>
-        <a:hlink>
-          <a:srgbClr val="00FFFF"/>
-        </a:hlink>
-        <a:folHlink>
-          <a:srgbClr val="00FF00"/>
-        </a:folHlink>
-      </a:clrScheme>
-      <a:clrMap bg1="dk2" tx1="lt1" bg2="dk1" tx2="lt2" accent1="accent1" accent2="accent2" accent3="accent3" accent4="accent4" accent5="accent5" accent6="accent6" hlink="hlink" folHlink="folHlink"/>
-    </a:extraClrScheme>
-    <a:extraClrScheme>
-      <a:clrScheme name="Blank Presentation 7">
-        <a:dk1>
-          <a:srgbClr val="5C1F00"/>
-        </a:dk1>
-        <a:lt1>
-          <a:srgbClr val="FFFFFF"/>
-        </a:lt1>
-        <a:dk2>
-          <a:srgbClr val="800000"/>
-        </a:dk2>
-        <a:lt2>
-          <a:srgbClr val="DFD293"/>
-        </a:lt2>
-        <a:accent1>
-          <a:srgbClr val="713E39"/>
-        </a:accent1>
-        <a:accent2>
-          <a:srgbClr val="BE7960"/>
-        </a:accent2>
-        <a:accent3>
-          <a:srgbClr val="C0AAAA"/>
-        </a:accent3>
-        <a:accent4>
-          <a:srgbClr val="DADADA"/>
-        </a:accent4>
-        <a:accent5>
-          <a:srgbClr val="BBAFAE"/>
-        </a:accent5>
-        <a:accent6>
-          <a:srgbClr val="AC6D56"/>
-        </a:accent6>
-        <a:hlink>
-          <a:srgbClr val="FFFF99"/>
-        </a:hlink>
-        <a:folHlink>
-          <a:srgbClr val="D3A219"/>
-        </a:folHlink>
-      </a:clrScheme>
-      <a:clrMap bg1="dk2" tx1="lt1" bg2="dk1" tx2="lt2" accent1="accent1" accent2="accent2" accent3="accent3" accent4="accent4" accent5="accent5" accent6="accent6" hlink="hlink" folHlink="folHlink"/>
-    </a:extraClrScheme>
-    <a:extraClrScheme>
-      <a:clrScheme name="Blank Presentation 8">
-        <a:dk1>
-          <a:srgbClr val="003366"/>
-        </a:dk1>
-        <a:lt1>
-          <a:srgbClr val="FFFFFF"/>
-        </a:lt1>
-        <a:dk2>
-          <a:srgbClr val="000099"/>
-        </a:dk2>
-        <a:lt2>
-          <a:srgbClr val="CCFFFF"/>
-        </a:lt2>
-        <a:accent1>
-          <a:srgbClr val="3366CC"/>
-        </a:accent1>
-        <a:accent2>
-          <a:srgbClr val="00B000"/>
-        </a:accent2>
-        <a:accent3>
-          <a:srgbClr val="AAAACA"/>
-        </a:accent3>
-        <a:accent4>
-          <a:srgbClr val="DADADA"/>
-        </a:accent4>
-        <a:accent5>
-          <a:srgbClr val="ADB8E2"/>
-        </a:accent5>
-        <a:accent6>
-          <a:srgbClr val="009F00"/>
-        </a:accent6>
-        <a:hlink>
-          <a:srgbClr val="66CCFF"/>
-        </a:hlink>
-        <a:folHlink>
-          <a:srgbClr val="FFE701"/>
-        </a:folHlink>
-      </a:clrScheme>
-      <a:clrMap bg1="dk2" tx1="lt1" bg2="dk1" tx2="lt2" accent1="accent1" accent2="accent2" accent3="accent3" accent4="accent4" accent5="accent5" accent6="accent6" hlink="hlink" folHlink="folHlink"/>
-    </a:extraClrScheme>
-    <a:extraClrScheme>
-      <a:clrScheme name="Blank Presentation 9">
-        <a:dk1>
-          <a:srgbClr val="336699"/>
-        </a:dk1>
-        <a:lt1>
-          <a:srgbClr val="FFFFFF"/>
-        </a:lt1>
-        <a:dk2>
-          <a:srgbClr val="000000"/>
-        </a:dk2>
-        <a:lt2>
-          <a:srgbClr val="E3EBF1"/>
-        </a:lt2>
-        <a:accent1>
-          <a:srgbClr val="003399"/>
-        </a:accent1>
-        <a:accent2>
-          <a:srgbClr val="468A4B"/>
-        </a:accent2>
-        <a:accent3>
-          <a:srgbClr val="AAAAAA"/>
-        </a:accent3>
-        <a:accent4>
-          <a:srgbClr val="DADADA"/>
-        </a:accent4>
-        <a:accent5>
-          <a:srgbClr val="AAADCA"/>
-        </a:accent5>
-        <a:accent6>
-          <a:srgbClr val="3F7D43"/>
-        </a:accent6>
-        <a:hlink>
-          <a:srgbClr val="66CCFF"/>
-        </a:hlink>
-        <a:folHlink>
-          <a:srgbClr val="F0E500"/>
-        </a:folHlink>
-      </a:clrScheme>
-      <a:clrMap bg1="dk2" tx1="lt1" bg2="dk1" tx2="lt2" accent1="accent1" accent2="accent2" accent3="accent3" accent4="accent4" accent5="accent5" accent6="accent6" hlink="hlink" folHlink="folHlink"/>
-    </a:extraClrScheme>
-    <a:extraClrScheme>
-      <a:clrScheme name="Blank Presentation 10">
-        <a:dk1>
-          <a:srgbClr val="777777"/>
-        </a:dk1>
-        <a:lt1>
-          <a:srgbClr val="FFFFFF"/>
-        </a:lt1>
-        <a:dk2>
-          <a:srgbClr val="686B5D"/>
-        </a:dk2>
-        <a:lt2>
-          <a:srgbClr val="D1D1CB"/>
-        </a:lt2>
-        <a:accent1>
-          <a:srgbClr val="909082"/>
-        </a:accent1>
-        <a:accent2>
-          <a:srgbClr val="809EA8"/>
-        </a:accent2>
-        <a:accent3>
-          <a:srgbClr val="B9BAB6"/>
-        </a:accent3>
-        <a:accent4>
-          <a:srgbClr val="DADADA"/>
-        </a:accent4>
-        <a:accent5>
-          <a:srgbClr val="C6C6C1"/>
-        </a:accent5>
-        <a:accent6>
-          <a:srgbClr val="738F98"/>
-        </a:accent6>
-        <a:hlink>
-          <a:srgbClr val="FFCC66"/>
-        </a:hlink>
-        <a:folHlink>
-          <a:srgbClr val="E9DCB9"/>
-        </a:folHlink>
-      </a:clrScheme>
-      <a:clrMap bg1="dk2" tx1="lt1" bg2="dk1" tx2="lt2" accent1="accent1" accent2="accent2" accent3="accent3" accent4="accent4" accent5="accent5" accent6="accent6" hlink="hlink" folHlink="folHlink"/>
-    </a:extraClrScheme>
-    <a:extraClrScheme>
-      <a:clrScheme name="Blank Presentation 11">
-        <a:dk1>
-          <a:srgbClr val="3E3E5C"/>
-        </a:dk1>
-        <a:lt1>
-          <a:srgbClr val="FFFFFF"/>
-        </a:lt1>
-        <a:dk2>
-          <a:srgbClr val="666699"/>
-        </a:dk2>
-        <a:lt2>
-          <a:srgbClr val="FFFFFF"/>
-        </a:lt2>
-        <a:accent1>
-          <a:srgbClr val="60597B"/>
-        </a:accent1>
-        <a:accent2>
-          <a:srgbClr val="6666FF"/>
-        </a:accent2>
-        <a:accent3>
-          <a:srgbClr val="B8B8CA"/>
-        </a:accent3>
-        <a:accent4>
-          <a:srgbClr val="DADADA"/>
-        </a:accent4>
-        <a:accent5>
-          <a:srgbClr val="B6B5BF"/>
-        </a:accent5>
-        <a:accent6>
-          <a:srgbClr val="5C5CE7"/>
-        </a:accent6>
-        <a:hlink>
-          <a:srgbClr val="99CCFF"/>
-        </a:hlink>
-        <a:folHlink>
-          <a:srgbClr val="FFFF99"/>
-        </a:folHlink>
-      </a:clrScheme>
-      <a:clrMap bg1="dk2" tx1="lt1" bg2="dk1" tx2="lt2" accent1="accent1" accent2="accent2" accent3="accent3" accent4="accent4" accent5="accent5" accent6="accent6" hlink="hlink" folHlink="folHlink"/>
-    </a:extraClrScheme>
-    <a:extraClrScheme>
-      <a:clrScheme name="Blank Presentation 12">
-        <a:dk1>
-          <a:srgbClr val="2D2015"/>
-        </a:dk1>
-        <a:lt1>
-          <a:srgbClr val="FFFFFF"/>
-        </a:lt1>
-        <a:dk2>
-          <a:srgbClr val="523E26"/>
-        </a:dk2>
-        <a:lt2>
-          <a:srgbClr val="DFC08D"/>
-        </a:lt2>
-        <a:accent1>
-          <a:srgbClr val="8C7B70"/>
-        </a:accent1>
-        <a:accent2>
-          <a:srgbClr val="8F5F2F"/>
-        </a:accent2>
-        <a:accent3>
-          <a:srgbClr val="B3AFAC"/>
-        </a:accent3>
-        <a:accent4>
-          <a:srgbClr val="DADADA"/>
-        </a:accent4>
-        <a:accent5>
-          <a:srgbClr val="C5BFBB"/>
-        </a:accent5>
-        <a:accent6>
-          <a:srgbClr val="81552A"/>
-        </a:accent6>
-        <a:hlink>
-          <a:srgbClr val="CCB400"/>
-        </a:hlink>
-        <a:folHlink>
-          <a:srgbClr val="8C9EA0"/>
-        </a:folHlink>
-      </a:clrScheme>
-      <a:clrMap bg1="dk2" tx1="lt1" bg2="dk1" tx2="lt2" accent1="accent1" accent2="accent2" accent3="accent3" accent4="accent4" accent5="accent5" accent6="accent6" hlink="hlink" folHlink="folHlink"/>
-    </a:extraClrScheme>
-  </a:extraClrSchemeLst>
-  <a:extLst>
-    <a:ext uri="{05A4C25C-085E-4340-85A3-A5531E510DB2}">
-      <thm15:themeFamily xmlns:thm15="http://schemas.microsoft.com/office/thememl/2012/main" name="Blue Background Theme" id="{2DFDCE93-67F8-4AD8-ADD9-EC0DB44F2AE1}" vid="{8095BF8E-35F9-4086-BB9D-BE8E66B472B4}"/>
-    </a:ext>
-  </a:extLst>
-</a:theme>
-</file>
-
-<file path=ppt/theme/theme2.xml><?xml version="1.0" encoding="utf-8"?>
 <a:theme xmlns:a="http://schemas.openxmlformats.org/drawingml/2006/main" name="Office Theme">
   <a:themeElements>
     <a:clrScheme name="Office">
@@ -8034,39 +6212,39 @@
         <a:sysClr val="window" lastClr="FFFFFF"/>
       </a:lt1>
       <a:dk2>
-        <a:srgbClr val="44546A"/>
+        <a:srgbClr val="0E2841"/>
       </a:dk2>
       <a:lt2>
-        <a:srgbClr val="E7E6E6"/>
+        <a:srgbClr val="E8E8E8"/>
       </a:lt2>
       <a:accent1>
-        <a:srgbClr val="4472C4"/>
+        <a:srgbClr val="156082"/>
       </a:accent1>
       <a:accent2>
-        <a:srgbClr val="ED7D31"/>
+        <a:srgbClr val="E97132"/>
       </a:accent2>
       <a:accent3>
-        <a:srgbClr val="A5A5A5"/>
+        <a:srgbClr val="196B24"/>
       </a:accent3>
       <a:accent4>
-        <a:srgbClr val="FFC000"/>
+        <a:srgbClr val="0F9ED5"/>
       </a:accent4>
       <a:accent5>
-        <a:srgbClr val="5B9BD5"/>
+        <a:srgbClr val="A02B93"/>
       </a:accent5>
       <a:accent6>
-        <a:srgbClr val="70AD47"/>
+        <a:srgbClr val="4EA72E"/>
       </a:accent6>
       <a:hlink>
-        <a:srgbClr val="0563C1"/>
+        <a:srgbClr val="467886"/>
       </a:hlink>
       <a:folHlink>
-        <a:srgbClr val="954F72"/>
+        <a:srgbClr val="96607D"/>
       </a:folHlink>
     </a:clrScheme>
     <a:fontScheme name="Office">
       <a:majorFont>
-        <a:latin typeface="Calibri Light" panose="020F0302020204030204"/>
+        <a:latin typeface="Aptos Display" panose="02110004020202020204"/>
         <a:ea typeface=""/>
         <a:cs typeface=""/>
         <a:font script="Jpan" typeface="游ゴシック Light"/>
@@ -8118,7 +6296,7 @@
         <a:font script="Tfng" typeface="Ebrima"/>
       </a:majorFont>
       <a:minorFont>
-        <a:latin typeface="Calibri" panose="020F0502020204030204"/>
+        <a:latin typeface="Aptos" panose="02110004020202020204"/>
         <a:ea typeface=""/>
         <a:cs typeface=""/>
         <a:font script="Jpan" typeface="游ゴシック"/>
@@ -8229,13 +6407,6 @@
         </a:gradFill>
       </a:fillStyleLst>
       <a:lnStyleLst>
-        <a:ln w="6350" cap="flat" cmpd="sng" algn="ctr">
-          <a:solidFill>
-            <a:schemeClr val="phClr"/>
-          </a:solidFill>
-          <a:prstDash val="solid"/>
-          <a:miter lim="800000"/>
-        </a:ln>
         <a:ln w="12700" cap="flat" cmpd="sng" algn="ctr">
           <a:solidFill>
             <a:schemeClr val="phClr"/>
@@ -8244,6 +6415,13 @@
           <a:miter lim="800000"/>
         </a:ln>
         <a:ln w="19050" cap="flat" cmpd="sng" algn="ctr">
+          <a:solidFill>
+            <a:schemeClr val="phClr"/>
+          </a:solidFill>
+          <a:prstDash val="solid"/>
+          <a:miter lim="800000"/>
+        </a:ln>
+        <a:ln w="25400" cap="flat" cmpd="sng" algn="ctr">
           <a:solidFill>
             <a:schemeClr val="phClr"/>
           </a:solidFill>
@@ -8308,11 +6486,31 @@
       </a:bgFillStyleLst>
     </a:fmtScheme>
   </a:themeElements>
-  <a:objectDefaults/>
+  <a:objectDefaults>
+    <a:lnDef>
+      <a:spPr/>
+      <a:bodyPr/>
+      <a:lstStyle/>
+      <a:style>
+        <a:lnRef idx="2">
+          <a:schemeClr val="accent1"/>
+        </a:lnRef>
+        <a:fillRef idx="0">
+          <a:schemeClr val="accent1"/>
+        </a:fillRef>
+        <a:effectRef idx="1">
+          <a:schemeClr val="accent1"/>
+        </a:effectRef>
+        <a:fontRef idx="minor">
+          <a:schemeClr val="tx1"/>
+        </a:fontRef>
+      </a:style>
+    </a:lnDef>
+  </a:objectDefaults>
   <a:extraClrSchemeLst/>
   <a:extLst>
     <a:ext uri="{05A4C25C-085E-4340-85A3-A5531E510DB2}">
-      <thm15:themeFamily xmlns:thm15="http://schemas.microsoft.com/office/thememl/2012/main" name="Office Theme" id="{62F939B6-93AF-4DB8-9C6B-D6C7DFDC589F}" vid="{4A3C46E8-61CC-4603-A589-7422A47A8E4A}"/>
+      <thm15:themeFamily xmlns:thm15="http://schemas.microsoft.com/office/thememl/2012/main" name="Presentation1" id="{DAD0D162-FE0C-45E1-B287-70A400F0FB2D}" vid="{0F85589E-3A92-4CE5-8C4F-6CD4A008415E}"/>
     </a:ext>
   </a:extLst>
 </a:theme>
